--- a/Documentação/Documentação_Teorica/DiagramaSoftware-Macro V1.pptx
+++ b/Documentação/Documentação_Teorica/DiagramaSoftware-Macro V1.pptx
@@ -4,9 +4,14 @@
   <p:sldMasterIdLst>
     <p:sldMasterId id="2147483648" r:id="rId1"/>
   </p:sldMasterIdLst>
+  <p:notesMasterIdLst>
+    <p:notesMasterId r:id="rId6"/>
+  </p:notesMasterIdLst>
   <p:sldIdLst>
     <p:sldId id="258" r:id="rId2"/>
-    <p:sldId id="259" r:id="rId3"/>
+    <p:sldId id="996" r:id="rId3"/>
+    <p:sldId id="997" r:id="rId4"/>
+    <p:sldId id="1002" r:id="rId5"/>
   </p:sldIdLst>
   <p:sldSz cx="12192000" cy="6858000"/>
   <p:notesSz cx="6858000" cy="9144000"/>
@@ -113,6 +118,525 @@
 </p:presentation>
 </file>
 
+<file path=ppt/notesMasters/notesMaster1.xml><?xml version="1.0" encoding="utf-8"?>
+<p:notesMaster xmlns:a="http://schemas.openxmlformats.org/drawingml/2006/main" xmlns:r="http://schemas.openxmlformats.org/officeDocument/2006/relationships" xmlns:p="http://schemas.openxmlformats.org/presentationml/2006/main">
+  <p:cSld>
+    <p:bg>
+      <p:bgRef idx="1001">
+        <a:schemeClr val="bg1"/>
+      </p:bgRef>
+    </p:bg>
+    <p:spTree>
+      <p:nvGrpSpPr>
+        <p:cNvPr id="1" name=""/>
+        <p:cNvGrpSpPr/>
+        <p:nvPr/>
+      </p:nvGrpSpPr>
+      <p:grpSpPr>
+        <a:xfrm>
+          <a:off x="0" y="0"/>
+          <a:ext cx="0" cy="0"/>
+          <a:chOff x="0" y="0"/>
+          <a:chExt cx="0" cy="0"/>
+        </a:xfrm>
+      </p:grpSpPr>
+      <p:sp>
+        <p:nvSpPr>
+          <p:cNvPr id="2" name="Espaço Reservado para Cabeçalho 1"/>
+          <p:cNvSpPr>
+            <a:spLocks noGrp="1"/>
+          </p:cNvSpPr>
+          <p:nvPr>
+            <p:ph type="hdr" sz="quarter"/>
+          </p:nvPr>
+        </p:nvSpPr>
+        <p:spPr>
+          <a:xfrm>
+            <a:off x="0" y="0"/>
+            <a:ext cx="2971800" cy="458788"/>
+          </a:xfrm>
+          <a:prstGeom prst="rect">
+            <a:avLst/>
+          </a:prstGeom>
+        </p:spPr>
+        <p:txBody>
+          <a:bodyPr vert="horz" lIns="91440" tIns="45720" rIns="91440" bIns="45720" rtlCol="0"/>
+          <a:lstStyle>
+            <a:lvl1pPr algn="l">
+              <a:defRPr sz="1200"/>
+            </a:lvl1pPr>
+          </a:lstStyle>
+          <a:p>
+            <a:endParaRPr lang="pt-BR"/>
+          </a:p>
+        </p:txBody>
+      </p:sp>
+      <p:sp>
+        <p:nvSpPr>
+          <p:cNvPr id="3" name="Espaço Reservado para Data 2"/>
+          <p:cNvSpPr>
+            <a:spLocks noGrp="1"/>
+          </p:cNvSpPr>
+          <p:nvPr>
+            <p:ph type="dt" idx="1"/>
+          </p:nvPr>
+        </p:nvSpPr>
+        <p:spPr>
+          <a:xfrm>
+            <a:off x="3884613" y="0"/>
+            <a:ext cx="2971800" cy="458788"/>
+          </a:xfrm>
+          <a:prstGeom prst="rect">
+            <a:avLst/>
+          </a:prstGeom>
+        </p:spPr>
+        <p:txBody>
+          <a:bodyPr vert="horz" lIns="91440" tIns="45720" rIns="91440" bIns="45720" rtlCol="0"/>
+          <a:lstStyle>
+            <a:lvl1pPr algn="r">
+              <a:defRPr sz="1200"/>
+            </a:lvl1pPr>
+          </a:lstStyle>
+          <a:p>
+            <a:fld id="{F28D71C4-EC73-407F-89EA-5BF155CF6825}" type="datetimeFigureOut">
+              <a:rPr lang="pt-BR" smtClean="0"/>
+              <a:t>09/04/2021</a:t>
+            </a:fld>
+            <a:endParaRPr lang="pt-BR"/>
+          </a:p>
+        </p:txBody>
+      </p:sp>
+      <p:sp>
+        <p:nvSpPr>
+          <p:cNvPr id="4" name="Espaço Reservado para Imagem de Slide 3"/>
+          <p:cNvSpPr>
+            <a:spLocks noGrp="1" noRot="1" noChangeAspect="1"/>
+          </p:cNvSpPr>
+          <p:nvPr>
+            <p:ph type="sldImg" idx="2"/>
+          </p:nvPr>
+        </p:nvSpPr>
+        <p:spPr>
+          <a:xfrm>
+            <a:off x="685800" y="1143000"/>
+            <a:ext cx="5486400" cy="3086100"/>
+          </a:xfrm>
+          <a:prstGeom prst="rect">
+            <a:avLst/>
+          </a:prstGeom>
+          <a:noFill/>
+          <a:ln w="12700">
+            <a:solidFill>
+              <a:prstClr val="black"/>
+            </a:solidFill>
+          </a:ln>
+        </p:spPr>
+        <p:txBody>
+          <a:bodyPr vert="horz" lIns="91440" tIns="45720" rIns="91440" bIns="45720" rtlCol="0" anchor="ctr"/>
+          <a:lstStyle/>
+          <a:p>
+            <a:endParaRPr lang="pt-BR"/>
+          </a:p>
+        </p:txBody>
+      </p:sp>
+      <p:sp>
+        <p:nvSpPr>
+          <p:cNvPr id="5" name="Espaço Reservado para Anotações 4"/>
+          <p:cNvSpPr>
+            <a:spLocks noGrp="1"/>
+          </p:cNvSpPr>
+          <p:nvPr>
+            <p:ph type="body" sz="quarter" idx="3"/>
+          </p:nvPr>
+        </p:nvSpPr>
+        <p:spPr>
+          <a:xfrm>
+            <a:off x="685800" y="4400550"/>
+            <a:ext cx="5486400" cy="3600450"/>
+          </a:xfrm>
+          <a:prstGeom prst="rect">
+            <a:avLst/>
+          </a:prstGeom>
+        </p:spPr>
+        <p:txBody>
+          <a:bodyPr vert="horz" lIns="91440" tIns="45720" rIns="91440" bIns="45720" rtlCol="0"/>
+          <a:lstStyle/>
+          <a:p>
+            <a:pPr lvl="0"/>
+            <a:r>
+              <a:rPr lang="pt-BR"/>
+              <a:t>Clique para editar os estilos de texto Mestres</a:t>
+            </a:r>
+          </a:p>
+          <a:p>
+            <a:pPr lvl="1"/>
+            <a:r>
+              <a:rPr lang="pt-BR"/>
+              <a:t>Segundo nível</a:t>
+            </a:r>
+          </a:p>
+          <a:p>
+            <a:pPr lvl="2"/>
+            <a:r>
+              <a:rPr lang="pt-BR"/>
+              <a:t>Terceiro nível</a:t>
+            </a:r>
+          </a:p>
+          <a:p>
+            <a:pPr lvl="3"/>
+            <a:r>
+              <a:rPr lang="pt-BR"/>
+              <a:t>Quarto nível</a:t>
+            </a:r>
+          </a:p>
+          <a:p>
+            <a:pPr lvl="4"/>
+            <a:r>
+              <a:rPr lang="pt-BR"/>
+              <a:t>Quinto nível</a:t>
+            </a:r>
+          </a:p>
+        </p:txBody>
+      </p:sp>
+      <p:sp>
+        <p:nvSpPr>
+          <p:cNvPr id="6" name="Espaço Reservado para Rodapé 5"/>
+          <p:cNvSpPr>
+            <a:spLocks noGrp="1"/>
+          </p:cNvSpPr>
+          <p:nvPr>
+            <p:ph type="ftr" sz="quarter" idx="4"/>
+          </p:nvPr>
+        </p:nvSpPr>
+        <p:spPr>
+          <a:xfrm>
+            <a:off x="0" y="8685213"/>
+            <a:ext cx="2971800" cy="458787"/>
+          </a:xfrm>
+          <a:prstGeom prst="rect">
+            <a:avLst/>
+          </a:prstGeom>
+        </p:spPr>
+        <p:txBody>
+          <a:bodyPr vert="horz" lIns="91440" tIns="45720" rIns="91440" bIns="45720" rtlCol="0" anchor="b"/>
+          <a:lstStyle>
+            <a:lvl1pPr algn="l">
+              <a:defRPr sz="1200"/>
+            </a:lvl1pPr>
+          </a:lstStyle>
+          <a:p>
+            <a:endParaRPr lang="pt-BR"/>
+          </a:p>
+        </p:txBody>
+      </p:sp>
+      <p:sp>
+        <p:nvSpPr>
+          <p:cNvPr id="7" name="Espaço Reservado para Número de Slide 6"/>
+          <p:cNvSpPr>
+            <a:spLocks noGrp="1"/>
+          </p:cNvSpPr>
+          <p:nvPr>
+            <p:ph type="sldNum" sz="quarter" idx="5"/>
+          </p:nvPr>
+        </p:nvSpPr>
+        <p:spPr>
+          <a:xfrm>
+            <a:off x="3884613" y="8685213"/>
+            <a:ext cx="2971800" cy="458787"/>
+          </a:xfrm>
+          <a:prstGeom prst="rect">
+            <a:avLst/>
+          </a:prstGeom>
+        </p:spPr>
+        <p:txBody>
+          <a:bodyPr vert="horz" lIns="91440" tIns="45720" rIns="91440" bIns="45720" rtlCol="0" anchor="b"/>
+          <a:lstStyle>
+            <a:lvl1pPr algn="r">
+              <a:defRPr sz="1200"/>
+            </a:lvl1pPr>
+          </a:lstStyle>
+          <a:p>
+            <a:fld id="{62696625-B7EF-4703-8E6D-196860635971}" type="slidenum">
+              <a:rPr lang="pt-BR" smtClean="0"/>
+              <a:t>‹nº›</a:t>
+            </a:fld>
+            <a:endParaRPr lang="pt-BR"/>
+          </a:p>
+        </p:txBody>
+      </p:sp>
+    </p:spTree>
+    <p:extLst>
+      <p:ext uri="{BB962C8B-B14F-4D97-AF65-F5344CB8AC3E}">
+        <p14:creationId xmlns:p14="http://schemas.microsoft.com/office/powerpoint/2010/main" val="609761946"/>
+      </p:ext>
+    </p:extLst>
+  </p:cSld>
+  <p:clrMap bg1="lt1" tx1="dk1" bg2="lt2" tx2="dk2" accent1="accent1" accent2="accent2" accent3="accent3" accent4="accent4" accent5="accent5" accent6="accent6" hlink="hlink" folHlink="folHlink"/>
+  <p:notesStyle>
+    <a:lvl1pPr marL="0" algn="l" defTabSz="914400" rtl="0" eaLnBrk="1" latinLnBrk="0" hangingPunct="1">
+      <a:defRPr sz="1200" kern="1200">
+        <a:solidFill>
+          <a:schemeClr val="tx1"/>
+        </a:solidFill>
+        <a:latin typeface="+mn-lt"/>
+        <a:ea typeface="+mn-ea"/>
+        <a:cs typeface="+mn-cs"/>
+      </a:defRPr>
+    </a:lvl1pPr>
+    <a:lvl2pPr marL="457200" algn="l" defTabSz="914400" rtl="0" eaLnBrk="1" latinLnBrk="0" hangingPunct="1">
+      <a:defRPr sz="1200" kern="1200">
+        <a:solidFill>
+          <a:schemeClr val="tx1"/>
+        </a:solidFill>
+        <a:latin typeface="+mn-lt"/>
+        <a:ea typeface="+mn-ea"/>
+        <a:cs typeface="+mn-cs"/>
+      </a:defRPr>
+    </a:lvl2pPr>
+    <a:lvl3pPr marL="914400" algn="l" defTabSz="914400" rtl="0" eaLnBrk="1" latinLnBrk="0" hangingPunct="1">
+      <a:defRPr sz="1200" kern="1200">
+        <a:solidFill>
+          <a:schemeClr val="tx1"/>
+        </a:solidFill>
+        <a:latin typeface="+mn-lt"/>
+        <a:ea typeface="+mn-ea"/>
+        <a:cs typeface="+mn-cs"/>
+      </a:defRPr>
+    </a:lvl3pPr>
+    <a:lvl4pPr marL="1371600" algn="l" defTabSz="914400" rtl="0" eaLnBrk="1" latinLnBrk="0" hangingPunct="1">
+      <a:defRPr sz="1200" kern="1200">
+        <a:solidFill>
+          <a:schemeClr val="tx1"/>
+        </a:solidFill>
+        <a:latin typeface="+mn-lt"/>
+        <a:ea typeface="+mn-ea"/>
+        <a:cs typeface="+mn-cs"/>
+      </a:defRPr>
+    </a:lvl4pPr>
+    <a:lvl5pPr marL="1828800" algn="l" defTabSz="914400" rtl="0" eaLnBrk="1" latinLnBrk="0" hangingPunct="1">
+      <a:defRPr sz="1200" kern="1200">
+        <a:solidFill>
+          <a:schemeClr val="tx1"/>
+        </a:solidFill>
+        <a:latin typeface="+mn-lt"/>
+        <a:ea typeface="+mn-ea"/>
+        <a:cs typeface="+mn-cs"/>
+      </a:defRPr>
+    </a:lvl5pPr>
+    <a:lvl6pPr marL="2286000" algn="l" defTabSz="914400" rtl="0" eaLnBrk="1" latinLnBrk="0" hangingPunct="1">
+      <a:defRPr sz="1200" kern="1200">
+        <a:solidFill>
+          <a:schemeClr val="tx1"/>
+        </a:solidFill>
+        <a:latin typeface="+mn-lt"/>
+        <a:ea typeface="+mn-ea"/>
+        <a:cs typeface="+mn-cs"/>
+      </a:defRPr>
+    </a:lvl6pPr>
+    <a:lvl7pPr marL="2743200" algn="l" defTabSz="914400" rtl="0" eaLnBrk="1" latinLnBrk="0" hangingPunct="1">
+      <a:defRPr sz="1200" kern="1200">
+        <a:solidFill>
+          <a:schemeClr val="tx1"/>
+        </a:solidFill>
+        <a:latin typeface="+mn-lt"/>
+        <a:ea typeface="+mn-ea"/>
+        <a:cs typeface="+mn-cs"/>
+      </a:defRPr>
+    </a:lvl7pPr>
+    <a:lvl8pPr marL="3200400" algn="l" defTabSz="914400" rtl="0" eaLnBrk="1" latinLnBrk="0" hangingPunct="1">
+      <a:defRPr sz="1200" kern="1200">
+        <a:solidFill>
+          <a:schemeClr val="tx1"/>
+        </a:solidFill>
+        <a:latin typeface="+mn-lt"/>
+        <a:ea typeface="+mn-ea"/>
+        <a:cs typeface="+mn-cs"/>
+      </a:defRPr>
+    </a:lvl8pPr>
+    <a:lvl9pPr marL="3657600" algn="l" defTabSz="914400" rtl="0" eaLnBrk="1" latinLnBrk="0" hangingPunct="1">
+      <a:defRPr sz="1200" kern="1200">
+        <a:solidFill>
+          <a:schemeClr val="tx1"/>
+        </a:solidFill>
+        <a:latin typeface="+mn-lt"/>
+        <a:ea typeface="+mn-ea"/>
+        <a:cs typeface="+mn-cs"/>
+      </a:defRPr>
+    </a:lvl9pPr>
+  </p:notesStyle>
+</p:notesMaster>
+</file>
+
+<file path=ppt/notesSlides/notesSlide1.xml><?xml version="1.0" encoding="utf-8"?>
+<p:notes xmlns:a="http://schemas.openxmlformats.org/drawingml/2006/main" xmlns:r="http://schemas.openxmlformats.org/officeDocument/2006/relationships" xmlns:p="http://schemas.openxmlformats.org/presentationml/2006/main">
+  <p:cSld>
+    <p:spTree>
+      <p:nvGrpSpPr>
+        <p:cNvPr id="1" name=""/>
+        <p:cNvGrpSpPr/>
+        <p:nvPr/>
+      </p:nvGrpSpPr>
+      <p:grpSpPr>
+        <a:xfrm>
+          <a:off x="0" y="0"/>
+          <a:ext cx="0" cy="0"/>
+          <a:chOff x="0" y="0"/>
+          <a:chExt cx="0" cy="0"/>
+        </a:xfrm>
+      </p:grpSpPr>
+      <p:sp>
+        <p:nvSpPr>
+          <p:cNvPr id="2" name="Slide Image Placeholder 1"/>
+          <p:cNvSpPr>
+            <a:spLocks noGrp="1" noRot="1" noChangeAspect="1"/>
+          </p:cNvSpPr>
+          <p:nvPr>
+            <p:ph type="sldImg"/>
+          </p:nvPr>
+        </p:nvSpPr>
+        <p:spPr/>
+      </p:sp>
+      <p:sp>
+        <p:nvSpPr>
+          <p:cNvPr id="3" name="Notes Placeholder 2"/>
+          <p:cNvSpPr>
+            <a:spLocks noGrp="1"/>
+          </p:cNvSpPr>
+          <p:nvPr>
+            <p:ph type="body" idx="1"/>
+          </p:nvPr>
+        </p:nvSpPr>
+        <p:spPr/>
+        <p:txBody>
+          <a:bodyPr/>
+          <a:lstStyle/>
+          <a:p>
+            <a:endParaRPr lang="pt-BR" dirty="0"/>
+          </a:p>
+        </p:txBody>
+      </p:sp>
+      <p:sp>
+        <p:nvSpPr>
+          <p:cNvPr id="4" name="Slide Number Placeholder 3"/>
+          <p:cNvSpPr>
+            <a:spLocks noGrp="1"/>
+          </p:cNvSpPr>
+          <p:nvPr>
+            <p:ph type="sldNum" sz="quarter" idx="5"/>
+          </p:nvPr>
+        </p:nvSpPr>
+        <p:spPr/>
+        <p:txBody>
+          <a:bodyPr/>
+          <a:lstStyle/>
+          <a:p>
+            <a:fld id="{75B3645A-D0AE-4F6E-A17E-E0036A9041AF}" type="slidenum">
+              <a:rPr lang="pt-BR" smtClean="0"/>
+              <a:pPr/>
+              <a:t>3</a:t>
+            </a:fld>
+            <a:endParaRPr lang="pt-BR"/>
+          </a:p>
+        </p:txBody>
+      </p:sp>
+    </p:spTree>
+    <p:extLst>
+      <p:ext uri="{BB962C8B-B14F-4D97-AF65-F5344CB8AC3E}">
+        <p14:creationId xmlns:p14="http://schemas.microsoft.com/office/powerpoint/2010/main" val="2743913104"/>
+      </p:ext>
+    </p:extLst>
+  </p:cSld>
+  <p:clrMapOvr>
+    <a:masterClrMapping/>
+  </p:clrMapOvr>
+</p:notes>
+</file>
+
+<file path=ppt/notesSlides/notesSlide2.xml><?xml version="1.0" encoding="utf-8"?>
+<p:notes xmlns:a="http://schemas.openxmlformats.org/drawingml/2006/main" xmlns:r="http://schemas.openxmlformats.org/officeDocument/2006/relationships" xmlns:p="http://schemas.openxmlformats.org/presentationml/2006/main">
+  <p:cSld>
+    <p:spTree>
+      <p:nvGrpSpPr>
+        <p:cNvPr id="1" name=""/>
+        <p:cNvGrpSpPr/>
+        <p:nvPr/>
+      </p:nvGrpSpPr>
+      <p:grpSpPr>
+        <a:xfrm>
+          <a:off x="0" y="0"/>
+          <a:ext cx="0" cy="0"/>
+          <a:chOff x="0" y="0"/>
+          <a:chExt cx="0" cy="0"/>
+        </a:xfrm>
+      </p:grpSpPr>
+      <p:sp>
+        <p:nvSpPr>
+          <p:cNvPr id="2" name="Slide Image Placeholder 1"/>
+          <p:cNvSpPr>
+            <a:spLocks noGrp="1" noRot="1" noChangeAspect="1"/>
+          </p:cNvSpPr>
+          <p:nvPr>
+            <p:ph type="sldImg"/>
+          </p:nvPr>
+        </p:nvSpPr>
+        <p:spPr/>
+      </p:sp>
+      <p:sp>
+        <p:nvSpPr>
+          <p:cNvPr id="3" name="Notes Placeholder 2"/>
+          <p:cNvSpPr>
+            <a:spLocks noGrp="1"/>
+          </p:cNvSpPr>
+          <p:nvPr>
+            <p:ph type="body" idx="1"/>
+          </p:nvPr>
+        </p:nvSpPr>
+        <p:spPr/>
+        <p:txBody>
+          <a:bodyPr/>
+          <a:lstStyle/>
+          <a:p>
+            <a:endParaRPr lang="pt-BR" dirty="0"/>
+          </a:p>
+        </p:txBody>
+      </p:sp>
+      <p:sp>
+        <p:nvSpPr>
+          <p:cNvPr id="4" name="Slide Number Placeholder 3"/>
+          <p:cNvSpPr>
+            <a:spLocks noGrp="1"/>
+          </p:cNvSpPr>
+          <p:nvPr>
+            <p:ph type="sldNum" sz="quarter" idx="5"/>
+          </p:nvPr>
+        </p:nvSpPr>
+        <p:spPr/>
+        <p:txBody>
+          <a:bodyPr/>
+          <a:lstStyle/>
+          <a:p>
+            <a:fld id="{75B3645A-D0AE-4F6E-A17E-E0036A9041AF}" type="slidenum">
+              <a:rPr lang="pt-BR" smtClean="0"/>
+              <a:pPr/>
+              <a:t>4</a:t>
+            </a:fld>
+            <a:endParaRPr lang="pt-BR"/>
+          </a:p>
+        </p:txBody>
+      </p:sp>
+    </p:spTree>
+    <p:extLst>
+      <p:ext uri="{BB962C8B-B14F-4D97-AF65-F5344CB8AC3E}">
+        <p14:creationId xmlns:p14="http://schemas.microsoft.com/office/powerpoint/2010/main" val="557654765"/>
+      </p:ext>
+    </p:extLst>
+  </p:cSld>
+  <p:clrMapOvr>
+    <a:masterClrMapping/>
+  </p:clrMapOvr>
+</p:notes>
+</file>
+
 <file path=ppt/slideLayouts/slideLayout1.xml><?xml version="1.0" encoding="utf-8"?>
 <p:sldLayout xmlns:a="http://schemas.openxmlformats.org/drawingml/2006/main" xmlns:r="http://schemas.openxmlformats.org/officeDocument/2006/relationships" xmlns:p="http://schemas.openxmlformats.org/presentationml/2006/main" type="title" preserve="1">
   <p:cSld name="Slide de Título">
@@ -260,7 +784,7 @@
           <a:p>
             <a:fld id="{2366D275-DC3E-472D-8530-21908099632B}" type="datetimeFigureOut">
               <a:rPr lang="pt-BR" smtClean="0"/>
-              <a:t>08/04/2021</a:t>
+              <a:t>09/04/2021</a:t>
             </a:fld>
             <a:endParaRPr lang="pt-BR"/>
           </a:p>
@@ -458,7 +982,7 @@
           <a:p>
             <a:fld id="{2366D275-DC3E-472D-8530-21908099632B}" type="datetimeFigureOut">
               <a:rPr lang="pt-BR" smtClean="0"/>
-              <a:t>08/04/2021</a:t>
+              <a:t>09/04/2021</a:t>
             </a:fld>
             <a:endParaRPr lang="pt-BR"/>
           </a:p>
@@ -666,7 +1190,7 @@
           <a:p>
             <a:fld id="{2366D275-DC3E-472D-8530-21908099632B}" type="datetimeFigureOut">
               <a:rPr lang="pt-BR" smtClean="0"/>
-              <a:t>08/04/2021</a:t>
+              <a:t>09/04/2021</a:t>
             </a:fld>
             <a:endParaRPr lang="pt-BR"/>
           </a:p>
@@ -736,6 +1260,1006 @@
   <p:clrMapOvr>
     <a:masterClrMapping/>
   </p:clrMapOvr>
+</p:sldLayout>
+</file>
+
+<file path=ppt/slideLayouts/slideLayout12.xml><?xml version="1.0" encoding="utf-8"?>
+<p:sldLayout xmlns:a="http://schemas.openxmlformats.org/drawingml/2006/main" xmlns:r="http://schemas.openxmlformats.org/officeDocument/2006/relationships" xmlns:p="http://schemas.openxmlformats.org/presentationml/2006/main">
+  <p:cSld name="Uma Parte de Conteúdo">
+    <p:spTree>
+      <p:nvGrpSpPr>
+        <p:cNvPr id="1" name=""/>
+        <p:cNvGrpSpPr/>
+        <p:nvPr/>
+      </p:nvGrpSpPr>
+      <p:grpSpPr>
+        <a:xfrm>
+          <a:off x="0" y="0"/>
+          <a:ext cx="0" cy="0"/>
+          <a:chOff x="0" y="0"/>
+          <a:chExt cx="0" cy="0"/>
+        </a:xfrm>
+      </p:grpSpPr>
+      <p:sp>
+        <p:nvSpPr>
+          <p:cNvPr id="4103" name="Freeform 7"/>
+          <p:cNvSpPr>
+            <a:spLocks/>
+          </p:cNvSpPr>
+          <p:nvPr/>
+        </p:nvSpPr>
+        <p:spPr bwMode="auto">
+          <a:xfrm>
+            <a:off x="11432460" y="6302667"/>
+            <a:ext cx="759540" cy="555333"/>
+          </a:xfrm>
+          <a:custGeom>
+            <a:avLst/>
+            <a:gdLst/>
+            <a:ahLst/>
+            <a:cxnLst>
+              <a:cxn ang="0">
+                <a:pos x="1475" y="0"/>
+              </a:cxn>
+              <a:cxn ang="0">
+                <a:pos x="742" y="258"/>
+              </a:cxn>
+              <a:cxn ang="0">
+                <a:pos x="701" y="273"/>
+              </a:cxn>
+              <a:cxn ang="0">
+                <a:pos x="660" y="290"/>
+              </a:cxn>
+              <a:cxn ang="0">
+                <a:pos x="620" y="309"/>
+              </a:cxn>
+              <a:cxn ang="0">
+                <a:pos x="582" y="329"/>
+              </a:cxn>
+              <a:cxn ang="0">
+                <a:pos x="544" y="350"/>
+              </a:cxn>
+              <a:cxn ang="0">
+                <a:pos x="508" y="373"/>
+              </a:cxn>
+              <a:cxn ang="0">
+                <a:pos x="472" y="397"/>
+              </a:cxn>
+              <a:cxn ang="0">
+                <a:pos x="437" y="422"/>
+              </a:cxn>
+              <a:cxn ang="0">
+                <a:pos x="404" y="449"/>
+              </a:cxn>
+              <a:cxn ang="0">
+                <a:pos x="371" y="477"/>
+              </a:cxn>
+              <a:cxn ang="0">
+                <a:pos x="341" y="506"/>
+              </a:cxn>
+              <a:cxn ang="0">
+                <a:pos x="311" y="536"/>
+              </a:cxn>
+              <a:cxn ang="0">
+                <a:pos x="281" y="566"/>
+              </a:cxn>
+              <a:cxn ang="0">
+                <a:pos x="254" y="599"/>
+              </a:cxn>
+              <a:cxn ang="0">
+                <a:pos x="228" y="632"/>
+              </a:cxn>
+              <a:cxn ang="0">
+                <a:pos x="203" y="666"/>
+              </a:cxn>
+              <a:cxn ang="0">
+                <a:pos x="179" y="701"/>
+              </a:cxn>
+              <a:cxn ang="0">
+                <a:pos x="158" y="738"/>
+              </a:cxn>
+              <a:cxn ang="0">
+                <a:pos x="136" y="775"/>
+              </a:cxn>
+              <a:cxn ang="0">
+                <a:pos x="117" y="813"/>
+              </a:cxn>
+              <a:cxn ang="0">
+                <a:pos x="98" y="850"/>
+              </a:cxn>
+              <a:cxn ang="0">
+                <a:pos x="82" y="890"/>
+              </a:cxn>
+              <a:cxn ang="0">
+                <a:pos x="67" y="930"/>
+              </a:cxn>
+              <a:cxn ang="0">
+                <a:pos x="53" y="970"/>
+              </a:cxn>
+              <a:cxn ang="0">
+                <a:pos x="41" y="1011"/>
+              </a:cxn>
+              <a:cxn ang="0">
+                <a:pos x="30" y="1053"/>
+              </a:cxn>
+              <a:cxn ang="0">
+                <a:pos x="21" y="1096"/>
+              </a:cxn>
+              <a:cxn ang="0">
+                <a:pos x="14" y="1138"/>
+              </a:cxn>
+              <a:cxn ang="0">
+                <a:pos x="7" y="1181"/>
+              </a:cxn>
+              <a:cxn ang="0">
+                <a:pos x="4" y="1224"/>
+              </a:cxn>
+              <a:cxn ang="0">
+                <a:pos x="1" y="1269"/>
+              </a:cxn>
+              <a:cxn ang="0">
+                <a:pos x="0" y="1313"/>
+              </a:cxn>
+              <a:cxn ang="0">
+                <a:pos x="0" y="1578"/>
+              </a:cxn>
+              <a:cxn ang="0">
+                <a:pos x="1475" y="1578"/>
+              </a:cxn>
+              <a:cxn ang="0">
+                <a:pos x="1475" y="0"/>
+              </a:cxn>
+            </a:cxnLst>
+            <a:rect l="0" t="0" r="r" b="b"/>
+            <a:pathLst>
+              <a:path w="1475" h="1578">
+                <a:moveTo>
+                  <a:pt x="1475" y="0"/>
+                </a:moveTo>
+                <a:lnTo>
+                  <a:pt x="742" y="258"/>
+                </a:lnTo>
+                <a:lnTo>
+                  <a:pt x="701" y="273"/>
+                </a:lnTo>
+                <a:lnTo>
+                  <a:pt x="660" y="290"/>
+                </a:lnTo>
+                <a:lnTo>
+                  <a:pt x="620" y="309"/>
+                </a:lnTo>
+                <a:lnTo>
+                  <a:pt x="582" y="329"/>
+                </a:lnTo>
+                <a:lnTo>
+                  <a:pt x="544" y="350"/>
+                </a:lnTo>
+                <a:lnTo>
+                  <a:pt x="508" y="373"/>
+                </a:lnTo>
+                <a:lnTo>
+                  <a:pt x="472" y="397"/>
+                </a:lnTo>
+                <a:lnTo>
+                  <a:pt x="437" y="422"/>
+                </a:lnTo>
+                <a:lnTo>
+                  <a:pt x="404" y="449"/>
+                </a:lnTo>
+                <a:lnTo>
+                  <a:pt x="371" y="477"/>
+                </a:lnTo>
+                <a:lnTo>
+                  <a:pt x="341" y="506"/>
+                </a:lnTo>
+                <a:lnTo>
+                  <a:pt x="311" y="536"/>
+                </a:lnTo>
+                <a:lnTo>
+                  <a:pt x="281" y="566"/>
+                </a:lnTo>
+                <a:lnTo>
+                  <a:pt x="254" y="599"/>
+                </a:lnTo>
+                <a:lnTo>
+                  <a:pt x="228" y="632"/>
+                </a:lnTo>
+                <a:lnTo>
+                  <a:pt x="203" y="666"/>
+                </a:lnTo>
+                <a:lnTo>
+                  <a:pt x="179" y="701"/>
+                </a:lnTo>
+                <a:lnTo>
+                  <a:pt x="158" y="738"/>
+                </a:lnTo>
+                <a:lnTo>
+                  <a:pt x="136" y="775"/>
+                </a:lnTo>
+                <a:lnTo>
+                  <a:pt x="117" y="813"/>
+                </a:lnTo>
+                <a:lnTo>
+                  <a:pt x="98" y="850"/>
+                </a:lnTo>
+                <a:lnTo>
+                  <a:pt x="82" y="890"/>
+                </a:lnTo>
+                <a:lnTo>
+                  <a:pt x="67" y="930"/>
+                </a:lnTo>
+                <a:lnTo>
+                  <a:pt x="53" y="970"/>
+                </a:lnTo>
+                <a:lnTo>
+                  <a:pt x="41" y="1011"/>
+                </a:lnTo>
+                <a:lnTo>
+                  <a:pt x="30" y="1053"/>
+                </a:lnTo>
+                <a:lnTo>
+                  <a:pt x="21" y="1096"/>
+                </a:lnTo>
+                <a:lnTo>
+                  <a:pt x="14" y="1138"/>
+                </a:lnTo>
+                <a:lnTo>
+                  <a:pt x="7" y="1181"/>
+                </a:lnTo>
+                <a:lnTo>
+                  <a:pt x="4" y="1224"/>
+                </a:lnTo>
+                <a:lnTo>
+                  <a:pt x="1" y="1269"/>
+                </a:lnTo>
+                <a:lnTo>
+                  <a:pt x="0" y="1313"/>
+                </a:lnTo>
+                <a:lnTo>
+                  <a:pt x="0" y="1578"/>
+                </a:lnTo>
+                <a:lnTo>
+                  <a:pt x="1475" y="1578"/>
+                </a:lnTo>
+                <a:lnTo>
+                  <a:pt x="1475" y="0"/>
+                </a:lnTo>
+                <a:close/>
+              </a:path>
+            </a:pathLst>
+          </a:custGeom>
+          <a:solidFill>
+            <a:srgbClr val="292C34"/>
+          </a:solidFill>
+          <a:ln w="9525">
+            <a:noFill/>
+            <a:round/>
+            <a:headEnd/>
+            <a:tailEnd/>
+          </a:ln>
+        </p:spPr>
+        <p:txBody>
+          <a:bodyPr vert="horz" wrap="square" lIns="104255" tIns="52128" rIns="104255" bIns="52128" numCol="1" anchor="t" anchorCtr="0" compatLnSpc="1">
+            <a:prstTxWarp prst="textNoShape">
+              <a:avLst/>
+            </a:prstTxWarp>
+          </a:bodyPr>
+          <a:lstStyle/>
+          <a:p>
+            <a:endParaRPr lang="pt-BR" sz="2394"/>
+          </a:p>
+        </p:txBody>
+      </p:sp>
+      <p:sp>
+        <p:nvSpPr>
+          <p:cNvPr id="18" name="Espaço Reservado para Texto 17"/>
+          <p:cNvSpPr>
+            <a:spLocks noGrp="1"/>
+          </p:cNvSpPr>
+          <p:nvPr>
+            <p:ph type="body" sz="quarter" idx="11"/>
+          </p:nvPr>
+        </p:nvSpPr>
+        <p:spPr>
+          <a:xfrm>
+            <a:off x="1981647" y="1208042"/>
+            <a:ext cx="8546987" cy="5225211"/>
+          </a:xfrm>
+          <a:prstGeom prst="rect">
+            <a:avLst/>
+          </a:prstGeom>
+        </p:spPr>
+        <p:txBody>
+          <a:bodyPr/>
+          <a:lstStyle>
+            <a:lvl1pPr>
+              <a:buClr>
+                <a:srgbClr val="32B9CD"/>
+              </a:buClr>
+              <a:defRPr>
+                <a:latin typeface="Exo 2" pitchFamily="50" charset="0"/>
+              </a:defRPr>
+            </a:lvl1pPr>
+            <a:lvl2pPr>
+              <a:buClr>
+                <a:srgbClr val="32B9CD"/>
+              </a:buClr>
+              <a:defRPr>
+                <a:latin typeface="Exo 2" pitchFamily="50" charset="0"/>
+              </a:defRPr>
+            </a:lvl2pPr>
+            <a:lvl3pPr>
+              <a:buClr>
+                <a:srgbClr val="32B9CD"/>
+              </a:buClr>
+              <a:defRPr>
+                <a:latin typeface="Exo 2" pitchFamily="50" charset="0"/>
+              </a:defRPr>
+            </a:lvl3pPr>
+            <a:lvl4pPr>
+              <a:buClr>
+                <a:srgbClr val="32B9CD"/>
+              </a:buClr>
+              <a:defRPr>
+                <a:latin typeface="Exo 2" pitchFamily="50" charset="0"/>
+              </a:defRPr>
+            </a:lvl4pPr>
+            <a:lvl5pPr>
+              <a:buClr>
+                <a:srgbClr val="32B9CD"/>
+              </a:buClr>
+              <a:defRPr>
+                <a:latin typeface="Exo 2" pitchFamily="50" charset="0"/>
+              </a:defRPr>
+            </a:lvl5pPr>
+          </a:lstStyle>
+          <a:p>
+            <a:pPr lvl="0"/>
+            <a:r>
+              <a:rPr lang="pt-BR" dirty="0"/>
+              <a:t>Clique para editar os estilos do texto mestre</a:t>
+            </a:r>
+          </a:p>
+          <a:p>
+            <a:pPr lvl="1"/>
+            <a:r>
+              <a:rPr lang="pt-BR" dirty="0"/>
+              <a:t>Segundo nível</a:t>
+            </a:r>
+          </a:p>
+          <a:p>
+            <a:pPr lvl="2"/>
+            <a:r>
+              <a:rPr lang="pt-BR" dirty="0"/>
+              <a:t>Terceiro nível</a:t>
+            </a:r>
+          </a:p>
+          <a:p>
+            <a:pPr lvl="3"/>
+            <a:r>
+              <a:rPr lang="pt-BR" dirty="0"/>
+              <a:t>Quarto nível</a:t>
+            </a:r>
+          </a:p>
+          <a:p>
+            <a:pPr lvl="4"/>
+            <a:r>
+              <a:rPr lang="pt-BR" dirty="0"/>
+              <a:t>Quinto nível</a:t>
+            </a:r>
+          </a:p>
+        </p:txBody>
+      </p:sp>
+      <p:sp>
+        <p:nvSpPr>
+          <p:cNvPr id="7" name="Rectangle 4"/>
+          <p:cNvSpPr>
+            <a:spLocks noGrp="1" noChangeArrowheads="1"/>
+          </p:cNvSpPr>
+          <p:nvPr>
+            <p:ph type="sldNum" sz="quarter" idx="4"/>
+          </p:nvPr>
+        </p:nvSpPr>
+        <p:spPr bwMode="auto">
+          <a:xfrm>
+            <a:off x="11432460" y="6563910"/>
+            <a:ext cx="570147" cy="194359"/>
+          </a:xfrm>
+          <a:prstGeom prst="rect">
+            <a:avLst/>
+          </a:prstGeom>
+          <a:noFill/>
+          <a:ln w="9525">
+            <a:noFill/>
+            <a:miter lim="800000"/>
+            <a:headEnd/>
+            <a:tailEnd/>
+          </a:ln>
+          <a:effectLst/>
+        </p:spPr>
+        <p:txBody>
+          <a:bodyPr vert="horz" wrap="square" lIns="18000" tIns="10800" rIns="18000" bIns="10800" numCol="1" anchor="t" anchorCtr="0" compatLnSpc="1">
+            <a:prstTxWarp prst="textNoShape">
+              <a:avLst/>
+            </a:prstTxWarp>
+          </a:bodyPr>
+          <a:lstStyle>
+            <a:lvl1pPr algn="r">
+              <a:spcBef>
+                <a:spcPct val="0"/>
+              </a:spcBef>
+              <a:spcAft>
+                <a:spcPct val="0"/>
+              </a:spcAft>
+              <a:defRPr sz="1140" b="1">
+                <a:solidFill>
+                  <a:schemeClr val="bg1"/>
+                </a:solidFill>
+                <a:latin typeface="Exo 2" pitchFamily="50" charset="0"/>
+                <a:ea typeface="Tahoma" pitchFamily="34" charset="0"/>
+                <a:cs typeface="Tahoma" pitchFamily="34" charset="0"/>
+              </a:defRPr>
+            </a:lvl1pPr>
+          </a:lstStyle>
+          <a:p>
+            <a:pPr>
+              <a:defRPr/>
+            </a:pPr>
+            <a:fld id="{B66251D2-9488-44CD-87B4-F793A73C4A01}" type="slidenum">
+              <a:rPr lang="pt-BR" smtClean="0"/>
+              <a:pPr>
+                <a:defRPr/>
+              </a:pPr>
+              <a:t>‹nº›</a:t>
+            </a:fld>
+            <a:endParaRPr lang="pt-BR" sz="798" dirty="0"/>
+          </a:p>
+        </p:txBody>
+      </p:sp>
+      <p:sp>
+        <p:nvSpPr>
+          <p:cNvPr id="9" name="Freeform 6"/>
+          <p:cNvSpPr>
+            <a:spLocks/>
+          </p:cNvSpPr>
+          <p:nvPr/>
+        </p:nvSpPr>
+        <p:spPr bwMode="auto">
+          <a:xfrm>
+            <a:off x="6" y="9"/>
+            <a:ext cx="1661896" cy="1208438"/>
+          </a:xfrm>
+          <a:custGeom>
+            <a:avLst/>
+            <a:gdLst/>
+            <a:ahLst/>
+            <a:cxnLst>
+              <a:cxn ang="0">
+                <a:pos x="3091" y="1686"/>
+              </a:cxn>
+              <a:cxn ang="0">
+                <a:pos x="3117" y="1687"/>
+              </a:cxn>
+              <a:cxn ang="0">
+                <a:pos x="3156" y="1689"/>
+              </a:cxn>
+              <a:cxn ang="0">
+                <a:pos x="3169" y="1687"/>
+              </a:cxn>
+              <a:cxn ang="0">
+                <a:pos x="3252" y="1655"/>
+              </a:cxn>
+              <a:cxn ang="0">
+                <a:pos x="3332" y="1617"/>
+              </a:cxn>
+              <a:cxn ang="0">
+                <a:pos x="3408" y="1573"/>
+              </a:cxn>
+              <a:cxn ang="0">
+                <a:pos x="3478" y="1523"/>
+              </a:cxn>
+              <a:cxn ang="0">
+                <a:pos x="3545" y="1469"/>
+              </a:cxn>
+              <a:cxn ang="0">
+                <a:pos x="3608" y="1411"/>
+              </a:cxn>
+              <a:cxn ang="0">
+                <a:pos x="3665" y="1346"/>
+              </a:cxn>
+              <a:cxn ang="0">
+                <a:pos x="3718" y="1279"/>
+              </a:cxn>
+              <a:cxn ang="0">
+                <a:pos x="3765" y="1207"/>
+              </a:cxn>
+              <a:cxn ang="0">
+                <a:pos x="3807" y="1133"/>
+              </a:cxn>
+              <a:cxn ang="0">
+                <a:pos x="3842" y="1055"/>
+              </a:cxn>
+              <a:cxn ang="0">
+                <a:pos x="3872" y="974"/>
+              </a:cxn>
+              <a:cxn ang="0">
+                <a:pos x="3896" y="890"/>
+              </a:cxn>
+              <a:cxn ang="0">
+                <a:pos x="3913" y="805"/>
+              </a:cxn>
+              <a:cxn ang="0">
+                <a:pos x="3923" y="717"/>
+              </a:cxn>
+              <a:cxn ang="0">
+                <a:pos x="3927" y="628"/>
+              </a:cxn>
+              <a:cxn ang="0">
+                <a:pos x="3855" y="0"/>
+              </a:cxn>
+              <a:cxn ang="0">
+                <a:pos x="3088" y="0"/>
+              </a:cxn>
+              <a:cxn ang="0">
+                <a:pos x="3855" y="278"/>
+              </a:cxn>
+              <a:cxn ang="0">
+                <a:pos x="3853" y="671"/>
+              </a:cxn>
+              <a:cxn ang="0">
+                <a:pos x="3847" y="753"/>
+              </a:cxn>
+              <a:cxn ang="0">
+                <a:pos x="3834" y="834"/>
+              </a:cxn>
+              <a:cxn ang="0">
+                <a:pos x="3814" y="913"/>
+              </a:cxn>
+              <a:cxn ang="0">
+                <a:pos x="3790" y="990"/>
+              </a:cxn>
+              <a:cxn ang="0">
+                <a:pos x="3759" y="1063"/>
+              </a:cxn>
+              <a:cxn ang="0">
+                <a:pos x="3723" y="1135"/>
+              </a:cxn>
+              <a:cxn ang="0">
+                <a:pos x="3682" y="1204"/>
+              </a:cxn>
+              <a:cxn ang="0">
+                <a:pos x="3635" y="1269"/>
+              </a:cxn>
+              <a:cxn ang="0">
+                <a:pos x="3583" y="1330"/>
+              </a:cxn>
+              <a:cxn ang="0">
+                <a:pos x="3528" y="1388"/>
+              </a:cxn>
+              <a:cxn ang="0">
+                <a:pos x="3467" y="1441"/>
+              </a:cxn>
+              <a:cxn ang="0">
+                <a:pos x="3403" y="1489"/>
+              </a:cxn>
+              <a:cxn ang="0">
+                <a:pos x="3333" y="1533"/>
+              </a:cxn>
+              <a:cxn ang="0">
+                <a:pos x="3261" y="1571"/>
+              </a:cxn>
+              <a:cxn ang="0">
+                <a:pos x="3185" y="1604"/>
+              </a:cxn>
+              <a:cxn ang="0">
+                <a:pos x="3140" y="1621"/>
+              </a:cxn>
+              <a:cxn ang="0">
+                <a:pos x="3121" y="1636"/>
+              </a:cxn>
+              <a:cxn ang="0">
+                <a:pos x="3091" y="1661"/>
+              </a:cxn>
+              <a:cxn ang="0">
+                <a:pos x="0" y="2718"/>
+              </a:cxn>
+            </a:cxnLst>
+            <a:rect l="0" t="0" r="r" b="b"/>
+            <a:pathLst>
+              <a:path w="3927" h="2740">
+                <a:moveTo>
+                  <a:pt x="0" y="2740"/>
+                </a:moveTo>
+                <a:lnTo>
+                  <a:pt x="3091" y="1686"/>
+                </a:lnTo>
+                <a:lnTo>
+                  <a:pt x="3098" y="1686"/>
+                </a:lnTo>
+                <a:lnTo>
+                  <a:pt x="3117" y="1687"/>
+                </a:lnTo>
+                <a:lnTo>
+                  <a:pt x="3139" y="1689"/>
+                </a:lnTo>
+                <a:lnTo>
+                  <a:pt x="3156" y="1689"/>
+                </a:lnTo>
+                <a:lnTo>
+                  <a:pt x="3163" y="1689"/>
+                </a:lnTo>
+                <a:lnTo>
+                  <a:pt x="3169" y="1687"/>
+                </a:lnTo>
+                <a:lnTo>
+                  <a:pt x="3211" y="1672"/>
+                </a:lnTo>
+                <a:lnTo>
+                  <a:pt x="3252" y="1655"/>
+                </a:lnTo>
+                <a:lnTo>
+                  <a:pt x="3293" y="1637"/>
+                </a:lnTo>
+                <a:lnTo>
+                  <a:pt x="3332" y="1617"/>
+                </a:lnTo>
+                <a:lnTo>
+                  <a:pt x="3370" y="1595"/>
+                </a:lnTo>
+                <a:lnTo>
+                  <a:pt x="3408" y="1573"/>
+                </a:lnTo>
+                <a:lnTo>
+                  <a:pt x="3443" y="1549"/>
+                </a:lnTo>
+                <a:lnTo>
+                  <a:pt x="3478" y="1523"/>
+                </a:lnTo>
+                <a:lnTo>
+                  <a:pt x="3512" y="1497"/>
+                </a:lnTo>
+                <a:lnTo>
+                  <a:pt x="3545" y="1469"/>
+                </a:lnTo>
+                <a:lnTo>
+                  <a:pt x="3577" y="1440"/>
+                </a:lnTo>
+                <a:lnTo>
+                  <a:pt x="3608" y="1411"/>
+                </a:lnTo>
+                <a:lnTo>
+                  <a:pt x="3637" y="1379"/>
+                </a:lnTo>
+                <a:lnTo>
+                  <a:pt x="3665" y="1346"/>
+                </a:lnTo>
+                <a:lnTo>
+                  <a:pt x="3692" y="1314"/>
+                </a:lnTo>
+                <a:lnTo>
+                  <a:pt x="3718" y="1279"/>
+                </a:lnTo>
+                <a:lnTo>
+                  <a:pt x="3742" y="1244"/>
+                </a:lnTo>
+                <a:lnTo>
+                  <a:pt x="3765" y="1207"/>
+                </a:lnTo>
+                <a:lnTo>
+                  <a:pt x="3786" y="1171"/>
+                </a:lnTo>
+                <a:lnTo>
+                  <a:pt x="3807" y="1133"/>
+                </a:lnTo>
+                <a:lnTo>
+                  <a:pt x="3826" y="1094"/>
+                </a:lnTo>
+                <a:lnTo>
+                  <a:pt x="3842" y="1055"/>
+                </a:lnTo>
+                <a:lnTo>
+                  <a:pt x="3858" y="1014"/>
+                </a:lnTo>
+                <a:lnTo>
+                  <a:pt x="3872" y="974"/>
+                </a:lnTo>
+                <a:lnTo>
+                  <a:pt x="3885" y="932"/>
+                </a:lnTo>
+                <a:lnTo>
+                  <a:pt x="3896" y="890"/>
+                </a:lnTo>
+                <a:lnTo>
+                  <a:pt x="3905" y="848"/>
+                </a:lnTo>
+                <a:lnTo>
+                  <a:pt x="3913" y="805"/>
+                </a:lnTo>
+                <a:lnTo>
+                  <a:pt x="3919" y="762"/>
+                </a:lnTo>
+                <a:lnTo>
+                  <a:pt x="3923" y="717"/>
+                </a:lnTo>
+                <a:lnTo>
+                  <a:pt x="3927" y="673"/>
+                </a:lnTo>
+                <a:lnTo>
+                  <a:pt x="3927" y="628"/>
+                </a:lnTo>
+                <a:lnTo>
+                  <a:pt x="3927" y="0"/>
+                </a:lnTo>
+                <a:lnTo>
+                  <a:pt x="3855" y="0"/>
+                </a:lnTo>
+                <a:lnTo>
+                  <a:pt x="3855" y="256"/>
+                </a:lnTo>
+                <a:lnTo>
+                  <a:pt x="3088" y="0"/>
+                </a:lnTo>
+                <a:lnTo>
+                  <a:pt x="3022" y="0"/>
+                </a:lnTo>
+                <a:lnTo>
+                  <a:pt x="3855" y="278"/>
+                </a:lnTo>
+                <a:lnTo>
+                  <a:pt x="3855" y="628"/>
+                </a:lnTo>
+                <a:lnTo>
+                  <a:pt x="3853" y="671"/>
+                </a:lnTo>
+                <a:lnTo>
+                  <a:pt x="3851" y="711"/>
+                </a:lnTo>
+                <a:lnTo>
+                  <a:pt x="3847" y="753"/>
+                </a:lnTo>
+                <a:lnTo>
+                  <a:pt x="3841" y="793"/>
+                </a:lnTo>
+                <a:lnTo>
+                  <a:pt x="3834" y="834"/>
+                </a:lnTo>
+                <a:lnTo>
+                  <a:pt x="3826" y="874"/>
+                </a:lnTo>
+                <a:lnTo>
+                  <a:pt x="3814" y="913"/>
+                </a:lnTo>
+                <a:lnTo>
+                  <a:pt x="3803" y="951"/>
+                </a:lnTo>
+                <a:lnTo>
+                  <a:pt x="3790" y="990"/>
+                </a:lnTo>
+                <a:lnTo>
+                  <a:pt x="3775" y="1027"/>
+                </a:lnTo>
+                <a:lnTo>
+                  <a:pt x="3759" y="1063"/>
+                </a:lnTo>
+                <a:lnTo>
+                  <a:pt x="3742" y="1100"/>
+                </a:lnTo>
+                <a:lnTo>
+                  <a:pt x="3723" y="1135"/>
+                </a:lnTo>
+                <a:lnTo>
+                  <a:pt x="3703" y="1170"/>
+                </a:lnTo>
+                <a:lnTo>
+                  <a:pt x="3682" y="1204"/>
+                </a:lnTo>
+                <a:lnTo>
+                  <a:pt x="3659" y="1237"/>
+                </a:lnTo>
+                <a:lnTo>
+                  <a:pt x="3635" y="1269"/>
+                </a:lnTo>
+                <a:lnTo>
+                  <a:pt x="3610" y="1300"/>
+                </a:lnTo>
+                <a:lnTo>
+                  <a:pt x="3583" y="1330"/>
+                </a:lnTo>
+                <a:lnTo>
+                  <a:pt x="3555" y="1359"/>
+                </a:lnTo>
+                <a:lnTo>
+                  <a:pt x="3528" y="1388"/>
+                </a:lnTo>
+                <a:lnTo>
+                  <a:pt x="3497" y="1415"/>
+                </a:lnTo>
+                <a:lnTo>
+                  <a:pt x="3467" y="1441"/>
+                </a:lnTo>
+                <a:lnTo>
+                  <a:pt x="3435" y="1465"/>
+                </a:lnTo>
+                <a:lnTo>
+                  <a:pt x="3403" y="1489"/>
+                </a:lnTo>
+                <a:lnTo>
+                  <a:pt x="3368" y="1512"/>
+                </a:lnTo>
+                <a:lnTo>
+                  <a:pt x="3333" y="1533"/>
+                </a:lnTo>
+                <a:lnTo>
+                  <a:pt x="3298" y="1552"/>
+                </a:lnTo>
+                <a:lnTo>
+                  <a:pt x="3261" y="1571"/>
+                </a:lnTo>
+                <a:lnTo>
+                  <a:pt x="3223" y="1588"/>
+                </a:lnTo>
+                <a:lnTo>
+                  <a:pt x="3185" y="1604"/>
+                </a:lnTo>
+                <a:lnTo>
+                  <a:pt x="3145" y="1618"/>
+                </a:lnTo>
+                <a:lnTo>
+                  <a:pt x="3140" y="1621"/>
+                </a:lnTo>
+                <a:lnTo>
+                  <a:pt x="3135" y="1624"/>
+                </a:lnTo>
+                <a:lnTo>
+                  <a:pt x="3121" y="1636"/>
+                </a:lnTo>
+                <a:lnTo>
+                  <a:pt x="3104" y="1650"/>
+                </a:lnTo>
+                <a:lnTo>
+                  <a:pt x="3091" y="1661"/>
+                </a:lnTo>
+                <a:lnTo>
+                  <a:pt x="3084" y="1666"/>
+                </a:lnTo>
+                <a:lnTo>
+                  <a:pt x="0" y="2718"/>
+                </a:lnTo>
+                <a:lnTo>
+                  <a:pt x="0" y="2740"/>
+                </a:lnTo>
+                <a:close/>
+              </a:path>
+            </a:pathLst>
+          </a:custGeom>
+          <a:solidFill>
+            <a:srgbClr val="3B3D42"/>
+          </a:solidFill>
+          <a:ln w="9525">
+            <a:noFill/>
+            <a:round/>
+            <a:headEnd/>
+            <a:tailEnd/>
+          </a:ln>
+        </p:spPr>
+        <p:txBody>
+          <a:bodyPr vert="horz" wrap="square" lIns="104255" tIns="52128" rIns="104255" bIns="52128" numCol="1" anchor="t" anchorCtr="0" compatLnSpc="1">
+            <a:prstTxWarp prst="textNoShape">
+              <a:avLst/>
+            </a:prstTxWarp>
+          </a:bodyPr>
+          <a:lstStyle/>
+          <a:p>
+            <a:endParaRPr lang="pt-BR" sz="2394"/>
+          </a:p>
+        </p:txBody>
+      </p:sp>
+      <p:sp>
+        <p:nvSpPr>
+          <p:cNvPr id="10" name="Espaço Reservado para Texto 15"/>
+          <p:cNvSpPr>
+            <a:spLocks noGrp="1"/>
+          </p:cNvSpPr>
+          <p:nvPr>
+            <p:ph type="body" sz="quarter" idx="13" hasCustomPrompt="1"/>
+          </p:nvPr>
+        </p:nvSpPr>
+        <p:spPr>
+          <a:xfrm>
+            <a:off x="1981647" y="98162"/>
+            <a:ext cx="9779211" cy="694428"/>
+          </a:xfrm>
+          <a:prstGeom prst="rect">
+            <a:avLst/>
+          </a:prstGeom>
+        </p:spPr>
+        <p:txBody>
+          <a:bodyPr anchor="t"/>
+          <a:lstStyle>
+            <a:lvl1pPr>
+              <a:buNone/>
+              <a:defRPr sz="3420" b="1" baseline="0">
+                <a:solidFill>
+                  <a:srgbClr val="32B9CD"/>
+                </a:solidFill>
+                <a:latin typeface="Exo 2" pitchFamily="50" charset="0"/>
+              </a:defRPr>
+            </a:lvl1pPr>
+            <a:lvl2pPr>
+              <a:buNone/>
+              <a:defRPr sz="3420">
+                <a:latin typeface="Exo 2" pitchFamily="50" charset="0"/>
+              </a:defRPr>
+            </a:lvl2pPr>
+            <a:lvl3pPr>
+              <a:buNone/>
+              <a:defRPr sz="3420">
+                <a:latin typeface="Exo 2" pitchFamily="50" charset="0"/>
+              </a:defRPr>
+            </a:lvl3pPr>
+            <a:lvl4pPr>
+              <a:buNone/>
+              <a:defRPr sz="3420">
+                <a:latin typeface="Exo 2" pitchFamily="50" charset="0"/>
+              </a:defRPr>
+            </a:lvl4pPr>
+            <a:lvl5pPr>
+              <a:buNone/>
+              <a:defRPr sz="3420">
+                <a:latin typeface="Exo 2" pitchFamily="50" charset="0"/>
+              </a:defRPr>
+            </a:lvl5pPr>
+          </a:lstStyle>
+          <a:p>
+            <a:pPr lvl="0"/>
+            <a:r>
+              <a:rPr lang="pt-BR" dirty="0"/>
+              <a:t>Clique para editar título do slide</a:t>
+            </a:r>
+          </a:p>
+        </p:txBody>
+      </p:sp>
+      <p:pic>
+        <p:nvPicPr>
+          <p:cNvPr id="11" name="Imagem 10"/>
+          <p:cNvPicPr>
+            <a:picLocks noChangeAspect="1"/>
+          </p:cNvPicPr>
+          <p:nvPr userDrawn="1"/>
+        </p:nvPicPr>
+        <p:blipFill>
+          <a:blip r:embed="rId2" cstate="print">
+            <a:extLst>
+              <a:ext uri="{28A0092B-C50C-407E-A947-70E740481C1C}">
+                <a14:useLocalDpi xmlns:a14="http://schemas.microsoft.com/office/drawing/2010/main" val="0"/>
+              </a:ext>
+            </a:extLst>
+          </a:blip>
+          <a:stretch>
+            <a:fillRect/>
+          </a:stretch>
+        </p:blipFill>
+        <p:spPr>
+          <a:xfrm>
+            <a:off x="164857" y="150637"/>
+            <a:ext cx="1217211" cy="453590"/>
+          </a:xfrm>
+          <a:prstGeom prst="rect">
+            <a:avLst/>
+          </a:prstGeom>
+        </p:spPr>
+      </p:pic>
+    </p:spTree>
+    <p:extLst>
+      <p:ext uri="{BB962C8B-B14F-4D97-AF65-F5344CB8AC3E}">
+        <p14:creationId xmlns:p14="http://schemas.microsoft.com/office/powerpoint/2010/main" val="2953543064"/>
+      </p:ext>
+    </p:extLst>
+  </p:cSld>
+  <p:clrMapOvr>
+    <a:masterClrMapping/>
+  </p:clrMapOvr>
+  <p:hf hdr="0" ftr="0" dt="0"/>
 </p:sldLayout>
 </file>
 
@@ -864,7 +2388,7 @@
           <a:p>
             <a:fld id="{2366D275-DC3E-472D-8530-21908099632B}" type="datetimeFigureOut">
               <a:rPr lang="pt-BR" smtClean="0"/>
-              <a:t>08/04/2021</a:t>
+              <a:t>09/04/2021</a:t>
             </a:fld>
             <a:endParaRPr lang="pt-BR"/>
           </a:p>
@@ -1139,7 +2663,7 @@
           <a:p>
             <a:fld id="{2366D275-DC3E-472D-8530-21908099632B}" type="datetimeFigureOut">
               <a:rPr lang="pt-BR" smtClean="0"/>
-              <a:t>08/04/2021</a:t>
+              <a:t>09/04/2021</a:t>
             </a:fld>
             <a:endParaRPr lang="pt-BR"/>
           </a:p>
@@ -1404,7 +2928,7 @@
           <a:p>
             <a:fld id="{2366D275-DC3E-472D-8530-21908099632B}" type="datetimeFigureOut">
               <a:rPr lang="pt-BR" smtClean="0"/>
-              <a:t>08/04/2021</a:t>
+              <a:t>09/04/2021</a:t>
             </a:fld>
             <a:endParaRPr lang="pt-BR"/>
           </a:p>
@@ -1816,7 +3340,7 @@
           <a:p>
             <a:fld id="{2366D275-DC3E-472D-8530-21908099632B}" type="datetimeFigureOut">
               <a:rPr lang="pt-BR" smtClean="0"/>
-              <a:t>08/04/2021</a:t>
+              <a:t>09/04/2021</a:t>
             </a:fld>
             <a:endParaRPr lang="pt-BR"/>
           </a:p>
@@ -1957,7 +3481,7 @@
           <a:p>
             <a:fld id="{2366D275-DC3E-472D-8530-21908099632B}" type="datetimeFigureOut">
               <a:rPr lang="pt-BR" smtClean="0"/>
-              <a:t>08/04/2021</a:t>
+              <a:t>09/04/2021</a:t>
             </a:fld>
             <a:endParaRPr lang="pt-BR"/>
           </a:p>
@@ -2070,7 +3594,7 @@
           <a:p>
             <a:fld id="{2366D275-DC3E-472D-8530-21908099632B}" type="datetimeFigureOut">
               <a:rPr lang="pt-BR" smtClean="0"/>
-              <a:t>08/04/2021</a:t>
+              <a:t>09/04/2021</a:t>
             </a:fld>
             <a:endParaRPr lang="pt-BR"/>
           </a:p>
@@ -2381,7 +3905,7 @@
           <a:p>
             <a:fld id="{2366D275-DC3E-472D-8530-21908099632B}" type="datetimeFigureOut">
               <a:rPr lang="pt-BR" smtClean="0"/>
-              <a:t>08/04/2021</a:t>
+              <a:t>09/04/2021</a:t>
             </a:fld>
             <a:endParaRPr lang="pt-BR"/>
           </a:p>
@@ -2669,7 +4193,7 @@
           <a:p>
             <a:fld id="{2366D275-DC3E-472D-8530-21908099632B}" type="datetimeFigureOut">
               <a:rPr lang="pt-BR" smtClean="0"/>
-              <a:t>08/04/2021</a:t>
+              <a:t>09/04/2021</a:t>
             </a:fld>
             <a:endParaRPr lang="pt-BR"/>
           </a:p>
@@ -2910,7 +4434,7 @@
           <a:p>
             <a:fld id="{2366D275-DC3E-472D-8530-21908099632B}" type="datetimeFigureOut">
               <a:rPr lang="pt-BR" smtClean="0"/>
-              <a:t>08/04/2021</a:t>
+              <a:t>09/04/2021</a:t>
             </a:fld>
             <a:endParaRPr lang="pt-BR"/>
           </a:p>
@@ -3026,6 +4550,7 @@
     <p:sldLayoutId id="2147483657" r:id="rId9"/>
     <p:sldLayoutId id="2147483658" r:id="rId10"/>
     <p:sldLayoutId id="2147483659" r:id="rId11"/>
+    <p:sldLayoutId id="2147483660" r:id="rId12"/>
   </p:sldLayoutIdLst>
   <p:txStyles>
     <p:titleStyle>
@@ -4857,10 +6382,10 @@
       </p:grpSpPr>
       <p:sp>
         <p:nvSpPr>
-          <p:cNvPr id="2" name="CaixaDeTexto 1">
-            <a:extLst>
-              <a:ext uri="{FF2B5EF4-FFF2-40B4-BE49-F238E27FC236}">
-                <a16:creationId xmlns:a16="http://schemas.microsoft.com/office/drawing/2014/main" id="{AEC6D6E8-52D4-4F13-83B6-833BFB64DE51}"/>
+          <p:cNvPr id="7" name="CaixaDeTexto 6">
+            <a:extLst>
+              <a:ext uri="{FF2B5EF4-FFF2-40B4-BE49-F238E27FC236}">
+                <a16:creationId xmlns:a16="http://schemas.microsoft.com/office/drawing/2014/main" id="{27CFFAF2-0583-4880-9A0E-804E38F4A188}"/>
               </a:ext>
             </a:extLst>
           </p:cNvPr>
@@ -4869,8 +6394,437 @@
         </p:nvSpPr>
         <p:spPr>
           <a:xfrm>
-            <a:off x="132522" y="318052"/>
-            <a:ext cx="5963478" cy="646331"/>
+            <a:off x="218351" y="261482"/>
+            <a:ext cx="10352780" cy="615563"/>
+          </a:xfrm>
+          <a:prstGeom prst="rect">
+            <a:avLst/>
+          </a:prstGeom>
+        </p:spPr>
+        <p:txBody>
+          <a:bodyPr vert="horz" lIns="91435" tIns="45717" rIns="91435" bIns="45717" rtlCol="0" anchor="ctr">
+            <a:normAutofit fontScale="92500" lnSpcReduction="10000"/>
+          </a:bodyPr>
+          <a:lstStyle/>
+          <a:p>
+            <a:r>
+              <a:rPr lang="pt-BR" sz="4000" b="1" dirty="0"/>
+              <a:t>Visão micro - </a:t>
+            </a:r>
+            <a:r>
+              <a:rPr lang="pt-BR" sz="4000" b="1" dirty="0" err="1"/>
+              <a:t>DataBase</a:t>
+            </a:r>
+            <a:endParaRPr lang="pt-BR" sz="4000" b="1" dirty="0"/>
+          </a:p>
+        </p:txBody>
+      </p:sp>
+      <p:grpSp>
+        <p:nvGrpSpPr>
+          <p:cNvPr id="4" name="Group 15">
+            <a:extLst>
+              <a:ext uri="{FF2B5EF4-FFF2-40B4-BE49-F238E27FC236}">
+                <a16:creationId xmlns:a16="http://schemas.microsoft.com/office/drawing/2014/main" id="{7EA750B9-3348-4962-804D-E688E0154408}"/>
+              </a:ext>
+            </a:extLst>
+          </p:cNvPr>
+          <p:cNvGrpSpPr/>
+          <p:nvPr/>
+        </p:nvGrpSpPr>
+        <p:grpSpPr>
+          <a:xfrm>
+            <a:off x="7441273" y="2691429"/>
+            <a:ext cx="3617489" cy="2069665"/>
+            <a:chOff x="797982" y="898546"/>
+            <a:chExt cx="3505479" cy="2267885"/>
+          </a:xfrm>
+        </p:grpSpPr>
+        <p:sp>
+          <p:nvSpPr>
+            <p:cNvPr id="6" name="Fluxograma: Disco Magnético 5">
+              <a:extLst>
+                <a:ext uri="{FF2B5EF4-FFF2-40B4-BE49-F238E27FC236}">
+                  <a16:creationId xmlns:a16="http://schemas.microsoft.com/office/drawing/2014/main" id="{01C0661D-942B-4FF4-B5C6-77C3C44AE8E5}"/>
+                </a:ext>
+              </a:extLst>
+            </p:cNvPr>
+            <p:cNvSpPr/>
+            <p:nvPr/>
+          </p:nvSpPr>
+          <p:spPr>
+            <a:xfrm>
+              <a:off x="869150" y="898546"/>
+              <a:ext cx="3363144" cy="2267885"/>
+            </a:xfrm>
+            <a:prstGeom prst="flowChartMagneticDisk">
+              <a:avLst/>
+            </a:prstGeom>
+            <a:solidFill>
+              <a:srgbClr val="53CC89"/>
+            </a:solidFill>
+            <a:ln>
+              <a:solidFill>
+                <a:srgbClr val="253746"/>
+              </a:solidFill>
+            </a:ln>
+          </p:spPr>
+          <p:style>
+            <a:lnRef idx="2">
+              <a:schemeClr val="accent1">
+                <a:shade val="50000"/>
+              </a:schemeClr>
+            </a:lnRef>
+            <a:fillRef idx="1">
+              <a:schemeClr val="accent1"/>
+            </a:fillRef>
+            <a:effectRef idx="0">
+              <a:schemeClr val="accent1"/>
+            </a:effectRef>
+            <a:fontRef idx="minor">
+              <a:schemeClr val="lt1"/>
+            </a:fontRef>
+          </p:style>
+          <p:txBody>
+            <a:bodyPr rtlCol="0" anchor="ctr"/>
+            <a:lstStyle/>
+            <a:p>
+              <a:pPr algn="ctr"/>
+              <a:endParaRPr lang="pt-BR" sz="1800" dirty="0">
+                <a:solidFill>
+                  <a:prstClr val="white"/>
+                </a:solidFill>
+                <a:latin typeface="Calibri"/>
+              </a:endParaRPr>
+            </a:p>
+          </p:txBody>
+        </p:sp>
+        <p:sp>
+          <p:nvSpPr>
+            <p:cNvPr id="8" name="CaixaDeTexto 7">
+              <a:extLst>
+                <a:ext uri="{FF2B5EF4-FFF2-40B4-BE49-F238E27FC236}">
+                  <a16:creationId xmlns:a16="http://schemas.microsoft.com/office/drawing/2014/main" id="{BEA2F586-B13E-4604-BCF1-228B1CDAC45B}"/>
+                </a:ext>
+              </a:extLst>
+            </p:cNvPr>
+            <p:cNvSpPr txBox="1"/>
+            <p:nvPr/>
+          </p:nvSpPr>
+          <p:spPr>
+            <a:xfrm>
+              <a:off x="797982" y="1786899"/>
+              <a:ext cx="3505479" cy="861774"/>
+            </a:xfrm>
+            <a:prstGeom prst="rect">
+              <a:avLst/>
+            </a:prstGeom>
+            <a:noFill/>
+          </p:spPr>
+          <p:txBody>
+            <a:bodyPr wrap="square">
+              <a:spAutoFit/>
+            </a:bodyPr>
+            <a:lstStyle/>
+            <a:p>
+              <a:pPr algn="ctr">
+                <a:defRPr/>
+              </a:pPr>
+              <a:r>
+                <a:rPr lang="pt-BR" sz="1600" b="1" dirty="0" err="1">
+                  <a:solidFill>
+                    <a:schemeClr val="bg2">
+                      <a:lumMod val="25000"/>
+                    </a:schemeClr>
+                  </a:solidFill>
+                  <a:latin typeface="Arial" panose="020B0604020202020204" pitchFamily="34" charset="0"/>
+                  <a:cs typeface="Arial" panose="020B0604020202020204" pitchFamily="34" charset="0"/>
+                </a:rPr>
+                <a:t>Database</a:t>
+              </a:r>
+              <a:r>
+                <a:rPr lang="pt-BR" sz="1600" b="1" dirty="0">
+                  <a:solidFill>
+                    <a:schemeClr val="bg2">
+                      <a:lumMod val="25000"/>
+                    </a:schemeClr>
+                  </a:solidFill>
+                  <a:latin typeface="Arial" panose="020B0604020202020204" pitchFamily="34" charset="0"/>
+                  <a:cs typeface="Arial" panose="020B0604020202020204" pitchFamily="34" charset="0"/>
+                </a:rPr>
+                <a:t>-</a:t>
+              </a:r>
+            </a:p>
+            <a:p>
+              <a:pPr algn="ctr">
+                <a:defRPr/>
+              </a:pPr>
+              <a:r>
+                <a:rPr lang="pt-BR" sz="1600" b="1" dirty="0">
+                  <a:solidFill>
+                    <a:schemeClr val="bg2">
+                      <a:lumMod val="25000"/>
+                    </a:schemeClr>
+                  </a:solidFill>
+                  <a:latin typeface="Arial" panose="020B0604020202020204" pitchFamily="34" charset="0"/>
+                  <a:cs typeface="Arial" panose="020B0604020202020204" pitchFamily="34" charset="0"/>
+                </a:rPr>
+                <a:t>[Container: SQL Server – Azure]</a:t>
+              </a:r>
+            </a:p>
+            <a:p>
+              <a:pPr algn="ctr">
+                <a:defRPr/>
+              </a:pPr>
+              <a:r>
+                <a:rPr lang="pt-BR" sz="1600" b="1" dirty="0">
+                  <a:solidFill>
+                    <a:schemeClr val="bg2">
+                      <a:lumMod val="25000"/>
+                    </a:schemeClr>
+                  </a:solidFill>
+                  <a:latin typeface="Arial" panose="020B0604020202020204" pitchFamily="34" charset="0"/>
+                  <a:cs typeface="Arial" panose="020B0604020202020204" pitchFamily="34" charset="0"/>
+                </a:rPr>
+                <a:t>Base de dados do nosso sistema</a:t>
+              </a:r>
+              <a:endParaRPr lang="pt-BR" b="1" dirty="0">
+                <a:solidFill>
+                  <a:schemeClr val="bg2">
+                    <a:lumMod val="25000"/>
+                  </a:schemeClr>
+                </a:solidFill>
+                <a:latin typeface="Arial" panose="020B0604020202020204" pitchFamily="34" charset="0"/>
+                <a:cs typeface="Arial" panose="020B0604020202020204" pitchFamily="34" charset="0"/>
+              </a:endParaRPr>
+            </a:p>
+          </p:txBody>
+        </p:sp>
+      </p:grpSp>
+      <p:sp>
+        <p:nvSpPr>
+          <p:cNvPr id="2" name="Retângulo 1">
+            <a:extLst>
+              <a:ext uri="{FF2B5EF4-FFF2-40B4-BE49-F238E27FC236}">
+                <a16:creationId xmlns:a16="http://schemas.microsoft.com/office/drawing/2014/main" id="{7FD13977-E585-42C5-89D3-428C805459CD}"/>
+              </a:ext>
+            </a:extLst>
+          </p:cNvPr>
+          <p:cNvSpPr/>
+          <p:nvPr/>
+        </p:nvSpPr>
+        <p:spPr>
+          <a:xfrm>
+            <a:off x="6997148" y="877045"/>
+            <a:ext cx="4505740" cy="5698435"/>
+          </a:xfrm>
+          <a:prstGeom prst="rect">
+            <a:avLst/>
+          </a:prstGeom>
+          <a:noFill/>
+          <a:ln w="38100" cap="flat" cmpd="sng" algn="ctr">
+            <a:solidFill>
+              <a:schemeClr val="dk1"/>
+            </a:solidFill>
+            <a:prstDash val="sysDash"/>
+            <a:round/>
+            <a:headEnd type="none" w="med" len="med"/>
+            <a:tailEnd type="none" w="med" len="med"/>
+          </a:ln>
+        </p:spPr>
+        <p:style>
+          <a:lnRef idx="0">
+            <a:scrgbClr r="0" g="0" b="0"/>
+          </a:lnRef>
+          <a:fillRef idx="0">
+            <a:scrgbClr r="0" g="0" b="0"/>
+          </a:fillRef>
+          <a:effectRef idx="0">
+            <a:scrgbClr r="0" g="0" b="0"/>
+          </a:effectRef>
+          <a:fontRef idx="minor">
+            <a:schemeClr val="dk1"/>
+          </a:fontRef>
+        </p:style>
+        <p:txBody>
+          <a:bodyPr rtlCol="0" anchor="ctr"/>
+          <a:lstStyle/>
+          <a:p>
+            <a:pPr algn="ctr"/>
+            <a:endParaRPr lang="pt-BR"/>
+          </a:p>
+        </p:txBody>
+      </p:sp>
+      <p:cxnSp>
+        <p:nvCxnSpPr>
+          <p:cNvPr id="11" name="Conector de Seta Reta 10">
+            <a:extLst>
+              <a:ext uri="{FF2B5EF4-FFF2-40B4-BE49-F238E27FC236}">
+                <a16:creationId xmlns:a16="http://schemas.microsoft.com/office/drawing/2014/main" id="{D8B94316-6E5E-4B68-95D0-7762A68BEEA8}"/>
+              </a:ext>
+            </a:extLst>
+          </p:cNvPr>
+          <p:cNvCxnSpPr>
+            <a:cxnSpLocks/>
+          </p:cNvCxnSpPr>
+          <p:nvPr/>
+        </p:nvCxnSpPr>
+        <p:spPr>
+          <a:xfrm>
+            <a:off x="3869384" y="3429000"/>
+            <a:ext cx="3127764" cy="0"/>
+          </a:xfrm>
+          <a:prstGeom prst="straightConnector1">
+            <a:avLst/>
+          </a:prstGeom>
+          <a:ln w="28575">
+            <a:tailEnd type="triangle"/>
+          </a:ln>
+        </p:spPr>
+        <p:style>
+          <a:lnRef idx="3">
+            <a:schemeClr val="dk1"/>
+          </a:lnRef>
+          <a:fillRef idx="0">
+            <a:schemeClr val="dk1"/>
+          </a:fillRef>
+          <a:effectRef idx="2">
+            <a:schemeClr val="dk1"/>
+          </a:effectRef>
+          <a:fontRef idx="minor">
+            <a:schemeClr val="tx1"/>
+          </a:fontRef>
+        </p:style>
+      </p:cxnSp>
+      <p:sp>
+        <p:nvSpPr>
+          <p:cNvPr id="14" name="Retângulo 17">
+            <a:extLst>
+              <a:ext uri="{FF2B5EF4-FFF2-40B4-BE49-F238E27FC236}">
+                <a16:creationId xmlns:a16="http://schemas.microsoft.com/office/drawing/2014/main" id="{49ED1407-66F5-4D59-921C-483FC47DC892}"/>
+              </a:ext>
+            </a:extLst>
+          </p:cNvPr>
+          <p:cNvSpPr/>
+          <p:nvPr/>
+        </p:nvSpPr>
+        <p:spPr>
+          <a:xfrm>
+            <a:off x="1050556" y="2319130"/>
+            <a:ext cx="2818828" cy="2441964"/>
+          </a:xfrm>
+          <a:prstGeom prst="rect">
+            <a:avLst/>
+          </a:prstGeom>
+          <a:noFill/>
+          <a:ln w="19050">
+            <a:solidFill>
+              <a:srgbClr val="00B050"/>
+            </a:solidFill>
+          </a:ln>
+        </p:spPr>
+        <p:style>
+          <a:lnRef idx="2">
+            <a:schemeClr val="accent5">
+              <a:shade val="50000"/>
+            </a:schemeClr>
+          </a:lnRef>
+          <a:fillRef idx="1">
+            <a:schemeClr val="accent5"/>
+          </a:fillRef>
+          <a:effectRef idx="0">
+            <a:schemeClr val="accent5"/>
+          </a:effectRef>
+          <a:fontRef idx="minor">
+            <a:schemeClr val="lt1"/>
+          </a:fontRef>
+        </p:style>
+        <p:txBody>
+          <a:bodyPr rtlCol="0" anchor="ctr"/>
+          <a:lstStyle/>
+          <a:p>
+            <a:pPr algn="ctr"/>
+            <a:endParaRPr lang="pt-BR" sz="1800" dirty="0">
+              <a:solidFill>
+                <a:prstClr val="white"/>
+              </a:solidFill>
+              <a:latin typeface="Calibri"/>
+            </a:endParaRPr>
+          </a:p>
+        </p:txBody>
+      </p:sp>
+      <p:sp>
+        <p:nvSpPr>
+          <p:cNvPr id="15" name="Retângulo 17">
+            <a:extLst>
+              <a:ext uri="{FF2B5EF4-FFF2-40B4-BE49-F238E27FC236}">
+                <a16:creationId xmlns:a16="http://schemas.microsoft.com/office/drawing/2014/main" id="{01504532-92A3-4EA5-B64F-FC38A7DD74FB}"/>
+              </a:ext>
+            </a:extLst>
+          </p:cNvPr>
+          <p:cNvSpPr/>
+          <p:nvPr/>
+        </p:nvSpPr>
+        <p:spPr>
+          <a:xfrm>
+            <a:off x="1133237" y="2420112"/>
+            <a:ext cx="2662705" cy="2215967"/>
+          </a:xfrm>
+          <a:prstGeom prst="rect">
+            <a:avLst/>
+          </a:prstGeom>
+          <a:noFill/>
+          <a:ln w="19050">
+            <a:solidFill>
+              <a:srgbClr val="00B050"/>
+            </a:solidFill>
+          </a:ln>
+        </p:spPr>
+        <p:style>
+          <a:lnRef idx="2">
+            <a:schemeClr val="accent5">
+              <a:shade val="50000"/>
+            </a:schemeClr>
+          </a:lnRef>
+          <a:fillRef idx="1">
+            <a:schemeClr val="accent5"/>
+          </a:fillRef>
+          <a:effectRef idx="0">
+            <a:schemeClr val="accent5"/>
+          </a:effectRef>
+          <a:fontRef idx="minor">
+            <a:schemeClr val="lt1"/>
+          </a:fontRef>
+        </p:style>
+        <p:txBody>
+          <a:bodyPr rtlCol="0" anchor="ctr"/>
+          <a:lstStyle/>
+          <a:p>
+            <a:pPr algn="ctr"/>
+            <a:endParaRPr lang="pt-BR" sz="1800" dirty="0">
+              <a:solidFill>
+                <a:prstClr val="white"/>
+              </a:solidFill>
+              <a:latin typeface="Calibri"/>
+            </a:endParaRPr>
+          </a:p>
+        </p:txBody>
+      </p:sp>
+      <p:sp>
+        <p:nvSpPr>
+          <p:cNvPr id="17" name="CaixaDeTexto 16">
+            <a:extLst>
+              <a:ext uri="{FF2B5EF4-FFF2-40B4-BE49-F238E27FC236}">
+                <a16:creationId xmlns:a16="http://schemas.microsoft.com/office/drawing/2014/main" id="{2896B452-93A9-46C9-ADA9-E566D7DE4DA2}"/>
+              </a:ext>
+            </a:extLst>
+          </p:cNvPr>
+          <p:cNvSpPr txBox="1"/>
+          <p:nvPr/>
+        </p:nvSpPr>
+        <p:spPr>
+          <a:xfrm>
+            <a:off x="977114" y="3244334"/>
+            <a:ext cx="2818828" cy="369332"/>
           </a:xfrm>
           <a:prstGeom prst="rect">
             <a:avLst/>
@@ -4878,36 +6832,2200 @@
           <a:noFill/>
         </p:spPr>
         <p:txBody>
-          <a:bodyPr wrap="square" rtlCol="0">
+          <a:bodyPr wrap="square">
             <a:spAutoFit/>
           </a:bodyPr>
           <a:lstStyle/>
           <a:p>
+            <a:pPr algn="ctr"/>
             <a:r>
-              <a:rPr lang="pt-BR" b="1" dirty="0"/>
+              <a:rPr lang="pt-BR" b="1" dirty="0">
+                <a:solidFill>
+                  <a:schemeClr val="bg2">
+                    <a:lumMod val="25000"/>
+                  </a:schemeClr>
+                </a:solidFill>
+                <a:latin typeface="Arial" panose="020B0604020202020204" pitchFamily="34" charset="0"/>
+                <a:cs typeface="Arial" panose="020B0604020202020204" pitchFamily="34" charset="0"/>
+              </a:rPr>
+              <a:t>Aplicação Web</a:t>
+            </a:r>
+          </a:p>
+        </p:txBody>
+      </p:sp>
+    </p:spTree>
+    <p:extLst>
+      <p:ext uri="{BB962C8B-B14F-4D97-AF65-F5344CB8AC3E}">
+        <p14:creationId xmlns:p14="http://schemas.microsoft.com/office/powerpoint/2010/main" val="2659260272"/>
+      </p:ext>
+    </p:extLst>
+  </p:cSld>
+  <p:clrMapOvr>
+    <a:masterClrMapping/>
+  </p:clrMapOvr>
+</p:sld>
+</file>
+
+<file path=ppt/slides/slide3.xml><?xml version="1.0" encoding="utf-8"?>
+<p:sld xmlns:a="http://schemas.openxmlformats.org/drawingml/2006/main" xmlns:r="http://schemas.openxmlformats.org/officeDocument/2006/relationships" xmlns:p="http://schemas.openxmlformats.org/presentationml/2006/main">
+  <p:cSld>
+    <p:spTree>
+      <p:nvGrpSpPr>
+        <p:cNvPr id="1" name=""/>
+        <p:cNvGrpSpPr/>
+        <p:nvPr/>
+      </p:nvGrpSpPr>
+      <p:grpSpPr>
+        <a:xfrm>
+          <a:off x="0" y="0"/>
+          <a:ext cx="0" cy="0"/>
+          <a:chOff x="0" y="0"/>
+          <a:chExt cx="0" cy="0"/>
+        </a:xfrm>
+      </p:grpSpPr>
+      <p:sp>
+        <p:nvSpPr>
+          <p:cNvPr id="53" name="Retângulo 52">
+            <a:extLst>
+              <a:ext uri="{FF2B5EF4-FFF2-40B4-BE49-F238E27FC236}">
+                <a16:creationId xmlns:a16="http://schemas.microsoft.com/office/drawing/2014/main" id="{16DDFFCA-5C76-4359-B535-402AA22D0502}"/>
+              </a:ext>
+            </a:extLst>
+          </p:cNvPr>
+          <p:cNvSpPr/>
+          <p:nvPr/>
+        </p:nvSpPr>
+        <p:spPr>
+          <a:xfrm>
+            <a:off x="10839273" y="5834789"/>
+            <a:ext cx="2137761" cy="1378226"/>
+          </a:xfrm>
+          <a:prstGeom prst="rect">
+            <a:avLst/>
+          </a:prstGeom>
+          <a:solidFill>
+            <a:schemeClr val="bg1"/>
+          </a:solidFill>
+          <a:ln>
+            <a:solidFill>
+              <a:schemeClr val="bg1"/>
+            </a:solidFill>
+          </a:ln>
+        </p:spPr>
+        <p:style>
+          <a:lnRef idx="2">
+            <a:schemeClr val="accent1">
+              <a:shade val="50000"/>
+            </a:schemeClr>
+          </a:lnRef>
+          <a:fillRef idx="1">
+            <a:schemeClr val="accent1"/>
+          </a:fillRef>
+          <a:effectRef idx="0">
+            <a:schemeClr val="accent1"/>
+          </a:effectRef>
+          <a:fontRef idx="minor">
+            <a:schemeClr val="lt1"/>
+          </a:fontRef>
+        </p:style>
+        <p:txBody>
+          <a:bodyPr rtlCol="0" anchor="ctr"/>
+          <a:lstStyle/>
+          <a:p>
+            <a:pPr algn="ctr"/>
+            <a:endParaRPr lang="pt-BR"/>
+          </a:p>
+        </p:txBody>
+      </p:sp>
+      <p:sp>
+        <p:nvSpPr>
+          <p:cNvPr id="52" name="Retângulo 51">
+            <a:extLst>
+              <a:ext uri="{FF2B5EF4-FFF2-40B4-BE49-F238E27FC236}">
+                <a16:creationId xmlns:a16="http://schemas.microsoft.com/office/drawing/2014/main" id="{266BCABA-1955-4CED-8280-3CEBFD00BA1C}"/>
+              </a:ext>
+            </a:extLst>
+          </p:cNvPr>
+          <p:cNvSpPr/>
+          <p:nvPr/>
+        </p:nvSpPr>
+        <p:spPr>
+          <a:xfrm>
+            <a:off x="0" y="0"/>
+            <a:ext cx="2137761" cy="1378226"/>
+          </a:xfrm>
+          <a:prstGeom prst="rect">
+            <a:avLst/>
+          </a:prstGeom>
+          <a:solidFill>
+            <a:schemeClr val="bg1"/>
+          </a:solidFill>
+          <a:ln>
+            <a:solidFill>
+              <a:schemeClr val="bg1"/>
+            </a:solidFill>
+          </a:ln>
+        </p:spPr>
+        <p:style>
+          <a:lnRef idx="2">
+            <a:schemeClr val="accent1">
+              <a:shade val="50000"/>
+            </a:schemeClr>
+          </a:lnRef>
+          <a:fillRef idx="1">
+            <a:schemeClr val="accent1"/>
+          </a:fillRef>
+          <a:effectRef idx="0">
+            <a:schemeClr val="accent1"/>
+          </a:effectRef>
+          <a:fontRef idx="minor">
+            <a:schemeClr val="lt1"/>
+          </a:fontRef>
+        </p:style>
+        <p:txBody>
+          <a:bodyPr rtlCol="0" anchor="ctr"/>
+          <a:lstStyle/>
+          <a:p>
+            <a:pPr algn="ctr"/>
+            <a:endParaRPr lang="pt-BR"/>
+          </a:p>
+        </p:txBody>
+      </p:sp>
+      <p:sp>
+        <p:nvSpPr>
+          <p:cNvPr id="3" name="Espaço Reservado para Número de Slide 2"/>
+          <p:cNvSpPr>
+            <a:spLocks noGrp="1"/>
+          </p:cNvSpPr>
+          <p:nvPr>
+            <p:ph type="sldNum" sz="quarter" idx="4"/>
+          </p:nvPr>
+        </p:nvSpPr>
+        <p:spPr>
+          <a:xfrm>
+            <a:off x="11468809" y="6563746"/>
+            <a:ext cx="570147" cy="194349"/>
+          </a:xfrm>
+        </p:spPr>
+        <p:txBody>
+          <a:bodyPr/>
+          <a:lstStyle/>
+          <a:p>
+            <a:pPr>
+              <a:defRPr/>
+            </a:pPr>
+            <a:fld id="{B66251D2-9488-44CD-87B4-F793A73C4A01}" type="slidenum">
+              <a:rPr lang="pt-BR" smtClean="0"/>
+              <a:pPr>
+                <a:defRPr/>
+              </a:pPr>
+              <a:t>3</a:t>
+            </a:fld>
+            <a:endParaRPr lang="pt-BR" sz="798" dirty="0"/>
+          </a:p>
+        </p:txBody>
+      </p:sp>
+      <p:sp>
+        <p:nvSpPr>
+          <p:cNvPr id="51" name="Retângulo 20">
+            <a:extLst>
+              <a:ext uri="{FF2B5EF4-FFF2-40B4-BE49-F238E27FC236}">
+                <a16:creationId xmlns:a16="http://schemas.microsoft.com/office/drawing/2014/main" id="{C877E0B3-9872-4C79-B0A1-9E532C3D8EE5}"/>
+              </a:ext>
+            </a:extLst>
+          </p:cNvPr>
+          <p:cNvSpPr/>
+          <p:nvPr/>
+        </p:nvSpPr>
+        <p:spPr>
+          <a:xfrm>
+            <a:off x="6682939" y="5375626"/>
+            <a:ext cx="2327633" cy="538865"/>
+          </a:xfrm>
+          <a:prstGeom prst="rect">
+            <a:avLst/>
+          </a:prstGeom>
+        </p:spPr>
+        <p:txBody>
+          <a:bodyPr wrap="square">
+            <a:spAutoFit/>
+          </a:bodyPr>
+          <a:lstStyle/>
+          <a:p>
+            <a:pPr lvl="0" algn="ctr">
+              <a:defRPr/>
+            </a:pPr>
+            <a:r>
+              <a:rPr lang="pt-BR" sz="1451" dirty="0">
+                <a:solidFill>
+                  <a:prstClr val="white"/>
+                </a:solidFill>
+              </a:rPr>
+              <a:t>Login e cadastro para os  Clientes</a:t>
+            </a:r>
+            <a:endParaRPr lang="pt-BR" sz="1088" dirty="0">
+              <a:solidFill>
+                <a:prstClr val="white"/>
+              </a:solidFill>
+            </a:endParaRPr>
+          </a:p>
+        </p:txBody>
+      </p:sp>
+      <p:sp>
+        <p:nvSpPr>
+          <p:cNvPr id="23" name="CaixaDeTexto 22">
+            <a:extLst>
+              <a:ext uri="{FF2B5EF4-FFF2-40B4-BE49-F238E27FC236}">
+                <a16:creationId xmlns:a16="http://schemas.microsoft.com/office/drawing/2014/main" id="{A38F3B08-1E8C-4972-8DB7-03949D64229F}"/>
+              </a:ext>
+            </a:extLst>
+          </p:cNvPr>
+          <p:cNvSpPr txBox="1"/>
+          <p:nvPr/>
+        </p:nvSpPr>
+        <p:spPr>
+          <a:xfrm>
+            <a:off x="157048" y="275228"/>
+            <a:ext cx="10352780" cy="615563"/>
+          </a:xfrm>
+          <a:prstGeom prst="rect">
+            <a:avLst/>
+          </a:prstGeom>
+        </p:spPr>
+        <p:txBody>
+          <a:bodyPr vert="horz" lIns="91435" tIns="45717" rIns="91435" bIns="45717" rtlCol="0" anchor="ctr">
+            <a:normAutofit fontScale="92500" lnSpcReduction="10000"/>
+          </a:bodyPr>
+          <a:lstStyle/>
+          <a:p>
+            <a:r>
+              <a:rPr lang="pt-BR" sz="4000" b="1" dirty="0"/>
               <a:t>Visão micro - </a:t>
             </a:r>
             <a:r>
-              <a:rPr lang="pt-BR" b="1" dirty="0" err="1"/>
-              <a:t>ClientSide</a:t>
+              <a:rPr lang="pt-BR" sz="4000" b="1" dirty="0" err="1"/>
+              <a:t>ClientSideWeb</a:t>
             </a:r>
-            <a:r>
-              <a:rPr lang="pt-BR" b="1" dirty="0"/>
-              <a:t> Web</a:t>
-            </a:r>
-          </a:p>
-          <a:p>
-            <a:r>
-              <a:rPr lang="pt-BR" b="1" dirty="0"/>
-              <a:t> </a:t>
-            </a:r>
+            <a:endParaRPr lang="pt-BR" sz="4000" b="1" dirty="0"/>
+          </a:p>
+        </p:txBody>
+      </p:sp>
+      <p:grpSp>
+        <p:nvGrpSpPr>
+          <p:cNvPr id="24" name="Group 15">
+            <a:extLst>
+              <a:ext uri="{FF2B5EF4-FFF2-40B4-BE49-F238E27FC236}">
+                <a16:creationId xmlns:a16="http://schemas.microsoft.com/office/drawing/2014/main" id="{DB1B390B-30D3-4E30-A46D-F714FF697CAE}"/>
+              </a:ext>
+            </a:extLst>
+          </p:cNvPr>
+          <p:cNvGrpSpPr/>
+          <p:nvPr/>
+        </p:nvGrpSpPr>
+        <p:grpSpPr>
+          <a:xfrm>
+            <a:off x="6892339" y="727231"/>
+            <a:ext cx="3617489" cy="2069665"/>
+            <a:chOff x="797982" y="898546"/>
+            <a:chExt cx="3505479" cy="2267885"/>
+          </a:xfrm>
+        </p:grpSpPr>
+        <p:sp>
+          <p:nvSpPr>
+            <p:cNvPr id="25" name="Fluxograma: Disco Magnético 24">
+              <a:extLst>
+                <a:ext uri="{FF2B5EF4-FFF2-40B4-BE49-F238E27FC236}">
+                  <a16:creationId xmlns:a16="http://schemas.microsoft.com/office/drawing/2014/main" id="{4A076189-EBF4-4FB7-8279-0929A9158BD0}"/>
+                </a:ext>
+              </a:extLst>
+            </p:cNvPr>
+            <p:cNvSpPr/>
+            <p:nvPr/>
+          </p:nvSpPr>
+          <p:spPr>
+            <a:xfrm>
+              <a:off x="869150" y="898546"/>
+              <a:ext cx="3363144" cy="2267885"/>
+            </a:xfrm>
+            <a:prstGeom prst="flowChartMagneticDisk">
+              <a:avLst/>
+            </a:prstGeom>
+            <a:solidFill>
+              <a:srgbClr val="53CC89"/>
+            </a:solidFill>
+            <a:ln>
+              <a:solidFill>
+                <a:srgbClr val="253746"/>
+              </a:solidFill>
+            </a:ln>
+          </p:spPr>
+          <p:style>
+            <a:lnRef idx="2">
+              <a:schemeClr val="accent1">
+                <a:shade val="50000"/>
+              </a:schemeClr>
+            </a:lnRef>
+            <a:fillRef idx="1">
+              <a:schemeClr val="accent1"/>
+            </a:fillRef>
+            <a:effectRef idx="0">
+              <a:schemeClr val="accent1"/>
+            </a:effectRef>
+            <a:fontRef idx="minor">
+              <a:schemeClr val="lt1"/>
+            </a:fontRef>
+          </p:style>
+          <p:txBody>
+            <a:bodyPr rtlCol="0" anchor="ctr"/>
+            <a:lstStyle/>
+            <a:p>
+              <a:pPr algn="ctr"/>
+              <a:endParaRPr lang="pt-BR" sz="1800" dirty="0">
+                <a:solidFill>
+                  <a:prstClr val="white"/>
+                </a:solidFill>
+                <a:latin typeface="Calibri"/>
+              </a:endParaRPr>
+            </a:p>
+          </p:txBody>
+        </p:sp>
+        <p:sp>
+          <p:nvSpPr>
+            <p:cNvPr id="26" name="CaixaDeTexto 25">
+              <a:extLst>
+                <a:ext uri="{FF2B5EF4-FFF2-40B4-BE49-F238E27FC236}">
+                  <a16:creationId xmlns:a16="http://schemas.microsoft.com/office/drawing/2014/main" id="{83E2486F-1DF2-424D-B3D8-2B6D382ABACA}"/>
+                </a:ext>
+              </a:extLst>
+            </p:cNvPr>
+            <p:cNvSpPr txBox="1"/>
+            <p:nvPr/>
+          </p:nvSpPr>
+          <p:spPr>
+            <a:xfrm>
+              <a:off x="797982" y="1786899"/>
+              <a:ext cx="3505479" cy="861774"/>
+            </a:xfrm>
+            <a:prstGeom prst="rect">
+              <a:avLst/>
+            </a:prstGeom>
+            <a:noFill/>
+          </p:spPr>
+          <p:txBody>
+            <a:bodyPr wrap="square">
+              <a:spAutoFit/>
+            </a:bodyPr>
+            <a:lstStyle/>
+            <a:p>
+              <a:pPr algn="ctr">
+                <a:defRPr/>
+              </a:pPr>
+              <a:r>
+                <a:rPr lang="pt-BR" sz="1600" b="1" dirty="0" err="1">
+                  <a:solidFill>
+                    <a:schemeClr val="bg2">
+                      <a:lumMod val="25000"/>
+                    </a:schemeClr>
+                  </a:solidFill>
+                  <a:latin typeface="Arial" panose="020B0604020202020204" pitchFamily="34" charset="0"/>
+                  <a:cs typeface="Arial" panose="020B0604020202020204" pitchFamily="34" charset="0"/>
+                </a:rPr>
+                <a:t>Database</a:t>
+              </a:r>
+              <a:r>
+                <a:rPr lang="pt-BR" sz="1600" b="1" dirty="0">
+                  <a:solidFill>
+                    <a:schemeClr val="bg2">
+                      <a:lumMod val="25000"/>
+                    </a:schemeClr>
+                  </a:solidFill>
+                  <a:latin typeface="Arial" panose="020B0604020202020204" pitchFamily="34" charset="0"/>
+                  <a:cs typeface="Arial" panose="020B0604020202020204" pitchFamily="34" charset="0"/>
+                </a:rPr>
+                <a:t>-</a:t>
+              </a:r>
+            </a:p>
+            <a:p>
+              <a:pPr algn="ctr">
+                <a:defRPr/>
+              </a:pPr>
+              <a:r>
+                <a:rPr lang="pt-BR" sz="1600" b="1" dirty="0">
+                  <a:solidFill>
+                    <a:schemeClr val="bg2">
+                      <a:lumMod val="25000"/>
+                    </a:schemeClr>
+                  </a:solidFill>
+                  <a:latin typeface="Arial" panose="020B0604020202020204" pitchFamily="34" charset="0"/>
+                  <a:cs typeface="Arial" panose="020B0604020202020204" pitchFamily="34" charset="0"/>
+                </a:rPr>
+                <a:t>[Container: SQL Server – Azure]</a:t>
+              </a:r>
+            </a:p>
+            <a:p>
+              <a:pPr algn="ctr">
+                <a:defRPr/>
+              </a:pPr>
+              <a:r>
+                <a:rPr lang="pt-BR" sz="1600" b="1" dirty="0">
+                  <a:solidFill>
+                    <a:schemeClr val="bg2">
+                      <a:lumMod val="25000"/>
+                    </a:schemeClr>
+                  </a:solidFill>
+                  <a:latin typeface="Arial" panose="020B0604020202020204" pitchFamily="34" charset="0"/>
+                  <a:cs typeface="Arial" panose="020B0604020202020204" pitchFamily="34" charset="0"/>
+                </a:rPr>
+                <a:t>Base de dados do nosso sistema</a:t>
+              </a:r>
+              <a:endParaRPr lang="pt-BR" b="1" dirty="0">
+                <a:solidFill>
+                  <a:schemeClr val="bg2">
+                    <a:lumMod val="25000"/>
+                  </a:schemeClr>
+                </a:solidFill>
+                <a:latin typeface="Arial" panose="020B0604020202020204" pitchFamily="34" charset="0"/>
+                <a:cs typeface="Arial" panose="020B0604020202020204" pitchFamily="34" charset="0"/>
+              </a:endParaRPr>
+            </a:p>
+          </p:txBody>
+        </p:sp>
+      </p:grpSp>
+      <p:grpSp>
+        <p:nvGrpSpPr>
+          <p:cNvPr id="27" name="Group 20">
+            <a:extLst>
+              <a:ext uri="{FF2B5EF4-FFF2-40B4-BE49-F238E27FC236}">
+                <a16:creationId xmlns:a16="http://schemas.microsoft.com/office/drawing/2014/main" id="{F7390585-8EBE-4637-B3A4-C623C0BB4BC9}"/>
+              </a:ext>
+            </a:extLst>
+          </p:cNvPr>
+          <p:cNvGrpSpPr/>
+          <p:nvPr/>
+        </p:nvGrpSpPr>
+        <p:grpSpPr>
+          <a:xfrm>
+            <a:off x="1956681" y="4287470"/>
+            <a:ext cx="2480791" cy="1816275"/>
+            <a:chOff x="339297" y="4020134"/>
+            <a:chExt cx="2818828" cy="2267885"/>
+          </a:xfrm>
+        </p:grpSpPr>
+        <p:sp>
+          <p:nvSpPr>
+            <p:cNvPr id="28" name="CaixaDeTexto 27">
+              <a:extLst>
+                <a:ext uri="{FF2B5EF4-FFF2-40B4-BE49-F238E27FC236}">
+                  <a16:creationId xmlns:a16="http://schemas.microsoft.com/office/drawing/2014/main" id="{B6C05E7E-7595-46A2-9FB4-04567C97680D}"/>
+                </a:ext>
+              </a:extLst>
+            </p:cNvPr>
+            <p:cNvSpPr txBox="1"/>
+            <p:nvPr/>
+          </p:nvSpPr>
+          <p:spPr>
+            <a:xfrm>
+              <a:off x="339297" y="4324679"/>
+              <a:ext cx="2818828" cy="923330"/>
+            </a:xfrm>
+            <a:prstGeom prst="rect">
+              <a:avLst/>
+            </a:prstGeom>
+            <a:noFill/>
+          </p:spPr>
+          <p:txBody>
+            <a:bodyPr wrap="square">
+              <a:spAutoFit/>
+            </a:bodyPr>
+            <a:lstStyle/>
+            <a:p>
+              <a:pPr algn="ctr"/>
+              <a:r>
+                <a:rPr lang="pt-BR" b="1" dirty="0" err="1">
+                  <a:solidFill>
+                    <a:schemeClr val="bg2">
+                      <a:lumMod val="25000"/>
+                    </a:schemeClr>
+                  </a:solidFill>
+                  <a:latin typeface="Arial" panose="020B0604020202020204" pitchFamily="34" charset="0"/>
+                  <a:cs typeface="Arial" panose="020B0604020202020204" pitchFamily="34" charset="0"/>
+                </a:rPr>
+                <a:t>ClientSide</a:t>
+              </a:r>
+              <a:r>
+                <a:rPr lang="pt-BR" b="1" dirty="0">
+                  <a:solidFill>
+                    <a:schemeClr val="bg2">
+                      <a:lumMod val="25000"/>
+                    </a:schemeClr>
+                  </a:solidFill>
+                  <a:latin typeface="Arial" panose="020B0604020202020204" pitchFamily="34" charset="0"/>
+                  <a:cs typeface="Arial" panose="020B0604020202020204" pitchFamily="34" charset="0"/>
+                </a:rPr>
+                <a:t> Web</a:t>
+              </a:r>
+            </a:p>
+            <a:p>
+              <a:pPr algn="ctr"/>
+              <a:r>
+                <a:rPr lang="pt-BR" b="1" dirty="0">
+                  <a:solidFill>
+                    <a:schemeClr val="bg2">
+                      <a:lumMod val="25000"/>
+                    </a:schemeClr>
+                  </a:solidFill>
+                  <a:latin typeface="Arial" panose="020B0604020202020204" pitchFamily="34" charset="0"/>
+                  <a:cs typeface="Arial" panose="020B0604020202020204" pitchFamily="34" charset="0"/>
+                </a:rPr>
+                <a:t>[Container: JS + </a:t>
+              </a:r>
+              <a:r>
+                <a:rPr lang="pt-BR" b="1" dirty="0" err="1">
+                  <a:solidFill>
+                    <a:schemeClr val="bg2">
+                      <a:lumMod val="25000"/>
+                    </a:schemeClr>
+                  </a:solidFill>
+                  <a:latin typeface="Arial" panose="020B0604020202020204" pitchFamily="34" charset="0"/>
+                  <a:cs typeface="Arial" panose="020B0604020202020204" pitchFamily="34" charset="0"/>
+                </a:rPr>
+                <a:t>React</a:t>
+              </a:r>
+              <a:r>
+                <a:rPr lang="pt-BR" b="1" dirty="0">
+                  <a:solidFill>
+                    <a:schemeClr val="bg2">
+                      <a:lumMod val="25000"/>
+                    </a:schemeClr>
+                  </a:solidFill>
+                  <a:latin typeface="Arial" panose="020B0604020202020204" pitchFamily="34" charset="0"/>
+                  <a:cs typeface="Arial" panose="020B0604020202020204" pitchFamily="34" charset="0"/>
+                </a:rPr>
+                <a:t>]</a:t>
+              </a:r>
+            </a:p>
+            <a:p>
+              <a:pPr algn="ctr"/>
+              <a:r>
+                <a:rPr lang="pt-BR" b="1" dirty="0">
+                  <a:solidFill>
+                    <a:schemeClr val="bg2">
+                      <a:lumMod val="25000"/>
+                    </a:schemeClr>
+                  </a:solidFill>
+                  <a:latin typeface="Arial" panose="020B0604020202020204" pitchFamily="34" charset="0"/>
+                  <a:cs typeface="Arial" panose="020B0604020202020204" pitchFamily="34" charset="0"/>
+                </a:rPr>
+                <a:t>Site Institucional</a:t>
+              </a:r>
+            </a:p>
+          </p:txBody>
+        </p:sp>
+        <p:sp>
+          <p:nvSpPr>
+            <p:cNvPr id="29" name="Retângulo 17">
+              <a:extLst>
+                <a:ext uri="{FF2B5EF4-FFF2-40B4-BE49-F238E27FC236}">
+                  <a16:creationId xmlns:a16="http://schemas.microsoft.com/office/drawing/2014/main" id="{B3B6B936-0723-4CF4-B2A1-5A4F1E164400}"/>
+                </a:ext>
+              </a:extLst>
+            </p:cNvPr>
+            <p:cNvSpPr/>
+            <p:nvPr/>
+          </p:nvSpPr>
+          <p:spPr>
+            <a:xfrm>
+              <a:off x="417359" y="4020134"/>
+              <a:ext cx="2662705" cy="2267885"/>
+            </a:xfrm>
+            <a:prstGeom prst="rect">
+              <a:avLst/>
+            </a:prstGeom>
+            <a:noFill/>
+            <a:ln>
+              <a:solidFill>
+                <a:srgbClr val="00B050"/>
+              </a:solidFill>
+            </a:ln>
+          </p:spPr>
+          <p:style>
+            <a:lnRef idx="2">
+              <a:schemeClr val="accent5">
+                <a:shade val="50000"/>
+              </a:schemeClr>
+            </a:lnRef>
+            <a:fillRef idx="1">
+              <a:schemeClr val="accent5"/>
+            </a:fillRef>
+            <a:effectRef idx="0">
+              <a:schemeClr val="accent5"/>
+            </a:effectRef>
+            <a:fontRef idx="minor">
+              <a:schemeClr val="lt1"/>
+            </a:fontRef>
+          </p:style>
+          <p:txBody>
+            <a:bodyPr rtlCol="0" anchor="ctr"/>
+            <a:lstStyle/>
+            <a:p>
+              <a:pPr algn="ctr"/>
+              <a:endParaRPr lang="pt-BR" sz="1800" dirty="0">
+                <a:solidFill>
+                  <a:prstClr val="white"/>
+                </a:solidFill>
+                <a:latin typeface="Calibri"/>
+              </a:endParaRPr>
+            </a:p>
+          </p:txBody>
+        </p:sp>
+      </p:grpSp>
+      <p:grpSp>
+        <p:nvGrpSpPr>
+          <p:cNvPr id="30" name="Group 19">
+            <a:extLst>
+              <a:ext uri="{FF2B5EF4-FFF2-40B4-BE49-F238E27FC236}">
+                <a16:creationId xmlns:a16="http://schemas.microsoft.com/office/drawing/2014/main" id="{F2B7AD7E-435D-4096-9C0E-5DA60D70CF68}"/>
+              </a:ext>
+            </a:extLst>
+          </p:cNvPr>
+          <p:cNvGrpSpPr/>
+          <p:nvPr/>
+        </p:nvGrpSpPr>
+        <p:grpSpPr>
+          <a:xfrm>
+            <a:off x="7322768" y="4256017"/>
+            <a:ext cx="2756629" cy="2267885"/>
+            <a:chOff x="4089960" y="4184380"/>
+            <a:chExt cx="2756629" cy="2267885"/>
+          </a:xfrm>
+        </p:grpSpPr>
+        <p:sp>
+          <p:nvSpPr>
+            <p:cNvPr id="31" name="CaixaDeTexto 30">
+              <a:extLst>
+                <a:ext uri="{FF2B5EF4-FFF2-40B4-BE49-F238E27FC236}">
+                  <a16:creationId xmlns:a16="http://schemas.microsoft.com/office/drawing/2014/main" id="{C781A027-B3AB-4B27-8D42-ADA34054EC36}"/>
+                </a:ext>
+              </a:extLst>
+            </p:cNvPr>
+            <p:cNvSpPr txBox="1"/>
+            <p:nvPr/>
+          </p:nvSpPr>
+          <p:spPr>
+            <a:xfrm>
+              <a:off x="4089960" y="4428280"/>
+              <a:ext cx="2756629" cy="1754326"/>
+            </a:xfrm>
+            <a:prstGeom prst="rect">
+              <a:avLst/>
+            </a:prstGeom>
+            <a:noFill/>
+          </p:spPr>
+          <p:txBody>
+            <a:bodyPr wrap="square">
+              <a:spAutoFit/>
+            </a:bodyPr>
+            <a:lstStyle/>
+            <a:p>
+              <a:pPr algn="ctr">
+                <a:defRPr/>
+              </a:pPr>
+              <a:r>
+                <a:rPr lang="pt-BR" b="1" dirty="0">
+                  <a:solidFill>
+                    <a:schemeClr val="bg2">
+                      <a:lumMod val="25000"/>
+                    </a:schemeClr>
+                  </a:solidFill>
+                  <a:latin typeface="Arial" panose="020B0604020202020204" pitchFamily="34" charset="0"/>
+                  <a:cs typeface="Arial" panose="020B0604020202020204" pitchFamily="34" charset="0"/>
+                </a:rPr>
+                <a:t>Server </a:t>
+              </a:r>
+              <a:r>
+                <a:rPr lang="pt-BR" b="1" dirty="0" err="1">
+                  <a:solidFill>
+                    <a:schemeClr val="bg2">
+                      <a:lumMod val="25000"/>
+                    </a:schemeClr>
+                  </a:solidFill>
+                  <a:latin typeface="Arial" panose="020B0604020202020204" pitchFamily="34" charset="0"/>
+                  <a:cs typeface="Arial" panose="020B0604020202020204" pitchFamily="34" charset="0"/>
+                </a:rPr>
+                <a:t>Side</a:t>
+              </a:r>
+              <a:r>
+                <a:rPr lang="pt-BR" b="1" dirty="0">
+                  <a:solidFill>
+                    <a:schemeClr val="bg2">
+                      <a:lumMod val="25000"/>
+                    </a:schemeClr>
+                  </a:solidFill>
+                  <a:latin typeface="Arial" panose="020B0604020202020204" pitchFamily="34" charset="0"/>
+                  <a:cs typeface="Arial" panose="020B0604020202020204" pitchFamily="34" charset="0"/>
+                </a:rPr>
+                <a:t> Web </a:t>
+              </a:r>
+              <a:r>
+                <a:rPr lang="pt-BR" b="1" dirty="0" err="1">
+                  <a:solidFill>
+                    <a:schemeClr val="bg2">
+                      <a:lumMod val="25000"/>
+                    </a:schemeClr>
+                  </a:solidFill>
+                  <a:latin typeface="Arial" panose="020B0604020202020204" pitchFamily="34" charset="0"/>
+                  <a:cs typeface="Arial" panose="020B0604020202020204" pitchFamily="34" charset="0"/>
+                </a:rPr>
+                <a:t>Application</a:t>
+              </a:r>
+              <a:endParaRPr lang="pt-BR" b="1" dirty="0">
+                <a:solidFill>
+                  <a:schemeClr val="bg2">
+                    <a:lumMod val="25000"/>
+                  </a:schemeClr>
+                </a:solidFill>
+                <a:latin typeface="Arial" panose="020B0604020202020204" pitchFamily="34" charset="0"/>
+                <a:cs typeface="Arial" panose="020B0604020202020204" pitchFamily="34" charset="0"/>
+              </a:endParaRPr>
+            </a:p>
+            <a:p>
+              <a:pPr algn="ctr">
+                <a:defRPr/>
+              </a:pPr>
+              <a:r>
+                <a:rPr lang="pt-BR" b="1" dirty="0">
+                  <a:solidFill>
+                    <a:schemeClr val="bg2">
+                      <a:lumMod val="25000"/>
+                    </a:schemeClr>
+                  </a:solidFill>
+                  <a:latin typeface="Arial" panose="020B0604020202020204" pitchFamily="34" charset="0"/>
+                  <a:cs typeface="Arial" panose="020B0604020202020204" pitchFamily="34" charset="0"/>
+                </a:rPr>
+                <a:t>[Container: SpringBoot</a:t>
+              </a:r>
+            </a:p>
+            <a:p>
+              <a:pPr algn="ctr">
+                <a:defRPr/>
+              </a:pPr>
+              <a:endParaRPr lang="pt-BR" b="1" dirty="0">
+                <a:solidFill>
+                  <a:schemeClr val="bg2">
+                    <a:lumMod val="25000"/>
+                  </a:schemeClr>
+                </a:solidFill>
+                <a:latin typeface="Arial" panose="020B0604020202020204" pitchFamily="34" charset="0"/>
+                <a:cs typeface="Arial" panose="020B0604020202020204" pitchFamily="34" charset="0"/>
+              </a:endParaRPr>
+            </a:p>
+            <a:p>
+              <a:pPr algn="ctr">
+                <a:defRPr/>
+              </a:pPr>
+              <a:endParaRPr lang="pt-BR" b="1" dirty="0">
+                <a:solidFill>
+                  <a:schemeClr val="bg2">
+                    <a:lumMod val="25000"/>
+                  </a:schemeClr>
+                </a:solidFill>
+                <a:latin typeface="Arial" panose="020B0604020202020204" pitchFamily="34" charset="0"/>
+                <a:cs typeface="Arial" panose="020B0604020202020204" pitchFamily="34" charset="0"/>
+              </a:endParaRPr>
+            </a:p>
+            <a:p>
+              <a:pPr algn="ctr">
+                <a:defRPr/>
+              </a:pPr>
+              <a:r>
+                <a:rPr lang="pt-BR" sz="1800" b="1" dirty="0">
+                  <a:solidFill>
+                    <a:schemeClr val="bg2">
+                      <a:lumMod val="25000"/>
+                    </a:schemeClr>
+                  </a:solidFill>
+                  <a:latin typeface="Arial" panose="020B0604020202020204" pitchFamily="34" charset="0"/>
+                  <a:cs typeface="Arial" panose="020B0604020202020204" pitchFamily="34" charset="0"/>
+                </a:rPr>
+                <a:t>BackEnd da aplicação</a:t>
+              </a:r>
+            </a:p>
+          </p:txBody>
+        </p:sp>
+        <p:sp>
+          <p:nvSpPr>
+            <p:cNvPr id="32" name="Retângulo 17">
+              <a:extLst>
+                <a:ext uri="{FF2B5EF4-FFF2-40B4-BE49-F238E27FC236}">
+                  <a16:creationId xmlns:a16="http://schemas.microsoft.com/office/drawing/2014/main" id="{390E7BD7-D71C-4BB2-A351-576F4D26DFC0}"/>
+                </a:ext>
+              </a:extLst>
+            </p:cNvPr>
+            <p:cNvSpPr/>
+            <p:nvPr/>
+          </p:nvSpPr>
+          <p:spPr>
+            <a:xfrm>
+              <a:off x="4146374" y="4184380"/>
+              <a:ext cx="2662705" cy="2267885"/>
+            </a:xfrm>
+            <a:prstGeom prst="rect">
+              <a:avLst/>
+            </a:prstGeom>
+            <a:noFill/>
+            <a:ln>
+              <a:solidFill>
+                <a:srgbClr val="00B050"/>
+              </a:solidFill>
+            </a:ln>
+          </p:spPr>
+          <p:style>
+            <a:lnRef idx="2">
+              <a:schemeClr val="accent5">
+                <a:shade val="50000"/>
+              </a:schemeClr>
+            </a:lnRef>
+            <a:fillRef idx="1">
+              <a:schemeClr val="accent5"/>
+            </a:fillRef>
+            <a:effectRef idx="0">
+              <a:schemeClr val="accent5"/>
+            </a:effectRef>
+            <a:fontRef idx="minor">
+              <a:schemeClr val="lt1"/>
+            </a:fontRef>
+          </p:style>
+          <p:txBody>
+            <a:bodyPr rtlCol="0" anchor="ctr"/>
+            <a:lstStyle/>
+            <a:p>
+              <a:pPr algn="ctr"/>
+              <a:endParaRPr lang="pt-BR" sz="1800" dirty="0">
+                <a:solidFill>
+                  <a:prstClr val="white"/>
+                </a:solidFill>
+                <a:latin typeface="Calibri"/>
+              </a:endParaRPr>
+            </a:p>
+          </p:txBody>
+        </p:sp>
+      </p:grpSp>
+      <p:sp>
+        <p:nvSpPr>
+          <p:cNvPr id="7" name="Retângulo 6">
+            <a:extLst>
+              <a:ext uri="{FF2B5EF4-FFF2-40B4-BE49-F238E27FC236}">
+                <a16:creationId xmlns:a16="http://schemas.microsoft.com/office/drawing/2014/main" id="{19C0CEF2-87D6-445A-91A2-E4CAA673D303}"/>
+              </a:ext>
+            </a:extLst>
+          </p:cNvPr>
+          <p:cNvSpPr/>
+          <p:nvPr/>
+        </p:nvSpPr>
+        <p:spPr>
+          <a:xfrm>
+            <a:off x="410818" y="3767203"/>
+            <a:ext cx="11277600" cy="2990892"/>
+          </a:xfrm>
+          <a:prstGeom prst="rect">
+            <a:avLst/>
+          </a:prstGeom>
+          <a:noFill/>
+          <a:ln w="38100" cap="flat" cmpd="sng" algn="ctr">
+            <a:solidFill>
+              <a:schemeClr val="dk1"/>
+            </a:solidFill>
+            <a:prstDash val="sysDash"/>
+            <a:round/>
+            <a:headEnd type="none" w="med" len="med"/>
+            <a:tailEnd type="none" w="med" len="med"/>
+          </a:ln>
+        </p:spPr>
+        <p:style>
+          <a:lnRef idx="0">
+            <a:scrgbClr r="0" g="0" b="0"/>
+          </a:lnRef>
+          <a:fillRef idx="0">
+            <a:scrgbClr r="0" g="0" b="0"/>
+          </a:fillRef>
+          <a:effectRef idx="0">
+            <a:scrgbClr r="0" g="0" b="0"/>
+          </a:effectRef>
+          <a:fontRef idx="minor">
+            <a:schemeClr val="dk1"/>
+          </a:fontRef>
+        </p:style>
+        <p:txBody>
+          <a:bodyPr rtlCol="0" anchor="ctr"/>
+          <a:lstStyle/>
+          <a:p>
+            <a:pPr algn="ctr"/>
+            <a:endParaRPr lang="pt-BR"/>
+          </a:p>
+        </p:txBody>
+      </p:sp>
+      <p:cxnSp>
+        <p:nvCxnSpPr>
+          <p:cNvPr id="9" name="Conector de Seta Reta 8">
+            <a:extLst>
+              <a:ext uri="{FF2B5EF4-FFF2-40B4-BE49-F238E27FC236}">
+                <a16:creationId xmlns:a16="http://schemas.microsoft.com/office/drawing/2014/main" id="{4CC904E8-0FBA-4FB1-A6DE-7EF0751D0D5C}"/>
+              </a:ext>
+            </a:extLst>
+          </p:cNvPr>
+          <p:cNvCxnSpPr>
+            <a:cxnSpLocks/>
+          </p:cNvCxnSpPr>
+          <p:nvPr/>
+        </p:nvCxnSpPr>
+        <p:spPr>
+          <a:xfrm>
+            <a:off x="4302708" y="5195608"/>
+            <a:ext cx="3020060" cy="0"/>
+          </a:xfrm>
+          <a:prstGeom prst="straightConnector1">
+            <a:avLst/>
+          </a:prstGeom>
+          <a:ln>
+            <a:tailEnd type="triangle"/>
+          </a:ln>
+        </p:spPr>
+        <p:style>
+          <a:lnRef idx="3">
+            <a:schemeClr val="dk1"/>
+          </a:lnRef>
+          <a:fillRef idx="0">
+            <a:schemeClr val="dk1"/>
+          </a:fillRef>
+          <a:effectRef idx="2">
+            <a:schemeClr val="dk1"/>
+          </a:effectRef>
+          <a:fontRef idx="minor">
+            <a:schemeClr val="tx1"/>
+          </a:fontRef>
+        </p:style>
+      </p:cxnSp>
+      <p:cxnSp>
+        <p:nvCxnSpPr>
+          <p:cNvPr id="12" name="Conector de Seta Reta 11">
+            <a:extLst>
+              <a:ext uri="{FF2B5EF4-FFF2-40B4-BE49-F238E27FC236}">
+                <a16:creationId xmlns:a16="http://schemas.microsoft.com/office/drawing/2014/main" id="{197A96E4-8608-4689-819C-18689A83AC3F}"/>
+              </a:ext>
+            </a:extLst>
+          </p:cNvPr>
+          <p:cNvCxnSpPr>
+            <a:cxnSpLocks/>
+            <a:stCxn id="49" idx="0"/>
+            <a:endCxn id="25" idx="3"/>
+          </p:cNvCxnSpPr>
+          <p:nvPr/>
+        </p:nvCxnSpPr>
+        <p:spPr>
+          <a:xfrm flipV="1">
+            <a:off x="8701083" y="2796896"/>
+            <a:ext cx="1" cy="1337782"/>
+          </a:xfrm>
+          <a:prstGeom prst="straightConnector1">
+            <a:avLst/>
+          </a:prstGeom>
+          <a:ln>
+            <a:tailEnd type="triangle"/>
+          </a:ln>
+        </p:spPr>
+        <p:style>
+          <a:lnRef idx="3">
+            <a:schemeClr val="dk1"/>
+          </a:lnRef>
+          <a:fillRef idx="0">
+            <a:schemeClr val="dk1"/>
+          </a:fillRef>
+          <a:effectRef idx="2">
+            <a:schemeClr val="dk1"/>
+          </a:effectRef>
+          <a:fontRef idx="minor">
+            <a:schemeClr val="tx1"/>
+          </a:fontRef>
+        </p:style>
+      </p:cxnSp>
+      <p:sp>
+        <p:nvSpPr>
+          <p:cNvPr id="43" name="Retângulo 17">
+            <a:extLst>
+              <a:ext uri="{FF2B5EF4-FFF2-40B4-BE49-F238E27FC236}">
+                <a16:creationId xmlns:a16="http://schemas.microsoft.com/office/drawing/2014/main" id="{750E276D-8ADC-41AB-8F3D-66F6CAC76285}"/>
+              </a:ext>
+            </a:extLst>
+          </p:cNvPr>
+          <p:cNvSpPr/>
+          <p:nvPr/>
+        </p:nvSpPr>
+        <p:spPr>
+          <a:xfrm>
+            <a:off x="1944395" y="4235748"/>
+            <a:ext cx="2480791" cy="1980226"/>
+          </a:xfrm>
+          <a:prstGeom prst="rect">
+            <a:avLst/>
+          </a:prstGeom>
+          <a:noFill/>
+          <a:ln w="19050">
+            <a:solidFill>
+              <a:srgbClr val="00B050"/>
+            </a:solidFill>
+          </a:ln>
+        </p:spPr>
+        <p:style>
+          <a:lnRef idx="2">
+            <a:schemeClr val="accent5">
+              <a:shade val="50000"/>
+            </a:schemeClr>
+          </a:lnRef>
+          <a:fillRef idx="1">
+            <a:schemeClr val="accent5"/>
+          </a:fillRef>
+          <a:effectRef idx="0">
+            <a:schemeClr val="accent5"/>
+          </a:effectRef>
+          <a:fontRef idx="minor">
+            <a:schemeClr val="lt1"/>
+          </a:fontRef>
+        </p:style>
+        <p:txBody>
+          <a:bodyPr rtlCol="0" anchor="ctr"/>
+          <a:lstStyle/>
+          <a:p>
+            <a:pPr algn="ctr"/>
+            <a:endParaRPr lang="pt-BR" sz="1800" dirty="0">
+              <a:solidFill>
+                <a:prstClr val="white"/>
+              </a:solidFill>
+              <a:latin typeface="Calibri"/>
+            </a:endParaRPr>
+          </a:p>
+        </p:txBody>
+      </p:sp>
+      <p:sp>
+        <p:nvSpPr>
+          <p:cNvPr id="49" name="Retângulo 17">
+            <a:extLst>
+              <a:ext uri="{FF2B5EF4-FFF2-40B4-BE49-F238E27FC236}">
+                <a16:creationId xmlns:a16="http://schemas.microsoft.com/office/drawing/2014/main" id="{75E66FEE-1B9E-41BA-84A7-04707D0F878E}"/>
+              </a:ext>
+            </a:extLst>
+          </p:cNvPr>
+          <p:cNvSpPr/>
+          <p:nvPr/>
+        </p:nvSpPr>
+        <p:spPr>
+          <a:xfrm>
+            <a:off x="7322768" y="4134678"/>
+            <a:ext cx="2756629" cy="2448094"/>
+          </a:xfrm>
+          <a:prstGeom prst="rect">
+            <a:avLst/>
+          </a:prstGeom>
+          <a:noFill/>
+          <a:ln w="19050">
+            <a:solidFill>
+              <a:srgbClr val="00B050"/>
+            </a:solidFill>
+          </a:ln>
+        </p:spPr>
+        <p:style>
+          <a:lnRef idx="2">
+            <a:schemeClr val="accent5">
+              <a:shade val="50000"/>
+            </a:schemeClr>
+          </a:lnRef>
+          <a:fillRef idx="1">
+            <a:schemeClr val="accent5"/>
+          </a:fillRef>
+          <a:effectRef idx="0">
+            <a:schemeClr val="accent5"/>
+          </a:effectRef>
+          <a:fontRef idx="minor">
+            <a:schemeClr val="lt1"/>
+          </a:fontRef>
+        </p:style>
+        <p:txBody>
+          <a:bodyPr rtlCol="0" anchor="ctr"/>
+          <a:lstStyle/>
+          <a:p>
+            <a:pPr algn="ctr"/>
+            <a:endParaRPr lang="pt-BR" sz="1800" dirty="0">
+              <a:solidFill>
+                <a:prstClr val="white"/>
+              </a:solidFill>
+              <a:latin typeface="Calibri"/>
+            </a:endParaRPr>
           </a:p>
         </p:txBody>
       </p:sp>
     </p:spTree>
     <p:extLst>
       <p:ext uri="{BB962C8B-B14F-4D97-AF65-F5344CB8AC3E}">
-        <p14:creationId xmlns:p14="http://schemas.microsoft.com/office/powerpoint/2010/main" val="2753371002"/>
+        <p14:creationId xmlns:p14="http://schemas.microsoft.com/office/powerpoint/2010/main" val="3745028975"/>
+      </p:ext>
+    </p:extLst>
+  </p:cSld>
+  <p:clrMapOvr>
+    <a:masterClrMapping/>
+  </p:clrMapOvr>
+</p:sld>
+</file>
+
+<file path=ppt/slides/slide4.xml><?xml version="1.0" encoding="utf-8"?>
+<p:sld xmlns:a="http://schemas.openxmlformats.org/drawingml/2006/main" xmlns:r="http://schemas.openxmlformats.org/officeDocument/2006/relationships" xmlns:p="http://schemas.openxmlformats.org/presentationml/2006/main">
+  <p:cSld>
+    <p:spTree>
+      <p:nvGrpSpPr>
+        <p:cNvPr id="1" name=""/>
+        <p:cNvGrpSpPr/>
+        <p:nvPr/>
+      </p:nvGrpSpPr>
+      <p:grpSpPr>
+        <a:xfrm>
+          <a:off x="0" y="0"/>
+          <a:ext cx="0" cy="0"/>
+          <a:chOff x="0" y="0"/>
+          <a:chExt cx="0" cy="0"/>
+        </a:xfrm>
+      </p:grpSpPr>
+      <p:sp>
+        <p:nvSpPr>
+          <p:cNvPr id="74" name="Retângulo 73">
+            <a:extLst>
+              <a:ext uri="{FF2B5EF4-FFF2-40B4-BE49-F238E27FC236}">
+                <a16:creationId xmlns:a16="http://schemas.microsoft.com/office/drawing/2014/main" id="{17CCD28A-BEB6-4A75-A282-7DC1CAA51B78}"/>
+              </a:ext>
+            </a:extLst>
+          </p:cNvPr>
+          <p:cNvSpPr/>
+          <p:nvPr/>
+        </p:nvSpPr>
+        <p:spPr>
+          <a:xfrm>
+            <a:off x="10455965" y="5754142"/>
+            <a:ext cx="2137761" cy="1378226"/>
+          </a:xfrm>
+          <a:prstGeom prst="rect">
+            <a:avLst/>
+          </a:prstGeom>
+          <a:solidFill>
+            <a:schemeClr val="bg1"/>
+          </a:solidFill>
+          <a:ln>
+            <a:solidFill>
+              <a:schemeClr val="bg1"/>
+            </a:solidFill>
+          </a:ln>
+        </p:spPr>
+        <p:style>
+          <a:lnRef idx="2">
+            <a:schemeClr val="accent1">
+              <a:shade val="50000"/>
+            </a:schemeClr>
+          </a:lnRef>
+          <a:fillRef idx="1">
+            <a:schemeClr val="accent1"/>
+          </a:fillRef>
+          <a:effectRef idx="0">
+            <a:schemeClr val="accent1"/>
+          </a:effectRef>
+          <a:fontRef idx="minor">
+            <a:schemeClr val="lt1"/>
+          </a:fontRef>
+        </p:style>
+        <p:txBody>
+          <a:bodyPr rtlCol="0" anchor="ctr"/>
+          <a:lstStyle/>
+          <a:p>
+            <a:pPr algn="ctr"/>
+            <a:endParaRPr lang="pt-BR"/>
+          </a:p>
+        </p:txBody>
+      </p:sp>
+      <p:sp>
+        <p:nvSpPr>
+          <p:cNvPr id="27" name="Retângulo 26">
+            <a:extLst>
+              <a:ext uri="{FF2B5EF4-FFF2-40B4-BE49-F238E27FC236}">
+                <a16:creationId xmlns:a16="http://schemas.microsoft.com/office/drawing/2014/main" id="{153FD746-36FE-4BAF-99B2-07A5069A249F}"/>
+              </a:ext>
+            </a:extLst>
+          </p:cNvPr>
+          <p:cNvSpPr/>
+          <p:nvPr/>
+        </p:nvSpPr>
+        <p:spPr>
+          <a:xfrm>
+            <a:off x="0" y="0"/>
+            <a:ext cx="2137761" cy="1378226"/>
+          </a:xfrm>
+          <a:prstGeom prst="rect">
+            <a:avLst/>
+          </a:prstGeom>
+          <a:solidFill>
+            <a:schemeClr val="bg1"/>
+          </a:solidFill>
+          <a:ln>
+            <a:solidFill>
+              <a:schemeClr val="bg1"/>
+            </a:solidFill>
+          </a:ln>
+        </p:spPr>
+        <p:style>
+          <a:lnRef idx="2">
+            <a:schemeClr val="accent1">
+              <a:shade val="50000"/>
+            </a:schemeClr>
+          </a:lnRef>
+          <a:fillRef idx="1">
+            <a:schemeClr val="accent1"/>
+          </a:fillRef>
+          <a:effectRef idx="0">
+            <a:schemeClr val="accent1"/>
+          </a:effectRef>
+          <a:fontRef idx="minor">
+            <a:schemeClr val="lt1"/>
+          </a:fontRef>
+        </p:style>
+        <p:txBody>
+          <a:bodyPr rtlCol="0" anchor="ctr"/>
+          <a:lstStyle/>
+          <a:p>
+            <a:pPr algn="ctr"/>
+            <a:endParaRPr lang="pt-BR"/>
+          </a:p>
+        </p:txBody>
+      </p:sp>
+      <p:sp>
+        <p:nvSpPr>
+          <p:cNvPr id="3" name="Espaço Reservado para Número de Slide 2"/>
+          <p:cNvSpPr>
+            <a:spLocks noGrp="1"/>
+          </p:cNvSpPr>
+          <p:nvPr>
+            <p:ph type="sldNum" sz="quarter" idx="4"/>
+          </p:nvPr>
+        </p:nvSpPr>
+        <p:spPr>
+          <a:xfrm>
+            <a:off x="11468809" y="6563746"/>
+            <a:ext cx="570147" cy="194349"/>
+          </a:xfrm>
+        </p:spPr>
+        <p:txBody>
+          <a:bodyPr/>
+          <a:lstStyle/>
+          <a:p>
+            <a:pPr>
+              <a:defRPr/>
+            </a:pPr>
+            <a:fld id="{B66251D2-9488-44CD-87B4-F793A73C4A01}" type="slidenum">
+              <a:rPr lang="pt-BR" smtClean="0"/>
+              <a:pPr>
+                <a:defRPr/>
+              </a:pPr>
+              <a:t>4</a:t>
+            </a:fld>
+            <a:endParaRPr lang="pt-BR" sz="798" dirty="0"/>
+          </a:p>
+        </p:txBody>
+      </p:sp>
+      <p:sp>
+        <p:nvSpPr>
+          <p:cNvPr id="101" name="Retângulo 20">
+            <a:extLst>
+              <a:ext uri="{FF2B5EF4-FFF2-40B4-BE49-F238E27FC236}">
+                <a16:creationId xmlns:a16="http://schemas.microsoft.com/office/drawing/2014/main" id="{FC798C42-61A5-3943-A3F4-72A0AB9C9EDA}"/>
+              </a:ext>
+            </a:extLst>
+          </p:cNvPr>
+          <p:cNvSpPr/>
+          <p:nvPr/>
+        </p:nvSpPr>
+        <p:spPr>
+          <a:xfrm>
+            <a:off x="959212" y="2110865"/>
+            <a:ext cx="2327633" cy="538865"/>
+          </a:xfrm>
+          <a:prstGeom prst="rect">
+            <a:avLst/>
+          </a:prstGeom>
+        </p:spPr>
+        <p:txBody>
+          <a:bodyPr wrap="square">
+            <a:spAutoFit/>
+          </a:bodyPr>
+          <a:lstStyle/>
+          <a:p>
+            <a:pPr lvl="0" algn="ctr">
+              <a:defRPr/>
+            </a:pPr>
+            <a:r>
+              <a:rPr lang="pt-BR" sz="1451" dirty="0">
+                <a:solidFill>
+                  <a:prstClr val="white"/>
+                </a:solidFill>
+              </a:rPr>
+              <a:t>Armazena os dados das máquinas e dos cadastros.</a:t>
+            </a:r>
+            <a:endParaRPr lang="pt-BR" sz="1088" dirty="0">
+              <a:solidFill>
+                <a:prstClr val="white"/>
+              </a:solidFill>
+            </a:endParaRPr>
+          </a:p>
+        </p:txBody>
+      </p:sp>
+      <p:sp>
+        <p:nvSpPr>
+          <p:cNvPr id="37" name="CaixaDeTexto 36">
+            <a:extLst>
+              <a:ext uri="{FF2B5EF4-FFF2-40B4-BE49-F238E27FC236}">
+                <a16:creationId xmlns:a16="http://schemas.microsoft.com/office/drawing/2014/main" id="{8CB040A9-A1B9-4F0B-8FF1-AE9DAEC3A922}"/>
+              </a:ext>
+            </a:extLst>
+          </p:cNvPr>
+          <p:cNvSpPr txBox="1"/>
+          <p:nvPr/>
+        </p:nvSpPr>
+        <p:spPr>
+          <a:xfrm>
+            <a:off x="157048" y="275228"/>
+            <a:ext cx="10352780" cy="615563"/>
+          </a:xfrm>
+          <a:prstGeom prst="rect">
+            <a:avLst/>
+          </a:prstGeom>
+        </p:spPr>
+        <p:txBody>
+          <a:bodyPr vert="horz" lIns="91435" tIns="45717" rIns="91435" bIns="45717" rtlCol="0" anchor="ctr">
+            <a:normAutofit fontScale="92500" lnSpcReduction="10000"/>
+          </a:bodyPr>
+          <a:lstStyle/>
+          <a:p>
+            <a:r>
+              <a:rPr lang="pt-BR" sz="4000" b="1" dirty="0"/>
+              <a:t>Visão micro – Server </a:t>
+            </a:r>
+            <a:r>
+              <a:rPr lang="pt-BR" sz="4000" b="1" dirty="0" err="1"/>
+              <a:t>Side</a:t>
+            </a:r>
+            <a:r>
+              <a:rPr lang="pt-BR" sz="4000" b="1" dirty="0"/>
+              <a:t> Web </a:t>
+            </a:r>
+            <a:r>
+              <a:rPr lang="pt-BR" sz="4000" b="1" dirty="0" err="1"/>
+              <a:t>Application</a:t>
+            </a:r>
+            <a:endParaRPr lang="pt-BR" sz="4000" b="1" dirty="0"/>
+          </a:p>
+        </p:txBody>
+      </p:sp>
+      <p:grpSp>
+        <p:nvGrpSpPr>
+          <p:cNvPr id="40" name="Group 15">
+            <a:extLst>
+              <a:ext uri="{FF2B5EF4-FFF2-40B4-BE49-F238E27FC236}">
+                <a16:creationId xmlns:a16="http://schemas.microsoft.com/office/drawing/2014/main" id="{AA3596DF-16E8-4847-89F3-D8BB12ED36A6}"/>
+              </a:ext>
+            </a:extLst>
+          </p:cNvPr>
+          <p:cNvGrpSpPr/>
+          <p:nvPr/>
+        </p:nvGrpSpPr>
+        <p:grpSpPr>
+          <a:xfrm>
+            <a:off x="4522390" y="1119161"/>
+            <a:ext cx="3147219" cy="2465809"/>
+            <a:chOff x="841115" y="898546"/>
+            <a:chExt cx="3505479" cy="2267885"/>
+          </a:xfrm>
+        </p:grpSpPr>
+        <p:sp>
+          <p:nvSpPr>
+            <p:cNvPr id="41" name="Fluxograma: Disco Magnético 40">
+              <a:extLst>
+                <a:ext uri="{FF2B5EF4-FFF2-40B4-BE49-F238E27FC236}">
+                  <a16:creationId xmlns:a16="http://schemas.microsoft.com/office/drawing/2014/main" id="{DAF7CC91-5436-4D03-8080-E9177FDEF944}"/>
+                </a:ext>
+              </a:extLst>
+            </p:cNvPr>
+            <p:cNvSpPr/>
+            <p:nvPr/>
+          </p:nvSpPr>
+          <p:spPr>
+            <a:xfrm>
+              <a:off x="869150" y="898546"/>
+              <a:ext cx="3363144" cy="2267885"/>
+            </a:xfrm>
+            <a:prstGeom prst="flowChartMagneticDisk">
+              <a:avLst/>
+            </a:prstGeom>
+            <a:solidFill>
+              <a:srgbClr val="53CC89"/>
+            </a:solidFill>
+            <a:ln>
+              <a:solidFill>
+                <a:srgbClr val="253746"/>
+              </a:solidFill>
+            </a:ln>
+          </p:spPr>
+          <p:style>
+            <a:lnRef idx="2">
+              <a:schemeClr val="accent1">
+                <a:shade val="50000"/>
+              </a:schemeClr>
+            </a:lnRef>
+            <a:fillRef idx="1">
+              <a:schemeClr val="accent1"/>
+            </a:fillRef>
+            <a:effectRef idx="0">
+              <a:schemeClr val="accent1"/>
+            </a:effectRef>
+            <a:fontRef idx="minor">
+              <a:schemeClr val="lt1"/>
+            </a:fontRef>
+          </p:style>
+          <p:txBody>
+            <a:bodyPr rtlCol="0" anchor="ctr"/>
+            <a:lstStyle/>
+            <a:p>
+              <a:pPr algn="ctr"/>
+              <a:endParaRPr lang="pt-BR" sz="1800" dirty="0">
+                <a:solidFill>
+                  <a:prstClr val="white"/>
+                </a:solidFill>
+                <a:latin typeface="Calibri"/>
+              </a:endParaRPr>
+            </a:p>
+          </p:txBody>
+        </p:sp>
+        <p:sp>
+          <p:nvSpPr>
+            <p:cNvPr id="42" name="CaixaDeTexto 41">
+              <a:extLst>
+                <a:ext uri="{FF2B5EF4-FFF2-40B4-BE49-F238E27FC236}">
+                  <a16:creationId xmlns:a16="http://schemas.microsoft.com/office/drawing/2014/main" id="{302B2027-A2FA-4A47-A0E8-CB128F2E35F0}"/>
+                </a:ext>
+              </a:extLst>
+            </p:cNvPr>
+            <p:cNvSpPr txBox="1"/>
+            <p:nvPr/>
+          </p:nvSpPr>
+          <p:spPr>
+            <a:xfrm>
+              <a:off x="841115" y="1791934"/>
+              <a:ext cx="3505479" cy="861774"/>
+            </a:xfrm>
+            <a:prstGeom prst="rect">
+              <a:avLst/>
+            </a:prstGeom>
+            <a:noFill/>
+          </p:spPr>
+          <p:txBody>
+            <a:bodyPr wrap="square">
+              <a:spAutoFit/>
+            </a:bodyPr>
+            <a:lstStyle/>
+            <a:p>
+              <a:pPr algn="ctr">
+                <a:defRPr/>
+              </a:pPr>
+              <a:r>
+                <a:rPr lang="pt-BR" sz="1600" b="1" dirty="0" err="1">
+                  <a:solidFill>
+                    <a:schemeClr val="bg2">
+                      <a:lumMod val="25000"/>
+                    </a:schemeClr>
+                  </a:solidFill>
+                  <a:latin typeface="Arial" panose="020B0604020202020204" pitchFamily="34" charset="0"/>
+                  <a:cs typeface="Arial" panose="020B0604020202020204" pitchFamily="34" charset="0"/>
+                </a:rPr>
+                <a:t>Database</a:t>
+              </a:r>
+              <a:r>
+                <a:rPr lang="pt-BR" sz="1600" b="1" dirty="0">
+                  <a:solidFill>
+                    <a:schemeClr val="bg2">
+                      <a:lumMod val="25000"/>
+                    </a:schemeClr>
+                  </a:solidFill>
+                  <a:latin typeface="Arial" panose="020B0604020202020204" pitchFamily="34" charset="0"/>
+                  <a:cs typeface="Arial" panose="020B0604020202020204" pitchFamily="34" charset="0"/>
+                </a:rPr>
+                <a:t>-</a:t>
+              </a:r>
+            </a:p>
+            <a:p>
+              <a:pPr algn="ctr">
+                <a:defRPr/>
+              </a:pPr>
+              <a:r>
+                <a:rPr lang="pt-BR" sz="1600" b="1" dirty="0">
+                  <a:solidFill>
+                    <a:schemeClr val="bg2">
+                      <a:lumMod val="25000"/>
+                    </a:schemeClr>
+                  </a:solidFill>
+                  <a:latin typeface="Arial" panose="020B0604020202020204" pitchFamily="34" charset="0"/>
+                  <a:cs typeface="Arial" panose="020B0604020202020204" pitchFamily="34" charset="0"/>
+                </a:rPr>
+                <a:t>[Container: SQL Server – Azure]</a:t>
+              </a:r>
+            </a:p>
+            <a:p>
+              <a:pPr algn="ctr">
+                <a:defRPr/>
+              </a:pPr>
+              <a:r>
+                <a:rPr lang="pt-BR" sz="1600" b="1" dirty="0">
+                  <a:solidFill>
+                    <a:schemeClr val="bg2">
+                      <a:lumMod val="25000"/>
+                    </a:schemeClr>
+                  </a:solidFill>
+                  <a:latin typeface="Arial" panose="020B0604020202020204" pitchFamily="34" charset="0"/>
+                  <a:cs typeface="Arial" panose="020B0604020202020204" pitchFamily="34" charset="0"/>
+                </a:rPr>
+                <a:t>Base de dados do nosso sistema</a:t>
+              </a:r>
+              <a:endParaRPr lang="pt-BR" b="1" dirty="0">
+                <a:solidFill>
+                  <a:schemeClr val="bg2">
+                    <a:lumMod val="25000"/>
+                  </a:schemeClr>
+                </a:solidFill>
+                <a:latin typeface="Arial" panose="020B0604020202020204" pitchFamily="34" charset="0"/>
+                <a:cs typeface="Arial" panose="020B0604020202020204" pitchFamily="34" charset="0"/>
+              </a:endParaRPr>
+            </a:p>
+          </p:txBody>
+        </p:sp>
+      </p:grpSp>
+      <p:grpSp>
+        <p:nvGrpSpPr>
+          <p:cNvPr id="15" name="Agrupar 14">
+            <a:extLst>
+              <a:ext uri="{FF2B5EF4-FFF2-40B4-BE49-F238E27FC236}">
+                <a16:creationId xmlns:a16="http://schemas.microsoft.com/office/drawing/2014/main" id="{6A3D3731-1098-446F-8B99-0C4C5E070B13}"/>
+              </a:ext>
+            </a:extLst>
+          </p:cNvPr>
+          <p:cNvGrpSpPr/>
+          <p:nvPr/>
+        </p:nvGrpSpPr>
+        <p:grpSpPr>
+          <a:xfrm>
+            <a:off x="528895" y="4484809"/>
+            <a:ext cx="6115878" cy="1828602"/>
+            <a:chOff x="164947" y="4508838"/>
+            <a:chExt cx="6115878" cy="1828602"/>
+          </a:xfrm>
+        </p:grpSpPr>
+        <p:sp>
+          <p:nvSpPr>
+            <p:cNvPr id="54" name="Retângulo 53">
+              <a:extLst>
+                <a:ext uri="{FF2B5EF4-FFF2-40B4-BE49-F238E27FC236}">
+                  <a16:creationId xmlns:a16="http://schemas.microsoft.com/office/drawing/2014/main" id="{52F8A0F4-102C-46F3-9275-8B37253689A6}"/>
+                </a:ext>
+              </a:extLst>
+            </p:cNvPr>
+            <p:cNvSpPr/>
+            <p:nvPr/>
+          </p:nvSpPr>
+          <p:spPr>
+            <a:xfrm>
+              <a:off x="1773813" y="4508838"/>
+              <a:ext cx="2837943" cy="1828602"/>
+            </a:xfrm>
+            <a:prstGeom prst="rect">
+              <a:avLst/>
+            </a:prstGeom>
+            <a:noFill/>
+            <a:ln>
+              <a:solidFill>
+                <a:srgbClr val="53CC89"/>
+              </a:solidFill>
+            </a:ln>
+          </p:spPr>
+          <p:style>
+            <a:lnRef idx="2">
+              <a:schemeClr val="accent5">
+                <a:shade val="50000"/>
+              </a:schemeClr>
+            </a:lnRef>
+            <a:fillRef idx="1">
+              <a:schemeClr val="accent5"/>
+            </a:fillRef>
+            <a:effectRef idx="0">
+              <a:schemeClr val="accent5"/>
+            </a:effectRef>
+            <a:fontRef idx="minor">
+              <a:schemeClr val="lt1"/>
+            </a:fontRef>
+          </p:style>
+          <p:txBody>
+            <a:bodyPr rtlCol="0" anchor="ctr"/>
+            <a:lstStyle/>
+            <a:p>
+              <a:pPr algn="ctr"/>
+              <a:endParaRPr lang="pt-BR" sz="1632" dirty="0">
+                <a:solidFill>
+                  <a:prstClr val="white"/>
+                </a:solidFill>
+                <a:latin typeface="Calibri"/>
+              </a:endParaRPr>
+            </a:p>
+          </p:txBody>
+        </p:sp>
+        <p:sp>
+          <p:nvSpPr>
+            <p:cNvPr id="45" name="CaixaDeTexto 44">
+              <a:extLst>
+                <a:ext uri="{FF2B5EF4-FFF2-40B4-BE49-F238E27FC236}">
+                  <a16:creationId xmlns:a16="http://schemas.microsoft.com/office/drawing/2014/main" id="{13BB62C0-41BE-41B4-8E08-48E17DA6A457}"/>
+                </a:ext>
+              </a:extLst>
+            </p:cNvPr>
+            <p:cNvSpPr txBox="1"/>
+            <p:nvPr/>
+          </p:nvSpPr>
+          <p:spPr>
+            <a:xfrm>
+              <a:off x="844121" y="4792968"/>
+              <a:ext cx="4757530" cy="584775"/>
+            </a:xfrm>
+            <a:prstGeom prst="rect">
+              <a:avLst/>
+            </a:prstGeom>
+            <a:noFill/>
+          </p:spPr>
+          <p:txBody>
+            <a:bodyPr wrap="square">
+              <a:spAutoFit/>
+            </a:bodyPr>
+            <a:lstStyle/>
+            <a:p>
+              <a:pPr lvl="0" algn="ctr">
+                <a:defRPr/>
+              </a:pPr>
+              <a:r>
+                <a:rPr lang="pt-BR" sz="1600" b="1" dirty="0" err="1">
+                  <a:latin typeface="Arial" panose="020B0604020202020204" pitchFamily="34" charset="0"/>
+                  <a:cs typeface="Arial" panose="020B0604020202020204" pitchFamily="34" charset="0"/>
+                </a:rPr>
+                <a:t>SpringBoot</a:t>
+              </a:r>
+              <a:endParaRPr lang="pt-BR" sz="1600" b="1" dirty="0">
+                <a:latin typeface="Arial" panose="020B0604020202020204" pitchFamily="34" charset="0"/>
+                <a:cs typeface="Arial" panose="020B0604020202020204" pitchFamily="34" charset="0"/>
+              </a:endParaRPr>
+            </a:p>
+            <a:p>
+              <a:pPr lvl="0" algn="ctr">
+                <a:defRPr/>
+              </a:pPr>
+              <a:r>
+                <a:rPr lang="pt-BR" sz="1600" dirty="0">
+                  <a:latin typeface="Arial" panose="020B0604020202020204" pitchFamily="34" charset="0"/>
+                  <a:cs typeface="Arial" panose="020B0604020202020204" pitchFamily="34" charset="0"/>
+                </a:rPr>
+                <a:t>[Container: </a:t>
+              </a:r>
+              <a:r>
+                <a:rPr lang="pt-BR" sz="1600" dirty="0" err="1">
+                  <a:latin typeface="Arial" panose="020B0604020202020204" pitchFamily="34" charset="0"/>
+                  <a:cs typeface="Arial" panose="020B0604020202020204" pitchFamily="34" charset="0"/>
+                </a:rPr>
+                <a:t>SpringBoot</a:t>
+              </a:r>
+              <a:r>
+                <a:rPr lang="pt-BR" sz="1600" dirty="0"/>
+                <a:t>]</a:t>
+              </a:r>
+            </a:p>
+          </p:txBody>
+        </p:sp>
+        <p:sp>
+          <p:nvSpPr>
+            <p:cNvPr id="47" name="CaixaDeTexto 46">
+              <a:extLst>
+                <a:ext uri="{FF2B5EF4-FFF2-40B4-BE49-F238E27FC236}">
+                  <a16:creationId xmlns:a16="http://schemas.microsoft.com/office/drawing/2014/main" id="{B826C08C-31EA-48D2-8D7B-841CE826032C}"/>
+                </a:ext>
+              </a:extLst>
+            </p:cNvPr>
+            <p:cNvSpPr txBox="1"/>
+            <p:nvPr/>
+          </p:nvSpPr>
+          <p:spPr>
+            <a:xfrm>
+              <a:off x="164947" y="5410979"/>
+              <a:ext cx="6115878" cy="338554"/>
+            </a:xfrm>
+            <a:prstGeom prst="rect">
+              <a:avLst/>
+            </a:prstGeom>
+            <a:noFill/>
+          </p:spPr>
+          <p:txBody>
+            <a:bodyPr wrap="square">
+              <a:spAutoFit/>
+            </a:bodyPr>
+            <a:lstStyle/>
+            <a:p>
+              <a:pPr lvl="0" algn="ctr">
+                <a:defRPr/>
+              </a:pPr>
+              <a:r>
+                <a:rPr lang="pt-BR" sz="1600" dirty="0">
+                  <a:latin typeface="Arial" panose="020B0604020202020204" pitchFamily="34" charset="0"/>
+                  <a:cs typeface="Arial" panose="020B0604020202020204" pitchFamily="34" charset="0"/>
+                </a:rPr>
+                <a:t>Aplicação (</a:t>
+              </a:r>
+              <a:r>
+                <a:rPr lang="pt-BR" sz="1600" dirty="0" err="1">
+                  <a:latin typeface="Arial" panose="020B0604020202020204" pitchFamily="34" charset="0"/>
+                  <a:cs typeface="Arial" panose="020B0604020202020204" pitchFamily="34" charset="0"/>
+                </a:rPr>
+                <a:t>back-end</a:t>
+              </a:r>
+              <a:r>
+                <a:rPr lang="pt-BR" sz="1600" dirty="0">
+                  <a:latin typeface="Arial" panose="020B0604020202020204" pitchFamily="34" charset="0"/>
+                  <a:cs typeface="Arial" panose="020B0604020202020204" pitchFamily="34" charset="0"/>
+                </a:rPr>
+                <a:t>)</a:t>
+              </a:r>
+            </a:p>
+          </p:txBody>
+        </p:sp>
+      </p:grpSp>
+      <p:grpSp>
+        <p:nvGrpSpPr>
+          <p:cNvPr id="16" name="Agrupar 15">
+            <a:extLst>
+              <a:ext uri="{FF2B5EF4-FFF2-40B4-BE49-F238E27FC236}">
+                <a16:creationId xmlns:a16="http://schemas.microsoft.com/office/drawing/2014/main" id="{E4AE76FB-ABFA-4A75-92ED-7B642230DDAF}"/>
+              </a:ext>
+            </a:extLst>
+          </p:cNvPr>
+          <p:cNvGrpSpPr/>
+          <p:nvPr/>
+        </p:nvGrpSpPr>
+        <p:grpSpPr>
+          <a:xfrm>
+            <a:off x="7551050" y="4484809"/>
+            <a:ext cx="3175950" cy="1944971"/>
+            <a:chOff x="7827886" y="4508837"/>
+            <a:chExt cx="3175950" cy="1944971"/>
+          </a:xfrm>
+        </p:grpSpPr>
+        <p:sp>
+          <p:nvSpPr>
+            <p:cNvPr id="18" name="Retângulo 17">
+              <a:extLst>
+                <a:ext uri="{FF2B5EF4-FFF2-40B4-BE49-F238E27FC236}">
+                  <a16:creationId xmlns:a16="http://schemas.microsoft.com/office/drawing/2014/main" id="{52F8A0F4-102C-46F3-9275-8B37253689A6}"/>
+                </a:ext>
+              </a:extLst>
+            </p:cNvPr>
+            <p:cNvSpPr/>
+            <p:nvPr/>
+          </p:nvSpPr>
+          <p:spPr>
+            <a:xfrm>
+              <a:off x="7955874" y="4508837"/>
+              <a:ext cx="2837943" cy="1944971"/>
+            </a:xfrm>
+            <a:prstGeom prst="rect">
+              <a:avLst/>
+            </a:prstGeom>
+            <a:noFill/>
+            <a:ln>
+              <a:solidFill>
+                <a:srgbClr val="53CC89"/>
+              </a:solidFill>
+            </a:ln>
+          </p:spPr>
+          <p:style>
+            <a:lnRef idx="2">
+              <a:schemeClr val="accent5">
+                <a:shade val="50000"/>
+              </a:schemeClr>
+            </a:lnRef>
+            <a:fillRef idx="1">
+              <a:schemeClr val="accent5"/>
+            </a:fillRef>
+            <a:effectRef idx="0">
+              <a:schemeClr val="accent5"/>
+            </a:effectRef>
+            <a:fontRef idx="minor">
+              <a:schemeClr val="lt1"/>
+            </a:fontRef>
+          </p:style>
+          <p:txBody>
+            <a:bodyPr rtlCol="0" anchor="ctr"/>
+            <a:lstStyle/>
+            <a:p>
+              <a:pPr algn="ctr"/>
+              <a:endParaRPr lang="pt-BR" sz="1632" dirty="0">
+                <a:solidFill>
+                  <a:prstClr val="white"/>
+                </a:solidFill>
+                <a:latin typeface="Calibri"/>
+              </a:endParaRPr>
+            </a:p>
+          </p:txBody>
+        </p:sp>
+        <p:sp>
+          <p:nvSpPr>
+            <p:cNvPr id="49" name="CaixaDeTexto 48">
+              <a:extLst>
+                <a:ext uri="{FF2B5EF4-FFF2-40B4-BE49-F238E27FC236}">
+                  <a16:creationId xmlns:a16="http://schemas.microsoft.com/office/drawing/2014/main" id="{BE499B3E-EBAC-46FC-AD36-F7EDFE89CFDA}"/>
+                </a:ext>
+              </a:extLst>
+            </p:cNvPr>
+            <p:cNvSpPr txBox="1"/>
+            <p:nvPr/>
+          </p:nvSpPr>
+          <p:spPr>
+            <a:xfrm>
+              <a:off x="9063671" y="4792967"/>
+              <a:ext cx="1034485" cy="338554"/>
+            </a:xfrm>
+            <a:prstGeom prst="rect">
+              <a:avLst/>
+            </a:prstGeom>
+            <a:noFill/>
+          </p:spPr>
+          <p:txBody>
+            <a:bodyPr wrap="square">
+              <a:spAutoFit/>
+            </a:bodyPr>
+            <a:lstStyle/>
+            <a:p>
+              <a:r>
+                <a:rPr lang="pt-BR" sz="1600" b="1" dirty="0">
+                  <a:latin typeface="Arial" panose="020B0604020202020204" pitchFamily="34" charset="0"/>
+                  <a:cs typeface="Arial" panose="020B0604020202020204" pitchFamily="34" charset="0"/>
+                </a:rPr>
+                <a:t>JDBC</a:t>
+              </a:r>
+              <a:endParaRPr lang="pt-BR" sz="1600" dirty="0">
+                <a:latin typeface="Arial" panose="020B0604020202020204" pitchFamily="34" charset="0"/>
+                <a:cs typeface="Arial" panose="020B0604020202020204" pitchFamily="34" charset="0"/>
+              </a:endParaRPr>
+            </a:p>
+          </p:txBody>
+        </p:sp>
+        <p:sp>
+          <p:nvSpPr>
+            <p:cNvPr id="51" name="CaixaDeTexto 50">
+              <a:extLst>
+                <a:ext uri="{FF2B5EF4-FFF2-40B4-BE49-F238E27FC236}">
+                  <a16:creationId xmlns:a16="http://schemas.microsoft.com/office/drawing/2014/main" id="{0F099DE4-3819-4CF6-8219-EC9DC8B4DF7D}"/>
+                </a:ext>
+              </a:extLst>
+            </p:cNvPr>
+            <p:cNvSpPr txBox="1"/>
+            <p:nvPr/>
+          </p:nvSpPr>
+          <p:spPr>
+            <a:xfrm>
+              <a:off x="7827886" y="5144996"/>
+              <a:ext cx="3175950" cy="584775"/>
+            </a:xfrm>
+            <a:prstGeom prst="rect">
+              <a:avLst/>
+            </a:prstGeom>
+            <a:noFill/>
+          </p:spPr>
+          <p:txBody>
+            <a:bodyPr wrap="square">
+              <a:spAutoFit/>
+            </a:bodyPr>
+            <a:lstStyle/>
+            <a:p>
+              <a:pPr lvl="0" algn="ctr">
+                <a:defRPr/>
+              </a:pPr>
+              <a:r>
+                <a:rPr lang="pt-BR" sz="1600" dirty="0">
+                  <a:latin typeface="Arial" panose="020B0604020202020204" pitchFamily="34" charset="0"/>
+                  <a:cs typeface="Arial" panose="020B0604020202020204" pitchFamily="34" charset="0"/>
+                </a:rPr>
+                <a:t>Conexão com os bancos de dados</a:t>
+              </a:r>
+            </a:p>
+          </p:txBody>
+        </p:sp>
+      </p:grpSp>
+      <p:sp>
+        <p:nvSpPr>
+          <p:cNvPr id="53" name="Retângulo 52">
+            <a:extLst>
+              <a:ext uri="{FF2B5EF4-FFF2-40B4-BE49-F238E27FC236}">
+                <a16:creationId xmlns:a16="http://schemas.microsoft.com/office/drawing/2014/main" id="{2CB5723C-B6D4-4300-88D6-FC21C70BC7F1}"/>
+              </a:ext>
+            </a:extLst>
+          </p:cNvPr>
+          <p:cNvSpPr/>
+          <p:nvPr/>
+        </p:nvSpPr>
+        <p:spPr>
+          <a:xfrm>
+            <a:off x="643986" y="4059989"/>
+            <a:ext cx="10588802" cy="2678243"/>
+          </a:xfrm>
+          <a:prstGeom prst="rect">
+            <a:avLst/>
+          </a:prstGeom>
+          <a:noFill/>
+          <a:ln w="38100" cap="flat" cmpd="sng" algn="ctr">
+            <a:solidFill>
+              <a:schemeClr val="dk1"/>
+            </a:solidFill>
+            <a:prstDash val="sysDash"/>
+            <a:round/>
+            <a:headEnd type="none" w="med" len="med"/>
+            <a:tailEnd type="none" w="med" len="med"/>
+          </a:ln>
+        </p:spPr>
+        <p:style>
+          <a:lnRef idx="0">
+            <a:scrgbClr r="0" g="0" b="0"/>
+          </a:lnRef>
+          <a:fillRef idx="0">
+            <a:scrgbClr r="0" g="0" b="0"/>
+          </a:fillRef>
+          <a:effectRef idx="0">
+            <a:scrgbClr r="0" g="0" b="0"/>
+          </a:effectRef>
+          <a:fontRef idx="minor">
+            <a:schemeClr val="dk1"/>
+          </a:fontRef>
+        </p:style>
+        <p:txBody>
+          <a:bodyPr rtlCol="0" anchor="ctr"/>
+          <a:lstStyle/>
+          <a:p>
+            <a:pPr algn="ctr"/>
+            <a:endParaRPr lang="pt-BR"/>
+          </a:p>
+        </p:txBody>
+      </p:sp>
+      <p:cxnSp>
+        <p:nvCxnSpPr>
+          <p:cNvPr id="66" name="Conector de Seta Reta 65">
+            <a:extLst>
+              <a:ext uri="{FF2B5EF4-FFF2-40B4-BE49-F238E27FC236}">
+                <a16:creationId xmlns:a16="http://schemas.microsoft.com/office/drawing/2014/main" id="{64010601-589C-4AB9-9D86-E3587BD81E59}"/>
+              </a:ext>
+            </a:extLst>
+          </p:cNvPr>
+          <p:cNvCxnSpPr>
+            <a:cxnSpLocks/>
+            <a:endCxn id="72" idx="3"/>
+          </p:cNvCxnSpPr>
+          <p:nvPr/>
+        </p:nvCxnSpPr>
+        <p:spPr>
+          <a:xfrm flipH="1">
+            <a:off x="5088835" y="5391210"/>
+            <a:ext cx="2462215" cy="0"/>
+          </a:xfrm>
+          <a:prstGeom prst="straightConnector1">
+            <a:avLst/>
+          </a:prstGeom>
+          <a:ln>
+            <a:tailEnd type="triangle"/>
+          </a:ln>
+        </p:spPr>
+        <p:style>
+          <a:lnRef idx="3">
+            <a:schemeClr val="dk1"/>
+          </a:lnRef>
+          <a:fillRef idx="0">
+            <a:schemeClr val="dk1"/>
+          </a:fillRef>
+          <a:effectRef idx="2">
+            <a:schemeClr val="dk1"/>
+          </a:effectRef>
+          <a:fontRef idx="minor">
+            <a:schemeClr val="tx1"/>
+          </a:fontRef>
+        </p:style>
+      </p:cxnSp>
+      <p:cxnSp>
+        <p:nvCxnSpPr>
+          <p:cNvPr id="71" name="Conector de Seta Reta 70">
+            <a:extLst>
+              <a:ext uri="{FF2B5EF4-FFF2-40B4-BE49-F238E27FC236}">
+                <a16:creationId xmlns:a16="http://schemas.microsoft.com/office/drawing/2014/main" id="{EE7D4BA9-159E-477E-8ECB-03B08115D73F}"/>
+              </a:ext>
+            </a:extLst>
+          </p:cNvPr>
+          <p:cNvCxnSpPr>
+            <a:cxnSpLocks/>
+          </p:cNvCxnSpPr>
+          <p:nvPr/>
+        </p:nvCxnSpPr>
+        <p:spPr>
+          <a:xfrm flipV="1">
+            <a:off x="4306957" y="3591573"/>
+            <a:ext cx="1658642" cy="827151"/>
+          </a:xfrm>
+          <a:prstGeom prst="straightConnector1">
+            <a:avLst/>
+          </a:prstGeom>
+          <a:ln>
+            <a:headEnd type="triangle"/>
+            <a:tailEnd type="triangle"/>
+          </a:ln>
+        </p:spPr>
+        <p:style>
+          <a:lnRef idx="3">
+            <a:schemeClr val="dk1"/>
+          </a:lnRef>
+          <a:fillRef idx="0">
+            <a:schemeClr val="dk1"/>
+          </a:fillRef>
+          <a:effectRef idx="2">
+            <a:schemeClr val="dk1"/>
+          </a:effectRef>
+          <a:fontRef idx="minor">
+            <a:schemeClr val="tx1"/>
+          </a:fontRef>
+        </p:style>
+      </p:cxnSp>
+      <p:sp>
+        <p:nvSpPr>
+          <p:cNvPr id="72" name="Retângulo 17">
+            <a:extLst>
+              <a:ext uri="{FF2B5EF4-FFF2-40B4-BE49-F238E27FC236}">
+                <a16:creationId xmlns:a16="http://schemas.microsoft.com/office/drawing/2014/main" id="{96A06E76-40BD-4B4C-8D5E-E41146936326}"/>
+              </a:ext>
+            </a:extLst>
+          </p:cNvPr>
+          <p:cNvSpPr/>
+          <p:nvPr/>
+        </p:nvSpPr>
+        <p:spPr>
+          <a:xfrm>
+            <a:off x="2040835" y="4418724"/>
+            <a:ext cx="3048000" cy="1944971"/>
+          </a:xfrm>
+          <a:prstGeom prst="rect">
+            <a:avLst/>
+          </a:prstGeom>
+          <a:noFill/>
+          <a:ln w="19050">
+            <a:solidFill>
+              <a:srgbClr val="00B050"/>
+            </a:solidFill>
+          </a:ln>
+        </p:spPr>
+        <p:style>
+          <a:lnRef idx="2">
+            <a:schemeClr val="accent5">
+              <a:shade val="50000"/>
+            </a:schemeClr>
+          </a:lnRef>
+          <a:fillRef idx="1">
+            <a:schemeClr val="accent5"/>
+          </a:fillRef>
+          <a:effectRef idx="0">
+            <a:schemeClr val="accent5"/>
+          </a:effectRef>
+          <a:fontRef idx="minor">
+            <a:schemeClr val="lt1"/>
+          </a:fontRef>
+        </p:style>
+        <p:txBody>
+          <a:bodyPr rtlCol="0" anchor="ctr"/>
+          <a:lstStyle/>
+          <a:p>
+            <a:pPr algn="ctr"/>
+            <a:endParaRPr lang="pt-BR" sz="1800" dirty="0">
+              <a:solidFill>
+                <a:prstClr val="white"/>
+              </a:solidFill>
+              <a:latin typeface="Calibri"/>
+            </a:endParaRPr>
+          </a:p>
+        </p:txBody>
+      </p:sp>
+      <p:sp>
+        <p:nvSpPr>
+          <p:cNvPr id="73" name="Retângulo 17">
+            <a:extLst>
+              <a:ext uri="{FF2B5EF4-FFF2-40B4-BE49-F238E27FC236}">
+                <a16:creationId xmlns:a16="http://schemas.microsoft.com/office/drawing/2014/main" id="{86383CB9-D7DD-425B-A588-513CECFDDDDB}"/>
+              </a:ext>
+            </a:extLst>
+          </p:cNvPr>
+          <p:cNvSpPr/>
+          <p:nvPr/>
+        </p:nvSpPr>
+        <p:spPr>
+          <a:xfrm>
+            <a:off x="7596634" y="4418724"/>
+            <a:ext cx="3048000" cy="2145022"/>
+          </a:xfrm>
+          <a:prstGeom prst="rect">
+            <a:avLst/>
+          </a:prstGeom>
+          <a:noFill/>
+          <a:ln w="19050">
+            <a:solidFill>
+              <a:srgbClr val="00B050"/>
+            </a:solidFill>
+          </a:ln>
+        </p:spPr>
+        <p:style>
+          <a:lnRef idx="2">
+            <a:schemeClr val="accent5">
+              <a:shade val="50000"/>
+            </a:schemeClr>
+          </a:lnRef>
+          <a:fillRef idx="1">
+            <a:schemeClr val="accent5"/>
+          </a:fillRef>
+          <a:effectRef idx="0">
+            <a:schemeClr val="accent5"/>
+          </a:effectRef>
+          <a:fontRef idx="minor">
+            <a:schemeClr val="lt1"/>
+          </a:fontRef>
+        </p:style>
+        <p:txBody>
+          <a:bodyPr rtlCol="0" anchor="ctr"/>
+          <a:lstStyle/>
+          <a:p>
+            <a:pPr algn="ctr"/>
+            <a:endParaRPr lang="pt-BR" sz="1800" dirty="0">
+              <a:solidFill>
+                <a:prstClr val="white"/>
+              </a:solidFill>
+              <a:latin typeface="Calibri"/>
+            </a:endParaRPr>
+          </a:p>
+        </p:txBody>
+      </p:sp>
+    </p:spTree>
+    <p:extLst>
+      <p:ext uri="{BB962C8B-B14F-4D97-AF65-F5344CB8AC3E}">
+        <p14:creationId xmlns:p14="http://schemas.microsoft.com/office/powerpoint/2010/main" val="2940018439"/>
       </p:ext>
     </p:extLst>
   </p:cSld>
@@ -5210,4 +9328,299 @@
     </a:ext>
   </a:extLst>
 </a:theme>
+</file>
+
+<file path=ppt/theme/theme2.xml><?xml version="1.0" encoding="utf-8"?>
+<a:theme xmlns:a="http://schemas.openxmlformats.org/drawingml/2006/main" name="Tema do Office">
+  <a:themeElements>
+    <a:clrScheme name="Office">
+      <a:dk1>
+        <a:sysClr val="windowText" lastClr="000000"/>
+      </a:dk1>
+      <a:lt1>
+        <a:sysClr val="window" lastClr="FFFFFF"/>
+      </a:lt1>
+      <a:dk2>
+        <a:srgbClr val="44546A"/>
+      </a:dk2>
+      <a:lt2>
+        <a:srgbClr val="E7E6E6"/>
+      </a:lt2>
+      <a:accent1>
+        <a:srgbClr val="4472C4"/>
+      </a:accent1>
+      <a:accent2>
+        <a:srgbClr val="ED7D31"/>
+      </a:accent2>
+      <a:accent3>
+        <a:srgbClr val="A5A5A5"/>
+      </a:accent3>
+      <a:accent4>
+        <a:srgbClr val="FFC000"/>
+      </a:accent4>
+      <a:accent5>
+        <a:srgbClr val="5B9BD5"/>
+      </a:accent5>
+      <a:accent6>
+        <a:srgbClr val="70AD47"/>
+      </a:accent6>
+      <a:hlink>
+        <a:srgbClr val="0563C1"/>
+      </a:hlink>
+      <a:folHlink>
+        <a:srgbClr val="954F72"/>
+      </a:folHlink>
+    </a:clrScheme>
+    <a:fontScheme name="Office">
+      <a:majorFont>
+        <a:latin typeface="Calibri Light" panose="020F0302020204030204"/>
+        <a:ea typeface=""/>
+        <a:cs typeface=""/>
+        <a:font script="Jpan" typeface="游ゴシック Light"/>
+        <a:font script="Hang" typeface="맑은 고딕"/>
+        <a:font script="Hans" typeface="等线 Light"/>
+        <a:font script="Hant" typeface="新細明體"/>
+        <a:font script="Arab" typeface="Times New Roman"/>
+        <a:font script="Hebr" typeface="Times New Roman"/>
+        <a:font script="Thai" typeface="Angsana New"/>
+        <a:font script="Ethi" typeface="Nyala"/>
+        <a:font script="Beng" typeface="Vrinda"/>
+        <a:font script="Gujr" typeface="Shruti"/>
+        <a:font script="Khmr" typeface="MoolBoran"/>
+        <a:font script="Knda" typeface="Tunga"/>
+        <a:font script="Guru" typeface="Raavi"/>
+        <a:font script="Cans" typeface="Euphemia"/>
+        <a:font script="Cher" typeface="Plantagenet Cherokee"/>
+        <a:font script="Yiii" typeface="Microsoft Yi Baiti"/>
+        <a:font script="Tibt" typeface="Microsoft Himalaya"/>
+        <a:font script="Thaa" typeface="MV Boli"/>
+        <a:font script="Deva" typeface="Mangal"/>
+        <a:font script="Telu" typeface="Gautami"/>
+        <a:font script="Taml" typeface="Latha"/>
+        <a:font script="Syrc" typeface="Estrangelo Edessa"/>
+        <a:font script="Orya" typeface="Kalinga"/>
+        <a:font script="Mlym" typeface="Kartika"/>
+        <a:font script="Laoo" typeface="DokChampa"/>
+        <a:font script="Sinh" typeface="Iskoola Pota"/>
+        <a:font script="Mong" typeface="Mongolian Baiti"/>
+        <a:font script="Viet" typeface="Times New Roman"/>
+        <a:font script="Uigh" typeface="Microsoft Uighur"/>
+        <a:font script="Geor" typeface="Sylfaen"/>
+        <a:font script="Armn" typeface="Arial"/>
+        <a:font script="Bugi" typeface="Leelawadee UI"/>
+        <a:font script="Bopo" typeface="Microsoft JhengHei"/>
+        <a:font script="Java" typeface="Javanese Text"/>
+        <a:font script="Lisu" typeface="Segoe UI"/>
+        <a:font script="Mymr" typeface="Myanmar Text"/>
+        <a:font script="Nkoo" typeface="Ebrima"/>
+        <a:font script="Olck" typeface="Nirmala UI"/>
+        <a:font script="Osma" typeface="Ebrima"/>
+        <a:font script="Phag" typeface="Phagspa"/>
+        <a:font script="Syrn" typeface="Estrangelo Edessa"/>
+        <a:font script="Syrj" typeface="Estrangelo Edessa"/>
+        <a:font script="Syre" typeface="Estrangelo Edessa"/>
+        <a:font script="Sora" typeface="Nirmala UI"/>
+        <a:font script="Tale" typeface="Microsoft Tai Le"/>
+        <a:font script="Talu" typeface="Microsoft New Tai Lue"/>
+        <a:font script="Tfng" typeface="Ebrima"/>
+      </a:majorFont>
+      <a:minorFont>
+        <a:latin typeface="Calibri" panose="020F0502020204030204"/>
+        <a:ea typeface=""/>
+        <a:cs typeface=""/>
+        <a:font script="Jpan" typeface="游ゴシック"/>
+        <a:font script="Hang" typeface="맑은 고딕"/>
+        <a:font script="Hans" typeface="等线"/>
+        <a:font script="Hant" typeface="新細明體"/>
+        <a:font script="Arab" typeface="Arial"/>
+        <a:font script="Hebr" typeface="Arial"/>
+        <a:font script="Thai" typeface="Cordia New"/>
+        <a:font script="Ethi" typeface="Nyala"/>
+        <a:font script="Beng" typeface="Vrinda"/>
+        <a:font script="Gujr" typeface="Shruti"/>
+        <a:font script="Khmr" typeface="DaunPenh"/>
+        <a:font script="Knda" typeface="Tunga"/>
+        <a:font script="Guru" typeface="Raavi"/>
+        <a:font script="Cans" typeface="Euphemia"/>
+        <a:font script="Cher" typeface="Plantagenet Cherokee"/>
+        <a:font script="Yiii" typeface="Microsoft Yi Baiti"/>
+        <a:font script="Tibt" typeface="Microsoft Himalaya"/>
+        <a:font script="Thaa" typeface="MV Boli"/>
+        <a:font script="Deva" typeface="Mangal"/>
+        <a:font script="Telu" typeface="Gautami"/>
+        <a:font script="Taml" typeface="Latha"/>
+        <a:font script="Syrc" typeface="Estrangelo Edessa"/>
+        <a:font script="Orya" typeface="Kalinga"/>
+        <a:font script="Mlym" typeface="Kartika"/>
+        <a:font script="Laoo" typeface="DokChampa"/>
+        <a:font script="Sinh" typeface="Iskoola Pota"/>
+        <a:font script="Mong" typeface="Mongolian Baiti"/>
+        <a:font script="Viet" typeface="Arial"/>
+        <a:font script="Uigh" typeface="Microsoft Uighur"/>
+        <a:font script="Geor" typeface="Sylfaen"/>
+        <a:font script="Armn" typeface="Arial"/>
+        <a:font script="Bugi" typeface="Leelawadee UI"/>
+        <a:font script="Bopo" typeface="Microsoft JhengHei"/>
+        <a:font script="Java" typeface="Javanese Text"/>
+        <a:font script="Lisu" typeface="Segoe UI"/>
+        <a:font script="Mymr" typeface="Myanmar Text"/>
+        <a:font script="Nkoo" typeface="Ebrima"/>
+        <a:font script="Olck" typeface="Nirmala UI"/>
+        <a:font script="Osma" typeface="Ebrima"/>
+        <a:font script="Phag" typeface="Phagspa"/>
+        <a:font script="Syrn" typeface="Estrangelo Edessa"/>
+        <a:font script="Syrj" typeface="Estrangelo Edessa"/>
+        <a:font script="Syre" typeface="Estrangelo Edessa"/>
+        <a:font script="Sora" typeface="Nirmala UI"/>
+        <a:font script="Tale" typeface="Microsoft Tai Le"/>
+        <a:font script="Talu" typeface="Microsoft New Tai Lue"/>
+        <a:font script="Tfng" typeface="Ebrima"/>
+      </a:minorFont>
+    </a:fontScheme>
+    <a:fmtScheme name="Office">
+      <a:fillStyleLst>
+        <a:solidFill>
+          <a:schemeClr val="phClr"/>
+        </a:solidFill>
+        <a:gradFill rotWithShape="1">
+          <a:gsLst>
+            <a:gs pos="0">
+              <a:schemeClr val="phClr">
+                <a:lumMod val="110000"/>
+                <a:satMod val="105000"/>
+                <a:tint val="67000"/>
+              </a:schemeClr>
+            </a:gs>
+            <a:gs pos="50000">
+              <a:schemeClr val="phClr">
+                <a:lumMod val="105000"/>
+                <a:satMod val="103000"/>
+                <a:tint val="73000"/>
+              </a:schemeClr>
+            </a:gs>
+            <a:gs pos="100000">
+              <a:schemeClr val="phClr">
+                <a:lumMod val="105000"/>
+                <a:satMod val="109000"/>
+                <a:tint val="81000"/>
+              </a:schemeClr>
+            </a:gs>
+          </a:gsLst>
+          <a:lin ang="5400000" scaled="0"/>
+        </a:gradFill>
+        <a:gradFill rotWithShape="1">
+          <a:gsLst>
+            <a:gs pos="0">
+              <a:schemeClr val="phClr">
+                <a:satMod val="103000"/>
+                <a:lumMod val="102000"/>
+                <a:tint val="94000"/>
+              </a:schemeClr>
+            </a:gs>
+            <a:gs pos="50000">
+              <a:schemeClr val="phClr">
+                <a:satMod val="110000"/>
+                <a:lumMod val="100000"/>
+                <a:shade val="100000"/>
+              </a:schemeClr>
+            </a:gs>
+            <a:gs pos="100000">
+              <a:schemeClr val="phClr">
+                <a:lumMod val="99000"/>
+                <a:satMod val="120000"/>
+                <a:shade val="78000"/>
+              </a:schemeClr>
+            </a:gs>
+          </a:gsLst>
+          <a:lin ang="5400000" scaled="0"/>
+        </a:gradFill>
+      </a:fillStyleLst>
+      <a:lnStyleLst>
+        <a:ln w="6350" cap="flat" cmpd="sng" algn="ctr">
+          <a:solidFill>
+            <a:schemeClr val="phClr"/>
+          </a:solidFill>
+          <a:prstDash val="solid"/>
+          <a:miter lim="800000"/>
+        </a:ln>
+        <a:ln w="12700" cap="flat" cmpd="sng" algn="ctr">
+          <a:solidFill>
+            <a:schemeClr val="phClr"/>
+          </a:solidFill>
+          <a:prstDash val="solid"/>
+          <a:miter lim="800000"/>
+        </a:ln>
+        <a:ln w="19050" cap="flat" cmpd="sng" algn="ctr">
+          <a:solidFill>
+            <a:schemeClr val="phClr"/>
+          </a:solidFill>
+          <a:prstDash val="solid"/>
+          <a:miter lim="800000"/>
+        </a:ln>
+      </a:lnStyleLst>
+      <a:effectStyleLst>
+        <a:effectStyle>
+          <a:effectLst/>
+        </a:effectStyle>
+        <a:effectStyle>
+          <a:effectLst/>
+        </a:effectStyle>
+        <a:effectStyle>
+          <a:effectLst>
+            <a:outerShdw blurRad="57150" dist="19050" dir="5400000" algn="ctr" rotWithShape="0">
+              <a:srgbClr val="000000">
+                <a:alpha val="63000"/>
+              </a:srgbClr>
+            </a:outerShdw>
+          </a:effectLst>
+        </a:effectStyle>
+      </a:effectStyleLst>
+      <a:bgFillStyleLst>
+        <a:solidFill>
+          <a:schemeClr val="phClr"/>
+        </a:solidFill>
+        <a:solidFill>
+          <a:schemeClr val="phClr">
+            <a:tint val="95000"/>
+            <a:satMod val="170000"/>
+          </a:schemeClr>
+        </a:solidFill>
+        <a:gradFill rotWithShape="1">
+          <a:gsLst>
+            <a:gs pos="0">
+              <a:schemeClr val="phClr">
+                <a:tint val="93000"/>
+                <a:satMod val="150000"/>
+                <a:shade val="98000"/>
+                <a:lumMod val="102000"/>
+              </a:schemeClr>
+            </a:gs>
+            <a:gs pos="50000">
+              <a:schemeClr val="phClr">
+                <a:tint val="98000"/>
+                <a:satMod val="130000"/>
+                <a:shade val="90000"/>
+                <a:lumMod val="103000"/>
+              </a:schemeClr>
+            </a:gs>
+            <a:gs pos="100000">
+              <a:schemeClr val="phClr">
+                <a:shade val="63000"/>
+                <a:satMod val="120000"/>
+              </a:schemeClr>
+            </a:gs>
+          </a:gsLst>
+          <a:lin ang="5400000" scaled="0"/>
+        </a:gradFill>
+      </a:bgFillStyleLst>
+    </a:fmtScheme>
+  </a:themeElements>
+  <a:objectDefaults/>
+  <a:extraClrSchemeLst/>
+  <a:extLst>
+    <a:ext uri="{05A4C25C-085E-4340-85A3-A5531E510DB2}">
+      <thm15:themeFamily xmlns:thm15="http://schemas.microsoft.com/office/thememl/2012/main" name="Office Theme" id="{62F939B6-93AF-4DB8-9C6B-D6C7DFDC589F}" vid="{4A3C46E8-61CC-4603-A589-7422A47A8E4A}"/>
+    </a:ext>
+  </a:extLst>
+</a:theme>
 </file>
--- a/Documentação/Documentação_Teorica/DiagramaSoftware-Macro V1.pptx
+++ b/Documentação/Documentação_Teorica/DiagramaSoftware-Macro V1.pptx
@@ -200,7 +200,7 @@
           <a:p>
             <a:fld id="{F28D71C4-EC73-407F-89EA-5BF155CF6825}" type="datetimeFigureOut">
               <a:rPr lang="pt-BR" smtClean="0"/>
-              <a:t>09/04/2021</a:t>
+              <a:t>13/04/2021</a:t>
             </a:fld>
             <a:endParaRPr lang="pt-BR"/>
           </a:p>
@@ -784,7 +784,7 @@
           <a:p>
             <a:fld id="{2366D275-DC3E-472D-8530-21908099632B}" type="datetimeFigureOut">
               <a:rPr lang="pt-BR" smtClean="0"/>
-              <a:t>09/04/2021</a:t>
+              <a:t>13/04/2021</a:t>
             </a:fld>
             <a:endParaRPr lang="pt-BR"/>
           </a:p>
@@ -982,7 +982,7 @@
           <a:p>
             <a:fld id="{2366D275-DC3E-472D-8530-21908099632B}" type="datetimeFigureOut">
               <a:rPr lang="pt-BR" smtClean="0"/>
-              <a:t>09/04/2021</a:t>
+              <a:t>13/04/2021</a:t>
             </a:fld>
             <a:endParaRPr lang="pt-BR"/>
           </a:p>
@@ -1190,7 +1190,7 @@
           <a:p>
             <a:fld id="{2366D275-DC3E-472D-8530-21908099632B}" type="datetimeFigureOut">
               <a:rPr lang="pt-BR" smtClean="0"/>
-              <a:t>09/04/2021</a:t>
+              <a:t>13/04/2021</a:t>
             </a:fld>
             <a:endParaRPr lang="pt-BR"/>
           </a:p>
@@ -2388,7 +2388,7 @@
           <a:p>
             <a:fld id="{2366D275-DC3E-472D-8530-21908099632B}" type="datetimeFigureOut">
               <a:rPr lang="pt-BR" smtClean="0"/>
-              <a:t>09/04/2021</a:t>
+              <a:t>13/04/2021</a:t>
             </a:fld>
             <a:endParaRPr lang="pt-BR"/>
           </a:p>
@@ -2663,7 +2663,7 @@
           <a:p>
             <a:fld id="{2366D275-DC3E-472D-8530-21908099632B}" type="datetimeFigureOut">
               <a:rPr lang="pt-BR" smtClean="0"/>
-              <a:t>09/04/2021</a:t>
+              <a:t>13/04/2021</a:t>
             </a:fld>
             <a:endParaRPr lang="pt-BR"/>
           </a:p>
@@ -2928,7 +2928,7 @@
           <a:p>
             <a:fld id="{2366D275-DC3E-472D-8530-21908099632B}" type="datetimeFigureOut">
               <a:rPr lang="pt-BR" smtClean="0"/>
-              <a:t>09/04/2021</a:t>
+              <a:t>13/04/2021</a:t>
             </a:fld>
             <a:endParaRPr lang="pt-BR"/>
           </a:p>
@@ -3340,7 +3340,7 @@
           <a:p>
             <a:fld id="{2366D275-DC3E-472D-8530-21908099632B}" type="datetimeFigureOut">
               <a:rPr lang="pt-BR" smtClean="0"/>
-              <a:t>09/04/2021</a:t>
+              <a:t>13/04/2021</a:t>
             </a:fld>
             <a:endParaRPr lang="pt-BR"/>
           </a:p>
@@ -3481,7 +3481,7 @@
           <a:p>
             <a:fld id="{2366D275-DC3E-472D-8530-21908099632B}" type="datetimeFigureOut">
               <a:rPr lang="pt-BR" smtClean="0"/>
-              <a:t>09/04/2021</a:t>
+              <a:t>13/04/2021</a:t>
             </a:fld>
             <a:endParaRPr lang="pt-BR"/>
           </a:p>
@@ -3594,7 +3594,7 @@
           <a:p>
             <a:fld id="{2366D275-DC3E-472D-8530-21908099632B}" type="datetimeFigureOut">
               <a:rPr lang="pt-BR" smtClean="0"/>
-              <a:t>09/04/2021</a:t>
+              <a:t>13/04/2021</a:t>
             </a:fld>
             <a:endParaRPr lang="pt-BR"/>
           </a:p>
@@ -3905,7 +3905,7 @@
           <a:p>
             <a:fld id="{2366D275-DC3E-472D-8530-21908099632B}" type="datetimeFigureOut">
               <a:rPr lang="pt-BR" smtClean="0"/>
-              <a:t>09/04/2021</a:t>
+              <a:t>13/04/2021</a:t>
             </a:fld>
             <a:endParaRPr lang="pt-BR"/>
           </a:p>
@@ -4193,7 +4193,7 @@
           <a:p>
             <a:fld id="{2366D275-DC3E-472D-8530-21908099632B}" type="datetimeFigureOut">
               <a:rPr lang="pt-BR" smtClean="0"/>
-              <a:t>09/04/2021</a:t>
+              <a:t>13/04/2021</a:t>
             </a:fld>
             <a:endParaRPr lang="pt-BR"/>
           </a:p>
@@ -4434,7 +4434,7 @@
           <a:p>
             <a:fld id="{2366D275-DC3E-472D-8530-21908099632B}" type="datetimeFigureOut">
               <a:rPr lang="pt-BR" smtClean="0"/>
-              <a:t>09/04/2021</a:t>
+              <a:t>13/04/2021</a:t>
             </a:fld>
             <a:endParaRPr lang="pt-BR"/>
           </a:p>
@@ -5248,6 +5248,7 @@
                 <a:lumMod val="25000"/>
               </a:schemeClr>
             </a:solidFill>
+            <a:prstDash val="dash"/>
             <a:tailEnd type="triangle"/>
           </a:ln>
         </p:spPr>
@@ -5292,6 +5293,7 @@
             <a:solidFill>
               <a:schemeClr val="tx2"/>
             </a:solidFill>
+            <a:prstDash val="dash"/>
             <a:tailEnd type="triangle"/>
           </a:ln>
         </p:spPr>
@@ -5338,6 +5340,7 @@
                 <a:lumMod val="25000"/>
               </a:schemeClr>
             </a:solidFill>
+            <a:prstDash val="dash"/>
             <a:tailEnd type="triangle"/>
           </a:ln>
         </p:spPr>
@@ -5385,6 +5388,7 @@
                 <a:lumMod val="25000"/>
               </a:schemeClr>
             </a:solidFill>
+            <a:prstDash val="dash"/>
             <a:tailEnd type="triangle"/>
           </a:ln>
         </p:spPr>
@@ -5431,6 +5435,7 @@
                 <a:lumMod val="25000"/>
               </a:schemeClr>
             </a:solidFill>
+            <a:prstDash val="dash"/>
             <a:tailEnd type="triangle"/>
           </a:ln>
         </p:spPr>

--- a/Documentação/Documentação_Teorica/DiagramaSoftware-Macro V1.pptx
+++ b/Documentação/Documentação_Teorica/DiagramaSoftware-Macro V1.pptx
@@ -200,7 +200,7 @@
           <a:p>
             <a:fld id="{F28D71C4-EC73-407F-89EA-5BF155CF6825}" type="datetimeFigureOut">
               <a:rPr lang="pt-BR" smtClean="0"/>
-              <a:t>13/04/2021</a:t>
+              <a:t>21/04/2021</a:t>
             </a:fld>
             <a:endParaRPr lang="pt-BR"/>
           </a:p>
@@ -784,7 +784,7 @@
           <a:p>
             <a:fld id="{2366D275-DC3E-472D-8530-21908099632B}" type="datetimeFigureOut">
               <a:rPr lang="pt-BR" smtClean="0"/>
-              <a:t>13/04/2021</a:t>
+              <a:t>21/04/2021</a:t>
             </a:fld>
             <a:endParaRPr lang="pt-BR"/>
           </a:p>
@@ -982,7 +982,7 @@
           <a:p>
             <a:fld id="{2366D275-DC3E-472D-8530-21908099632B}" type="datetimeFigureOut">
               <a:rPr lang="pt-BR" smtClean="0"/>
-              <a:t>13/04/2021</a:t>
+              <a:t>21/04/2021</a:t>
             </a:fld>
             <a:endParaRPr lang="pt-BR"/>
           </a:p>
@@ -1190,7 +1190,7 @@
           <a:p>
             <a:fld id="{2366D275-DC3E-472D-8530-21908099632B}" type="datetimeFigureOut">
               <a:rPr lang="pt-BR" smtClean="0"/>
-              <a:t>13/04/2021</a:t>
+              <a:t>21/04/2021</a:t>
             </a:fld>
             <a:endParaRPr lang="pt-BR"/>
           </a:p>
@@ -2388,7 +2388,7 @@
           <a:p>
             <a:fld id="{2366D275-DC3E-472D-8530-21908099632B}" type="datetimeFigureOut">
               <a:rPr lang="pt-BR" smtClean="0"/>
-              <a:t>13/04/2021</a:t>
+              <a:t>21/04/2021</a:t>
             </a:fld>
             <a:endParaRPr lang="pt-BR"/>
           </a:p>
@@ -2663,7 +2663,7 @@
           <a:p>
             <a:fld id="{2366D275-DC3E-472D-8530-21908099632B}" type="datetimeFigureOut">
               <a:rPr lang="pt-BR" smtClean="0"/>
-              <a:t>13/04/2021</a:t>
+              <a:t>21/04/2021</a:t>
             </a:fld>
             <a:endParaRPr lang="pt-BR"/>
           </a:p>
@@ -2928,7 +2928,7 @@
           <a:p>
             <a:fld id="{2366D275-DC3E-472D-8530-21908099632B}" type="datetimeFigureOut">
               <a:rPr lang="pt-BR" smtClean="0"/>
-              <a:t>13/04/2021</a:t>
+              <a:t>21/04/2021</a:t>
             </a:fld>
             <a:endParaRPr lang="pt-BR"/>
           </a:p>
@@ -3340,7 +3340,7 @@
           <a:p>
             <a:fld id="{2366D275-DC3E-472D-8530-21908099632B}" type="datetimeFigureOut">
               <a:rPr lang="pt-BR" smtClean="0"/>
-              <a:t>13/04/2021</a:t>
+              <a:t>21/04/2021</a:t>
             </a:fld>
             <a:endParaRPr lang="pt-BR"/>
           </a:p>
@@ -3481,7 +3481,7 @@
           <a:p>
             <a:fld id="{2366D275-DC3E-472D-8530-21908099632B}" type="datetimeFigureOut">
               <a:rPr lang="pt-BR" smtClean="0"/>
-              <a:t>13/04/2021</a:t>
+              <a:t>21/04/2021</a:t>
             </a:fld>
             <a:endParaRPr lang="pt-BR"/>
           </a:p>
@@ -3594,7 +3594,7 @@
           <a:p>
             <a:fld id="{2366D275-DC3E-472D-8530-21908099632B}" type="datetimeFigureOut">
               <a:rPr lang="pt-BR" smtClean="0"/>
-              <a:t>13/04/2021</a:t>
+              <a:t>21/04/2021</a:t>
             </a:fld>
             <a:endParaRPr lang="pt-BR"/>
           </a:p>
@@ -3905,7 +3905,7 @@
           <a:p>
             <a:fld id="{2366D275-DC3E-472D-8530-21908099632B}" type="datetimeFigureOut">
               <a:rPr lang="pt-BR" smtClean="0"/>
-              <a:t>13/04/2021</a:t>
+              <a:t>21/04/2021</a:t>
             </a:fld>
             <a:endParaRPr lang="pt-BR"/>
           </a:p>
@@ -4193,7 +4193,7 @@
           <a:p>
             <a:fld id="{2366D275-DC3E-472D-8530-21908099632B}" type="datetimeFigureOut">
               <a:rPr lang="pt-BR" smtClean="0"/>
-              <a:t>13/04/2021</a:t>
+              <a:t>21/04/2021</a:t>
             </a:fld>
             <a:endParaRPr lang="pt-BR"/>
           </a:p>
@@ -4434,7 +4434,7 @@
           <a:p>
             <a:fld id="{2366D275-DC3E-472D-8530-21908099632B}" type="datetimeFigureOut">
               <a:rPr lang="pt-BR" smtClean="0"/>
-              <a:t>13/04/2021</a:t>
+              <a:t>21/04/2021</a:t>
             </a:fld>
             <a:endParaRPr lang="pt-BR"/>
           </a:p>
@@ -4962,11 +4962,6 @@
               </a:pPr>
               <a:r>
                 <a:rPr lang="pt-BR" b="1" dirty="0">
-                  <a:solidFill>
-                    <a:schemeClr val="bg2">
-                      <a:lumMod val="25000"/>
-                    </a:schemeClr>
-                  </a:solidFill>
                   <a:latin typeface="Arial" panose="020B0604020202020204" pitchFamily="34" charset="0"/>
                   <a:cs typeface="Arial" panose="020B0604020202020204" pitchFamily="34" charset="0"/>
                 </a:rPr>
@@ -4979,11 +4974,6 @@
               </a:pPr>
               <a:r>
                 <a:rPr lang="pt-BR" b="1" dirty="0">
-                  <a:solidFill>
-                    <a:schemeClr val="bg2">
-                      <a:lumMod val="25000"/>
-                    </a:schemeClr>
-                  </a:solidFill>
                   <a:latin typeface="Arial" panose="020B0604020202020204" pitchFamily="34" charset="0"/>
                   <a:cs typeface="Arial" panose="020B0604020202020204" pitchFamily="34" charset="0"/>
                 </a:rPr>
@@ -4995,11 +4985,6 @@
                 <a:defRPr/>
               </a:pPr>
               <a:endParaRPr lang="pt-BR" b="1" dirty="0">
-                <a:solidFill>
-                  <a:schemeClr val="bg2">
-                    <a:lumMod val="25000"/>
-                  </a:schemeClr>
-                </a:solidFill>
                 <a:latin typeface="Arial" panose="020B0604020202020204" pitchFamily="34" charset="0"/>
                 <a:cs typeface="Arial" panose="020B0604020202020204" pitchFamily="34" charset="0"/>
               </a:endParaRPr>
@@ -5009,11 +4994,6 @@
                 <a:defRPr/>
               </a:pPr>
               <a:endParaRPr lang="pt-BR" b="1" dirty="0">
-                <a:solidFill>
-                  <a:schemeClr val="bg2">
-                    <a:lumMod val="25000"/>
-                  </a:schemeClr>
-                </a:solidFill>
                 <a:latin typeface="Arial" panose="020B0604020202020204" pitchFamily="34" charset="0"/>
                 <a:cs typeface="Arial" panose="020B0604020202020204" pitchFamily="34" charset="0"/>
               </a:endParaRPr>
@@ -5024,11 +5004,6 @@
               </a:pPr>
               <a:r>
                 <a:rPr lang="pt-BR" sz="1600" b="1" dirty="0">
-                  <a:solidFill>
-                    <a:schemeClr val="bg2">
-                      <a:lumMod val="25000"/>
-                    </a:schemeClr>
-                  </a:solidFill>
                   <a:latin typeface="Arial" panose="020B0604020202020204" pitchFamily="34" charset="0"/>
                   <a:cs typeface="Arial" panose="020B0604020202020204" pitchFamily="34" charset="0"/>
                 </a:rPr>
@@ -5150,28 +5125,15 @@
               </a:pPr>
               <a:r>
                 <a:rPr lang="pt-BR" sz="1600" b="1" dirty="0" err="1">
-                  <a:solidFill>
-                    <a:schemeClr val="bg2">
-                      <a:lumMod val="25000"/>
-                    </a:schemeClr>
-                  </a:solidFill>
                   <a:latin typeface="Arial" panose="020B0604020202020204" pitchFamily="34" charset="0"/>
                   <a:cs typeface="Arial" panose="020B0604020202020204" pitchFamily="34" charset="0"/>
                 </a:rPr>
                 <a:t>Database</a:t>
               </a:r>
-              <a:r>
-                <a:rPr lang="pt-BR" sz="1600" b="1" dirty="0">
-                  <a:solidFill>
-                    <a:schemeClr val="bg2">
-                      <a:lumMod val="25000"/>
-                    </a:schemeClr>
-                  </a:solidFill>
-                  <a:latin typeface="Arial" panose="020B0604020202020204" pitchFamily="34" charset="0"/>
-                  <a:cs typeface="Arial" panose="020B0604020202020204" pitchFamily="34" charset="0"/>
-                </a:rPr>
-                <a:t>-</a:t>
-              </a:r>
+              <a:endParaRPr lang="pt-BR" sz="1600" b="1" dirty="0">
+                <a:latin typeface="Arial" panose="020B0604020202020204" pitchFamily="34" charset="0"/>
+                <a:cs typeface="Arial" panose="020B0604020202020204" pitchFamily="34" charset="0"/>
+              </a:endParaRPr>
             </a:p>
             <a:p>
               <a:pPr algn="ctr">
@@ -5179,11 +5141,6 @@
               </a:pPr>
               <a:r>
                 <a:rPr lang="pt-BR" sz="1600" b="1" dirty="0">
-                  <a:solidFill>
-                    <a:schemeClr val="bg2">
-                      <a:lumMod val="25000"/>
-                    </a:schemeClr>
-                  </a:solidFill>
                   <a:latin typeface="Arial" panose="020B0604020202020204" pitchFamily="34" charset="0"/>
                   <a:cs typeface="Arial" panose="020B0604020202020204" pitchFamily="34" charset="0"/>
                 </a:rPr>
@@ -5196,22 +5153,12 @@
               </a:pPr>
               <a:r>
                 <a:rPr lang="pt-BR" sz="1600" b="1" dirty="0">
-                  <a:solidFill>
-                    <a:schemeClr val="bg2">
-                      <a:lumMod val="25000"/>
-                    </a:schemeClr>
-                  </a:solidFill>
                   <a:latin typeface="Arial" panose="020B0604020202020204" pitchFamily="34" charset="0"/>
                   <a:cs typeface="Arial" panose="020B0604020202020204" pitchFamily="34" charset="0"/>
                 </a:rPr>
                 <a:t>Base de dados do nosso sistema</a:t>
               </a:r>
               <a:endParaRPr lang="pt-BR" b="1" dirty="0">
-                <a:solidFill>
-                  <a:schemeClr val="bg2">
-                    <a:lumMod val="25000"/>
-                  </a:schemeClr>
-                </a:solidFill>
                 <a:latin typeface="Arial" panose="020B0604020202020204" pitchFamily="34" charset="0"/>
                 <a:cs typeface="Arial" panose="020B0604020202020204" pitchFamily="34" charset="0"/>
               </a:endParaRPr>
@@ -5292,53 +5239,6 @@
           <a:ln>
             <a:solidFill>
               <a:schemeClr val="tx2"/>
-            </a:solidFill>
-            <a:prstDash val="dash"/>
-            <a:tailEnd type="triangle"/>
-          </a:ln>
-        </p:spPr>
-        <p:style>
-          <a:lnRef idx="1">
-            <a:schemeClr val="accent1"/>
-          </a:lnRef>
-          <a:fillRef idx="0">
-            <a:schemeClr val="accent1"/>
-          </a:fillRef>
-          <a:effectRef idx="0">
-            <a:schemeClr val="accent1"/>
-          </a:effectRef>
-          <a:fontRef idx="minor">
-            <a:schemeClr val="tx1"/>
-          </a:fontRef>
-        </p:style>
-      </p:cxnSp>
-      <p:cxnSp>
-        <p:nvCxnSpPr>
-          <p:cNvPr id="55" name="Conector de Seta Reta 54">
-            <a:extLst>
-              <a:ext uri="{FF2B5EF4-FFF2-40B4-BE49-F238E27FC236}">
-                <a16:creationId xmlns:a16="http://schemas.microsoft.com/office/drawing/2014/main" id="{DAE10DD1-8D2C-45DF-B83B-56C68CEA7A07}"/>
-              </a:ext>
-            </a:extLst>
-          </p:cNvPr>
-          <p:cNvCxnSpPr>
-            <a:cxnSpLocks/>
-          </p:cNvCxnSpPr>
-          <p:nvPr/>
-        </p:nvCxnSpPr>
-        <p:spPr>
-          <a:xfrm flipH="1" flipV="1">
-            <a:off x="6707151" y="2603888"/>
-            <a:ext cx="2106847" cy="1406324"/>
-          </a:xfrm>
-          <a:prstGeom prst="straightConnector1">
-            <a:avLst/>
-          </a:prstGeom>
-          <a:ln>
-            <a:solidFill>
-              <a:schemeClr val="bg2">
-                <a:lumMod val="25000"/>
-              </a:schemeClr>
             </a:solidFill>
             <a:prstDash val="dash"/>
             <a:tailEnd type="triangle"/>
@@ -5551,11 +5451,6 @@
               </a:pPr>
               <a:r>
                 <a:rPr lang="pt-BR" b="1" dirty="0">
-                  <a:solidFill>
-                    <a:schemeClr val="bg2">
-                      <a:lumMod val="25000"/>
-                    </a:schemeClr>
-                  </a:solidFill>
                   <a:latin typeface="Arial" panose="020B0604020202020204" pitchFamily="34" charset="0"/>
                   <a:cs typeface="Arial" panose="020B0604020202020204" pitchFamily="34" charset="0"/>
                 </a:rPr>
@@ -5563,11 +5458,6 @@
               </a:r>
               <a:r>
                 <a:rPr lang="pt-BR" b="1" dirty="0" err="1">
-                  <a:solidFill>
-                    <a:schemeClr val="bg2">
-                      <a:lumMod val="25000"/>
-                    </a:schemeClr>
-                  </a:solidFill>
                   <a:latin typeface="Arial" panose="020B0604020202020204" pitchFamily="34" charset="0"/>
                   <a:cs typeface="Arial" panose="020B0604020202020204" pitchFamily="34" charset="0"/>
                 </a:rPr>
@@ -5575,11 +5465,6 @@
               </a:r>
               <a:r>
                 <a:rPr lang="pt-BR" b="1" dirty="0">
-                  <a:solidFill>
-                    <a:schemeClr val="bg2">
-                      <a:lumMod val="25000"/>
-                    </a:schemeClr>
-                  </a:solidFill>
                   <a:latin typeface="Arial" panose="020B0604020202020204" pitchFamily="34" charset="0"/>
                   <a:cs typeface="Arial" panose="020B0604020202020204" pitchFamily="34" charset="0"/>
                 </a:rPr>
@@ -5587,22 +5472,12 @@
               </a:r>
               <a:r>
                 <a:rPr lang="pt-BR" b="1" dirty="0" err="1">
-                  <a:solidFill>
-                    <a:schemeClr val="bg2">
-                      <a:lumMod val="25000"/>
-                    </a:schemeClr>
-                  </a:solidFill>
                   <a:latin typeface="Arial" panose="020B0604020202020204" pitchFamily="34" charset="0"/>
                   <a:cs typeface="Arial" panose="020B0604020202020204" pitchFamily="34" charset="0"/>
                 </a:rPr>
                 <a:t>Application</a:t>
               </a:r>
               <a:endParaRPr lang="pt-BR" b="1" dirty="0">
-                <a:solidFill>
-                  <a:schemeClr val="bg2">
-                    <a:lumMod val="25000"/>
-                  </a:schemeClr>
-                </a:solidFill>
                 <a:latin typeface="Arial" panose="020B0604020202020204" pitchFamily="34" charset="0"/>
                 <a:cs typeface="Arial" panose="020B0604020202020204" pitchFamily="34" charset="0"/>
               </a:endParaRPr>
@@ -5613,11 +5488,6 @@
               </a:pPr>
               <a:r>
                 <a:rPr lang="pt-BR" b="1" dirty="0">
-                  <a:solidFill>
-                    <a:schemeClr val="bg2">
-                      <a:lumMod val="25000"/>
-                    </a:schemeClr>
-                  </a:solidFill>
                   <a:latin typeface="Arial" panose="020B0604020202020204" pitchFamily="34" charset="0"/>
                   <a:cs typeface="Arial" panose="020B0604020202020204" pitchFamily="34" charset="0"/>
                 </a:rPr>
@@ -5629,11 +5499,6 @@
                 <a:defRPr/>
               </a:pPr>
               <a:endParaRPr lang="pt-BR" b="1" dirty="0">
-                <a:solidFill>
-                  <a:schemeClr val="bg2">
-                    <a:lumMod val="25000"/>
-                  </a:schemeClr>
-                </a:solidFill>
                 <a:latin typeface="Arial" panose="020B0604020202020204" pitchFamily="34" charset="0"/>
                 <a:cs typeface="Arial" panose="020B0604020202020204" pitchFamily="34" charset="0"/>
               </a:endParaRPr>
@@ -5643,11 +5508,6 @@
                 <a:defRPr/>
               </a:pPr>
               <a:endParaRPr lang="pt-BR" b="1" dirty="0">
-                <a:solidFill>
-                  <a:schemeClr val="bg2">
-                    <a:lumMod val="25000"/>
-                  </a:schemeClr>
-                </a:solidFill>
                 <a:latin typeface="Arial" panose="020B0604020202020204" pitchFamily="34" charset="0"/>
                 <a:cs typeface="Arial" panose="020B0604020202020204" pitchFamily="34" charset="0"/>
               </a:endParaRPr>
@@ -5658,11 +5518,6 @@
               </a:pPr>
               <a:r>
                 <a:rPr lang="pt-BR" sz="1800" b="1" dirty="0">
-                  <a:solidFill>
-                    <a:schemeClr val="bg2">
-                      <a:lumMod val="25000"/>
-                    </a:schemeClr>
-                  </a:solidFill>
                   <a:latin typeface="Arial" panose="020B0604020202020204" pitchFamily="34" charset="0"/>
                   <a:cs typeface="Arial" panose="020B0604020202020204" pitchFamily="34" charset="0"/>
                 </a:rPr>
@@ -5780,11 +5635,6 @@
               <a:pPr algn="ctr"/>
               <a:r>
                 <a:rPr lang="pt-BR" b="1" dirty="0" err="1">
-                  <a:solidFill>
-                    <a:schemeClr val="bg2">
-                      <a:lumMod val="25000"/>
-                    </a:schemeClr>
-                  </a:solidFill>
                   <a:latin typeface="Arial" panose="020B0604020202020204" pitchFamily="34" charset="0"/>
                   <a:cs typeface="Arial" panose="020B0604020202020204" pitchFamily="34" charset="0"/>
                 </a:rPr>
@@ -5792,11 +5642,6 @@
               </a:r>
               <a:r>
                 <a:rPr lang="pt-BR" b="1" dirty="0">
-                  <a:solidFill>
-                    <a:schemeClr val="bg2">
-                      <a:lumMod val="25000"/>
-                    </a:schemeClr>
-                  </a:solidFill>
                   <a:latin typeface="Arial" panose="020B0604020202020204" pitchFamily="34" charset="0"/>
                   <a:cs typeface="Arial" panose="020B0604020202020204" pitchFamily="34" charset="0"/>
                 </a:rPr>
@@ -5807,11 +5652,6 @@
               <a:pPr algn="ctr"/>
               <a:r>
                 <a:rPr lang="pt-BR" b="1" dirty="0">
-                  <a:solidFill>
-                    <a:schemeClr val="bg2">
-                      <a:lumMod val="25000"/>
-                    </a:schemeClr>
-                  </a:solidFill>
                   <a:latin typeface="Arial" panose="020B0604020202020204" pitchFamily="34" charset="0"/>
                   <a:cs typeface="Arial" panose="020B0604020202020204" pitchFamily="34" charset="0"/>
                 </a:rPr>
@@ -5819,11 +5659,6 @@
               </a:r>
               <a:r>
                 <a:rPr lang="pt-BR" b="1" dirty="0" err="1">
-                  <a:solidFill>
-                    <a:schemeClr val="bg2">
-                      <a:lumMod val="25000"/>
-                    </a:schemeClr>
-                  </a:solidFill>
                   <a:latin typeface="Arial" panose="020B0604020202020204" pitchFamily="34" charset="0"/>
                   <a:cs typeface="Arial" panose="020B0604020202020204" pitchFamily="34" charset="0"/>
                 </a:rPr>
@@ -5831,11 +5666,6 @@
               </a:r>
               <a:r>
                 <a:rPr lang="pt-BR" b="1" dirty="0">
-                  <a:solidFill>
-                    <a:schemeClr val="bg2">
-                      <a:lumMod val="25000"/>
-                    </a:schemeClr>
-                  </a:solidFill>
                   <a:latin typeface="Arial" panose="020B0604020202020204" pitchFamily="34" charset="0"/>
                   <a:cs typeface="Arial" panose="020B0604020202020204" pitchFamily="34" charset="0"/>
                 </a:rPr>
@@ -5846,11 +5676,6 @@
               <a:pPr algn="ctr"/>
               <a:r>
                 <a:rPr lang="pt-BR" b="1" dirty="0">
-                  <a:solidFill>
-                    <a:schemeClr val="bg2">
-                      <a:lumMod val="25000"/>
-                    </a:schemeClr>
-                  </a:solidFill>
                   <a:latin typeface="Arial" panose="020B0604020202020204" pitchFamily="34" charset="0"/>
                   <a:cs typeface="Arial" panose="020B0604020202020204" pitchFamily="34" charset="0"/>
                 </a:rPr>
@@ -5970,11 +5795,6 @@
               </a:pPr>
               <a:r>
                 <a:rPr lang="pt-BR" b="1" dirty="0">
-                  <a:solidFill>
-                    <a:schemeClr val="bg2">
-                      <a:lumMod val="25000"/>
-                    </a:schemeClr>
-                  </a:solidFill>
                   <a:latin typeface="Arial" panose="020B0604020202020204" pitchFamily="34" charset="0"/>
                   <a:cs typeface="Arial" panose="020B0604020202020204" pitchFamily="34" charset="0"/>
                 </a:rPr>
@@ -5982,11 +5802,6 @@
               </a:r>
               <a:r>
                 <a:rPr lang="pt-BR" b="1" dirty="0" err="1">
-                  <a:solidFill>
-                    <a:schemeClr val="bg2">
-                      <a:lumMod val="25000"/>
-                    </a:schemeClr>
-                  </a:solidFill>
                   <a:latin typeface="Arial" panose="020B0604020202020204" pitchFamily="34" charset="0"/>
                   <a:cs typeface="Arial" panose="020B0604020202020204" pitchFamily="34" charset="0"/>
                 </a:rPr>
@@ -5994,11 +5809,6 @@
               </a:r>
               <a:r>
                 <a:rPr lang="pt-BR" b="1" dirty="0">
-                  <a:solidFill>
-                    <a:schemeClr val="bg2">
-                      <a:lumMod val="25000"/>
-                    </a:schemeClr>
-                  </a:solidFill>
                   <a:latin typeface="Arial" panose="020B0604020202020204" pitchFamily="34" charset="0"/>
                   <a:cs typeface="Arial" panose="020B0604020202020204" pitchFamily="34" charset="0"/>
                 </a:rPr>
@@ -6011,11 +5821,6 @@
               </a:pPr>
               <a:r>
                 <a:rPr lang="pt-BR" b="1" dirty="0">
-                  <a:solidFill>
-                    <a:schemeClr val="bg2">
-                      <a:lumMod val="25000"/>
-                    </a:schemeClr>
-                  </a:solidFill>
                   <a:latin typeface="Arial" panose="020B0604020202020204" pitchFamily="34" charset="0"/>
                   <a:cs typeface="Arial" panose="020B0604020202020204" pitchFamily="34" charset="0"/>
                 </a:rPr>
@@ -6027,11 +5832,6 @@
                 <a:defRPr/>
               </a:pPr>
               <a:endParaRPr lang="pt-BR" b="1" dirty="0">
-                <a:solidFill>
-                  <a:schemeClr val="bg2">
-                    <a:lumMod val="25000"/>
-                  </a:schemeClr>
-                </a:solidFill>
                 <a:latin typeface="Arial" panose="020B0604020202020204" pitchFamily="34" charset="0"/>
                 <a:cs typeface="Arial" panose="020B0604020202020204" pitchFamily="34" charset="0"/>
               </a:endParaRPr>
@@ -6041,11 +5841,6 @@
                 <a:defRPr/>
               </a:pPr>
               <a:endParaRPr lang="pt-BR" b="1" dirty="0">
-                <a:solidFill>
-                  <a:schemeClr val="bg2">
-                    <a:lumMod val="25000"/>
-                  </a:schemeClr>
-                </a:solidFill>
                 <a:latin typeface="Arial" panose="020B0604020202020204" pitchFamily="34" charset="0"/>
                 <a:cs typeface="Arial" panose="020B0604020202020204" pitchFamily="34" charset="0"/>
               </a:endParaRPr>
@@ -6056,11 +5851,6 @@
               </a:pPr>
               <a:r>
                 <a:rPr lang="pt-BR" sz="1600" b="1" dirty="0">
-                  <a:solidFill>
-                    <a:schemeClr val="bg2">
-                      <a:lumMod val="25000"/>
-                    </a:schemeClr>
-                  </a:solidFill>
                   <a:latin typeface="Arial" panose="020B0604020202020204" pitchFamily="34" charset="0"/>
                   <a:cs typeface="Arial" panose="020B0604020202020204" pitchFamily="34" charset="0"/>
                 </a:rPr>

--- a/Documentação/Documentação_Teorica/DiagramaSoftware-Macro V1.pptx
+++ b/Documentação/Documentação_Teorica/DiagramaSoftware-Macro V1.pptx
@@ -4943,8 +4943,8 @@
           </p:nvSpPr>
           <p:spPr>
             <a:xfrm>
-              <a:off x="8562517" y="1283126"/>
-              <a:ext cx="2102887" cy="1446550"/>
+              <a:off x="8418425" y="1283126"/>
+              <a:ext cx="2246980" cy="1446550"/>
             </a:xfrm>
             <a:prstGeom prst="rect">
               <a:avLst/>
@@ -4977,7 +4977,21 @@
                   <a:latin typeface="Arial" panose="020B0604020202020204" pitchFamily="34" charset="0"/>
                   <a:cs typeface="Arial" panose="020B0604020202020204" pitchFamily="34" charset="0"/>
                 </a:rPr>
-                <a:t>[Container: JS]</a:t>
+                <a:t>[Container: </a:t>
+              </a:r>
+              <a:r>
+                <a:rPr lang="pt-BR" b="1" dirty="0" err="1">
+                  <a:latin typeface="Arial" panose="020B0604020202020204" pitchFamily="34" charset="0"/>
+                  <a:cs typeface="Arial" panose="020B0604020202020204" pitchFamily="34" charset="0"/>
+                </a:rPr>
+                <a:t>React</a:t>
+              </a:r>
+              <a:r>
+                <a:rPr lang="pt-BR" b="1" dirty="0">
+                  <a:latin typeface="Arial" panose="020B0604020202020204" pitchFamily="34" charset="0"/>
+                  <a:cs typeface="Arial" panose="020B0604020202020204" pitchFamily="34" charset="0"/>
+                </a:rPr>
+                <a:t>]</a:t>
               </a:r>
             </a:p>
             <a:p>
@@ -5027,7 +5041,7 @@
         </p:nvGrpSpPr>
         <p:grpSpPr>
           <a:xfrm>
-            <a:off x="3207380" y="1044597"/>
+            <a:off x="4343260" y="953218"/>
             <a:ext cx="3505479" cy="2267885"/>
             <a:chOff x="797982" y="898546"/>
             <a:chExt cx="3505479" cy="2267885"/>
@@ -5412,10 +5426,10 @@
         </p:nvGrpSpPr>
         <p:grpSpPr>
           <a:xfrm>
-            <a:off x="4743108" y="4010212"/>
-            <a:ext cx="2756629" cy="2267885"/>
-            <a:chOff x="4089960" y="4184380"/>
-            <a:chExt cx="2756629" cy="2267885"/>
+            <a:off x="4720743" y="4010212"/>
+            <a:ext cx="2820261" cy="2267885"/>
+            <a:chOff x="4067595" y="4184380"/>
+            <a:chExt cx="2820261" cy="2267885"/>
           </a:xfrm>
         </p:grpSpPr>
         <p:sp>
@@ -5432,8 +5446,8 @@
           </p:nvSpPr>
           <p:spPr>
             <a:xfrm>
-              <a:off x="4089960" y="4428280"/>
-              <a:ext cx="2756629" cy="1754326"/>
+              <a:off x="4067595" y="4428279"/>
+              <a:ext cx="2820261" cy="1754326"/>
             </a:xfrm>
             <a:prstGeom prst="rect">
               <a:avLst/>
@@ -5491,7 +5505,21 @@
                   <a:latin typeface="Arial" panose="020B0604020202020204" pitchFamily="34" charset="0"/>
                   <a:cs typeface="Arial" panose="020B0604020202020204" pitchFamily="34" charset="0"/>
                 </a:rPr>
-                <a:t>[Container: SpringBoot</a:t>
+                <a:t>[Container: </a:t>
+              </a:r>
+              <a:r>
+                <a:rPr lang="pt-BR" b="1" dirty="0" err="1">
+                  <a:latin typeface="Arial" panose="020B0604020202020204" pitchFamily="34" charset="0"/>
+                  <a:cs typeface="Arial" panose="020B0604020202020204" pitchFamily="34" charset="0"/>
+                </a:rPr>
+                <a:t>SpringBoot</a:t>
+              </a:r>
+              <a:r>
+                <a:rPr lang="pt-BR" b="1" dirty="0">
+                  <a:latin typeface="Arial" panose="020B0604020202020204" pitchFamily="34" charset="0"/>
+                  <a:cs typeface="Arial" panose="020B0604020202020204" pitchFamily="34" charset="0"/>
+                </a:rPr>
+                <a:t>]</a:t>
               </a:r>
             </a:p>
             <a:p>
@@ -5777,7 +5805,7 @@
           <p:spPr>
             <a:xfrm>
               <a:off x="8029419" y="4443295"/>
-              <a:ext cx="2376264" cy="1723549"/>
+              <a:ext cx="2376264" cy="1446550"/>
             </a:xfrm>
             <a:prstGeom prst="rect">
               <a:avLst/>
@@ -5794,25 +5822,18 @@
                 <a:defRPr/>
               </a:pPr>
               <a:r>
-                <a:rPr lang="pt-BR" b="1" dirty="0">
-                  <a:latin typeface="Arial" panose="020B0604020202020204" pitchFamily="34" charset="0"/>
-                  <a:cs typeface="Arial" panose="020B0604020202020204" pitchFamily="34" charset="0"/>
-                </a:rPr>
-                <a:t>Server </a:t>
-              </a:r>
-              <a:r>
                 <a:rPr lang="pt-BR" b="1" dirty="0" err="1">
                   <a:latin typeface="Arial" panose="020B0604020202020204" pitchFamily="34" charset="0"/>
                   <a:cs typeface="Arial" panose="020B0604020202020204" pitchFamily="34" charset="0"/>
                 </a:rPr>
-                <a:t>Side</a:t>
+                <a:t>ClientSide</a:t>
               </a:r>
               <a:r>
                 <a:rPr lang="pt-BR" b="1" dirty="0">
                   <a:latin typeface="Arial" panose="020B0604020202020204" pitchFamily="34" charset="0"/>
                   <a:cs typeface="Arial" panose="020B0604020202020204" pitchFamily="34" charset="0"/>
                 </a:rPr>
-                <a:t> Web App </a:t>
+                <a:t> WEB</a:t>
               </a:r>
             </a:p>
             <a:p>
@@ -5824,7 +5845,21 @@
                   <a:latin typeface="Arial" panose="020B0604020202020204" pitchFamily="34" charset="0"/>
                   <a:cs typeface="Arial" panose="020B0604020202020204" pitchFamily="34" charset="0"/>
                 </a:rPr>
-                <a:t>[Container:JS]</a:t>
+                <a:t>[</a:t>
+              </a:r>
+              <a:r>
+                <a:rPr lang="pt-BR" b="1" dirty="0" err="1">
+                  <a:latin typeface="Arial" panose="020B0604020202020204" pitchFamily="34" charset="0"/>
+                  <a:cs typeface="Arial" panose="020B0604020202020204" pitchFamily="34" charset="0"/>
+                </a:rPr>
+                <a:t>Container:React</a:t>
+              </a:r>
+              <a:r>
+                <a:rPr lang="pt-BR" b="1" dirty="0">
+                  <a:latin typeface="Arial" panose="020B0604020202020204" pitchFamily="34" charset="0"/>
+                  <a:cs typeface="Arial" panose="020B0604020202020204" pitchFamily="34" charset="0"/>
+                </a:rPr>
+                <a:t>]</a:t>
               </a:r>
             </a:p>
             <a:p>
